--- a/Folder Non Coding/Slide Presentasi Final.pptx
+++ b/Folder Non Coding/Slide Presentasi Final.pptx
@@ -5,7 +5,7 @@
     <p:sldMasterId id="2147483691" r:id="rId1"/>
   </p:sldMasterIdLst>
   <p:notesMasterIdLst>
-    <p:notesMasterId r:id="rId19"/>
+    <p:notesMasterId r:id="rId18"/>
   </p:notesMasterIdLst>
   <p:sldIdLst>
     <p:sldId id="256" r:id="rId2"/>
@@ -13,18 +13,17 @@
     <p:sldId id="277" r:id="rId4"/>
     <p:sldId id="261" r:id="rId5"/>
     <p:sldId id="260" r:id="rId6"/>
-    <p:sldId id="264" r:id="rId7"/>
-    <p:sldId id="266" r:id="rId8"/>
-    <p:sldId id="267" r:id="rId9"/>
-    <p:sldId id="268" r:id="rId10"/>
-    <p:sldId id="269" r:id="rId11"/>
-    <p:sldId id="270" r:id="rId12"/>
-    <p:sldId id="271" r:id="rId13"/>
-    <p:sldId id="272" r:id="rId14"/>
-    <p:sldId id="273" r:id="rId15"/>
-    <p:sldId id="275" r:id="rId16"/>
-    <p:sldId id="276" r:id="rId17"/>
-    <p:sldId id="279" r:id="rId18"/>
+    <p:sldId id="266" r:id="rId7"/>
+    <p:sldId id="267" r:id="rId8"/>
+    <p:sldId id="268" r:id="rId9"/>
+    <p:sldId id="269" r:id="rId10"/>
+    <p:sldId id="270" r:id="rId11"/>
+    <p:sldId id="271" r:id="rId12"/>
+    <p:sldId id="272" r:id="rId13"/>
+    <p:sldId id="278" r:id="rId14"/>
+    <p:sldId id="279" r:id="rId15"/>
+    <p:sldId id="273" r:id="rId16"/>
+    <p:sldId id="275" r:id="rId17"/>
   </p:sldIdLst>
   <p:sldSz cx="12192000" cy="6858000"/>
   <p:notesSz cx="6858000" cy="9144000"/>
@@ -7599,14 +7598,12 @@
         </p:nvSpPr>
         <p:spPr>
           <a:xfrm>
-            <a:off x="1290888" y="1207885"/>
-            <a:ext cx="10178322" cy="786015"/>
+            <a:off x="1264416" y="826885"/>
+            <a:ext cx="10178322" cy="798715"/>
           </a:xfrm>
         </p:spPr>
         <p:txBody>
-          <a:bodyPr>
-            <a:normAutofit fontScale="90000"/>
-          </a:bodyPr>
+          <a:bodyPr/>
           <a:lstStyle/>
           <a:p>
             <a:pPr algn="ctr"/>
@@ -7628,7 +7625,7 @@
                 <a:ea typeface="Tahoma" pitchFamily="34" charset="0"/>
                 <a:cs typeface="Tahoma" pitchFamily="34" charset="0"/>
               </a:rPr>
-              <a:t>PROGRAMMER</a:t>
+              <a:t>DESAINER</a:t>
             </a:r>
             <a:endParaRPr lang="en-US" b="1" cap="none" spc="0" dirty="0">
               <a:ln w="22225">
@@ -7659,14 +7656,14 @@
           <p:nvPr>
             <p:extLst>
               <p:ext uri="{D42A27DB-BD31-4B8C-83A1-F6EECF244321}">
-                <p14:modId xmlns:p14="http://schemas.microsoft.com/office/powerpoint/2010/main" val="2813895189"/>
+                <p14:modId xmlns:p14="http://schemas.microsoft.com/office/powerpoint/2010/main" val="2052862300"/>
               </p:ext>
             </p:extLst>
           </p:nvPr>
         </p:nvGraphicFramePr>
         <p:xfrm>
-          <a:off x="1903209" y="2806043"/>
-          <a:ext cx="8953680" cy="2062172"/>
+          <a:off x="2289577" y="2059069"/>
+          <a:ext cx="8128000" cy="2839720"/>
         </p:xfrm>
         <a:graphic>
           <a:graphicData uri="http://schemas.openxmlformats.org/drawingml/2006/table">
@@ -7675,10 +7672,10 @@
                 <a:tableStyleId>{18603FDC-E32A-4AB5-989C-0864C3EAD2B8}</a:tableStyleId>
               </a:tblPr>
               <a:tblGrid>
-                <a:gridCol w="4476840"/>
-                <a:gridCol w="4476840"/>
+                <a:gridCol w="4064000"/>
+                <a:gridCol w="4064000"/>
               </a:tblGrid>
-              <a:tr h="490354">
+              <a:tr h="370840">
                 <a:tc>
                   <a:txBody>
                     <a:bodyPr/>
@@ -7710,7 +7707,7 @@
                   <a:tcPr/>
                 </a:tc>
               </a:tr>
-              <a:tr h="1571818">
+              <a:tr h="370840">
                 <a:tc>
                   <a:txBody>
                     <a:bodyPr/>
@@ -7718,7 +7715,7 @@
                     <a:p>
                       <a:r>
                         <a:rPr lang="en-US" dirty="0" err="1" smtClean="0"/>
-                        <a:t>Anggota</a:t>
+                        <a:t>Kesalahan</a:t>
                       </a:r>
                       <a:r>
                         <a:rPr lang="en-US" dirty="0" smtClean="0"/>
@@ -7726,7 +7723,7 @@
                       </a:r>
                       <a:r>
                         <a:rPr lang="en-US" dirty="0" err="1" smtClean="0"/>
-                        <a:t>masih</a:t>
+                        <a:t>pada</a:t>
                       </a:r>
                       <a:r>
                         <a:rPr lang="en-US" dirty="0" smtClean="0"/>
@@ -7734,15 +7731,7 @@
                       </a:r>
                       <a:r>
                         <a:rPr lang="en-US" dirty="0" err="1" smtClean="0"/>
-                        <a:t>banyak</a:t>
-                      </a:r>
-                      <a:r>
-                        <a:rPr lang="en-US" dirty="0" smtClean="0"/>
-                        <a:t> yang </a:t>
-                      </a:r>
-                      <a:r>
-                        <a:rPr lang="en-US" dirty="0" err="1" smtClean="0"/>
-                        <a:t>kurang</a:t>
+                        <a:t>komunikasi</a:t>
                       </a:r>
                       <a:r>
                         <a:rPr lang="en-US" dirty="0" smtClean="0"/>
@@ -7750,7 +7739,7 @@
                       </a:r>
                       <a:r>
                         <a:rPr lang="en-US" dirty="0" err="1" smtClean="0"/>
-                        <a:t>tahu</a:t>
+                        <a:t>dalam</a:t>
                       </a:r>
                       <a:r>
                         <a:rPr lang="en-US" dirty="0" smtClean="0"/>
@@ -7758,7 +7747,7 @@
                       </a:r>
                       <a:r>
                         <a:rPr lang="en-US" dirty="0" err="1" smtClean="0"/>
-                        <a:t>pengguna</a:t>
+                        <a:t>menentukan</a:t>
                       </a:r>
                       <a:r>
                         <a:rPr lang="en-US" dirty="0" smtClean="0"/>
@@ -7766,7 +7755,15 @@
                       </a:r>
                       <a:r>
                         <a:rPr lang="en-US" dirty="0" err="1" smtClean="0"/>
-                        <a:t>github</a:t>
+                        <a:t>tugas</a:t>
+                      </a:r>
+                      <a:r>
+                        <a:rPr lang="en-US" dirty="0" smtClean="0"/>
+                        <a:t>/</a:t>
+                      </a:r>
+                      <a:r>
+                        <a:rPr lang="en-US" dirty="0" err="1" smtClean="0"/>
+                        <a:t>bagian</a:t>
                       </a:r>
                       <a:r>
                         <a:rPr lang="en-US" dirty="0" smtClean="0"/>
@@ -7774,15 +7771,7 @@
                       </a:r>
                       <a:r>
                         <a:rPr lang="en-US" dirty="0" err="1" smtClean="0"/>
-                        <a:t>dan</a:t>
-                      </a:r>
-                      <a:r>
-                        <a:rPr lang="en-US" dirty="0" smtClean="0"/>
-                        <a:t> </a:t>
-                      </a:r>
-                      <a:r>
-                        <a:rPr lang="en-US" dirty="0" err="1" smtClean="0"/>
-                        <a:t>laravel</a:t>
+                        <a:t>pengerjaan</a:t>
                       </a:r>
                       <a:endParaRPr lang="en-US" dirty="0"/>
                     </a:p>
@@ -7795,30 +7784,284 @@
                     <a:lstStyle/>
                     <a:p>
                       <a:r>
-                        <a:rPr lang="en-US" dirty="0" err="1" smtClean="0"/>
-                        <a:t>Memberikan</a:t>
-                      </a:r>
-                      <a:r>
-                        <a:rPr lang="en-US" dirty="0" smtClean="0"/>
+                        <a:rPr lang="en-US" dirty="0" err="1" smtClean="0">
+                          <a:sym typeface="Wingdings" panose="05000000000000000000" pitchFamily="2" charset="2"/>
+                        </a:rPr>
+                        <a:t>Berdiskusi</a:t>
+                      </a:r>
+                      <a:r>
+                        <a:rPr lang="en-US" dirty="0" smtClean="0">
+                          <a:sym typeface="Wingdings" panose="05000000000000000000" pitchFamily="2" charset="2"/>
+                        </a:rPr>
                         <a:t> </a:t>
                       </a:r>
                       <a:r>
-                        <a:rPr lang="en-US" dirty="0" err="1" smtClean="0"/>
-                        <a:t>pengajaran</a:t>
-                      </a:r>
-                      <a:r>
-                        <a:rPr lang="en-US" dirty="0" smtClean="0"/>
+                        <a:rPr lang="en-US" dirty="0" err="1" smtClean="0">
+                          <a:sym typeface="Wingdings" panose="05000000000000000000" pitchFamily="2" charset="2"/>
+                        </a:rPr>
+                        <a:t>kembali</a:t>
+                      </a:r>
+                      <a:r>
+                        <a:rPr lang="en-US" dirty="0" smtClean="0">
+                          <a:sym typeface="Wingdings" panose="05000000000000000000" pitchFamily="2" charset="2"/>
+                        </a:rPr>
                         <a:t> </a:t>
                       </a:r>
                       <a:r>
-                        <a:rPr lang="en-US" dirty="0" err="1" smtClean="0"/>
-                        <a:t>cara</a:t>
-                      </a:r>
-                      <a:r>
-                        <a:rPr lang="en-US" dirty="0" smtClean="0"/>
+                        <a:rPr lang="en-US" dirty="0" err="1" smtClean="0">
+                          <a:sym typeface="Wingdings" panose="05000000000000000000" pitchFamily="2" charset="2"/>
+                        </a:rPr>
+                        <a:t>mengenai</a:t>
+                      </a:r>
+                      <a:r>
+                        <a:rPr lang="en-US" dirty="0" smtClean="0">
+                          <a:sym typeface="Wingdings" panose="05000000000000000000" pitchFamily="2" charset="2"/>
+                        </a:rPr>
                         <a:t> </a:t>
                       </a:r>
                       <a:r>
+                        <a:rPr lang="en-US" dirty="0" err="1" smtClean="0">
+                          <a:sym typeface="Wingdings" panose="05000000000000000000" pitchFamily="2" charset="2"/>
+                        </a:rPr>
+                        <a:t>pembagian</a:t>
+                      </a:r>
+                      <a:r>
+                        <a:rPr lang="en-US" dirty="0" smtClean="0">
+                          <a:sym typeface="Wingdings" panose="05000000000000000000" pitchFamily="2" charset="2"/>
+                        </a:rPr>
+                        <a:t> </a:t>
+                      </a:r>
+                      <a:r>
+                        <a:rPr lang="en-US" dirty="0" err="1" smtClean="0">
+                          <a:sym typeface="Wingdings" panose="05000000000000000000" pitchFamily="2" charset="2"/>
+                        </a:rPr>
+                        <a:t>tugas</a:t>
+                      </a:r>
+                      <a:r>
+                        <a:rPr lang="en-US" dirty="0" smtClean="0">
+                          <a:sym typeface="Wingdings" panose="05000000000000000000" pitchFamily="2" charset="2"/>
+                        </a:rPr>
+                        <a:t>, </a:t>
+                      </a:r>
+                      <a:r>
+                        <a:rPr lang="en-US" dirty="0" err="1" smtClean="0">
+                          <a:sym typeface="Wingdings" panose="05000000000000000000" pitchFamily="2" charset="2"/>
+                        </a:rPr>
+                        <a:t>guna</a:t>
+                      </a:r>
+                      <a:r>
+                        <a:rPr lang="en-US" dirty="0" smtClean="0">
+                          <a:sym typeface="Wingdings" panose="05000000000000000000" pitchFamily="2" charset="2"/>
+                        </a:rPr>
+                        <a:t> </a:t>
+                      </a:r>
+                      <a:r>
+                        <a:rPr lang="en-US" dirty="0" err="1" smtClean="0">
+                          <a:sym typeface="Wingdings" panose="05000000000000000000" pitchFamily="2" charset="2"/>
+                        </a:rPr>
+                        <a:t>memperjelas</a:t>
+                      </a:r>
+                      <a:r>
+                        <a:rPr lang="en-US" dirty="0" smtClean="0">
+                          <a:sym typeface="Wingdings" panose="05000000000000000000" pitchFamily="2" charset="2"/>
+                        </a:rPr>
+                        <a:t> </a:t>
+                      </a:r>
+                      <a:r>
+                        <a:rPr lang="en-US" dirty="0" err="1" smtClean="0">
+                          <a:sym typeface="Wingdings" panose="05000000000000000000" pitchFamily="2" charset="2"/>
+                        </a:rPr>
+                        <a:t>pembagian</a:t>
+                      </a:r>
+                      <a:r>
+                        <a:rPr lang="en-US" dirty="0" smtClean="0">
+                          <a:sym typeface="Wingdings" panose="05000000000000000000" pitchFamily="2" charset="2"/>
+                        </a:rPr>
+                        <a:t> </a:t>
+                      </a:r>
+                      <a:r>
+                        <a:rPr lang="en-US" dirty="0" err="1" smtClean="0">
+                          <a:sym typeface="Wingdings" panose="05000000000000000000" pitchFamily="2" charset="2"/>
+                        </a:rPr>
+                        <a:t>tugas</a:t>
+                      </a:r>
+                      <a:r>
+                        <a:rPr lang="en-US" dirty="0" smtClean="0">
+                          <a:sym typeface="Wingdings" panose="05000000000000000000" pitchFamily="2" charset="2"/>
+                        </a:rPr>
+                        <a:t> </a:t>
+                      </a:r>
+                      <a:r>
+                        <a:rPr lang="en-US" dirty="0" err="1" smtClean="0">
+                          <a:sym typeface="Wingdings" panose="05000000000000000000" pitchFamily="2" charset="2"/>
+                        </a:rPr>
+                        <a:t>tersebut</a:t>
+                      </a:r>
+                      <a:endParaRPr lang="en-US" dirty="0"/>
+                    </a:p>
+                  </a:txBody>
+                  <a:tcPr/>
+                </a:tc>
+              </a:tr>
+              <a:tr h="370840">
+                <a:tc>
+                  <a:txBody>
+                    <a:bodyPr/>
+                    <a:lstStyle/>
+                    <a:p>
+                      <a:r>
+                        <a:rPr lang="en-US" dirty="0" err="1" smtClean="0"/>
+                        <a:t>Pembagian</a:t>
+                      </a:r>
+                      <a:r>
+                        <a:rPr lang="en-US" dirty="0" smtClean="0"/>
+                        <a:t> </a:t>
+                      </a:r>
+                      <a:r>
+                        <a:rPr lang="en-US" dirty="0" err="1" smtClean="0"/>
+                        <a:t>waktu</a:t>
+                      </a:r>
+                      <a:r>
+                        <a:rPr lang="en-US" dirty="0" smtClean="0"/>
+                        <a:t> (timeline) </a:t>
+                      </a:r>
+                      <a:r>
+                        <a:rPr lang="en-US" dirty="0" err="1" smtClean="0"/>
+                        <a:t>kerja</a:t>
+                      </a:r>
+                      <a:r>
+                        <a:rPr lang="en-US" dirty="0" smtClean="0"/>
+                        <a:t> yang </a:t>
+                      </a:r>
+                      <a:r>
+                        <a:rPr lang="en-US" dirty="0" err="1" smtClean="0"/>
+                        <a:t>kurang</a:t>
+                      </a:r>
+                      <a:r>
+                        <a:rPr lang="en-US" dirty="0" smtClean="0"/>
+                        <a:t> </a:t>
+                      </a:r>
+                      <a:r>
+                        <a:rPr lang="en-US" dirty="0" err="1" smtClean="0"/>
+                        <a:t>jelas</a:t>
+                      </a:r>
+                      <a:endParaRPr lang="en-US" dirty="0"/>
+                    </a:p>
+                  </a:txBody>
+                  <a:tcPr/>
+                </a:tc>
+                <a:tc>
+                  <a:txBody>
+                    <a:bodyPr/>
+                    <a:lstStyle/>
+                    <a:p>
+                      <a:r>
+                        <a:rPr lang="en-US" dirty="0" err="1" smtClean="0">
+                          <a:sym typeface="Wingdings" panose="05000000000000000000" pitchFamily="2" charset="2"/>
+                        </a:rPr>
+                        <a:t>Lebih</a:t>
+                      </a:r>
+                      <a:r>
+                        <a:rPr lang="en-US" dirty="0" smtClean="0">
+                          <a:sym typeface="Wingdings" panose="05000000000000000000" pitchFamily="2" charset="2"/>
+                        </a:rPr>
+                        <a:t> </a:t>
+                      </a:r>
+                      <a:r>
+                        <a:rPr lang="en-US" dirty="0" err="1" smtClean="0">
+                          <a:sym typeface="Wingdings" panose="05000000000000000000" pitchFamily="2" charset="2"/>
+                        </a:rPr>
+                        <a:t>banyak</a:t>
+                      </a:r>
+                      <a:r>
+                        <a:rPr lang="en-US" dirty="0" smtClean="0">
+                          <a:sym typeface="Wingdings" panose="05000000000000000000" pitchFamily="2" charset="2"/>
+                        </a:rPr>
+                        <a:t> </a:t>
+                      </a:r>
+                      <a:r>
+                        <a:rPr lang="en-US" dirty="0" err="1" smtClean="0">
+                          <a:sym typeface="Wingdings" panose="05000000000000000000" pitchFamily="2" charset="2"/>
+                        </a:rPr>
+                        <a:t>berkomunikasi</a:t>
+                      </a:r>
+                      <a:r>
+                        <a:rPr lang="en-US" dirty="0" smtClean="0">
+                          <a:sym typeface="Wingdings" panose="05000000000000000000" pitchFamily="2" charset="2"/>
+                        </a:rPr>
+                        <a:t> via chat Line </a:t>
+                      </a:r>
+                      <a:r>
+                        <a:rPr lang="en-US" dirty="0" err="1" smtClean="0">
+                          <a:sym typeface="Wingdings" panose="05000000000000000000" pitchFamily="2" charset="2"/>
+                        </a:rPr>
+                        <a:t>untuk</a:t>
+                      </a:r>
+                      <a:r>
+                        <a:rPr lang="en-US" dirty="0" smtClean="0">
+                          <a:sym typeface="Wingdings" panose="05000000000000000000" pitchFamily="2" charset="2"/>
+                        </a:rPr>
+                        <a:t> </a:t>
+                      </a:r>
+                      <a:r>
+                        <a:rPr lang="en-US" dirty="0" err="1" smtClean="0">
+                          <a:sym typeface="Wingdings" panose="05000000000000000000" pitchFamily="2" charset="2"/>
+                        </a:rPr>
+                        <a:t>menentukan</a:t>
+                      </a:r>
+                      <a:r>
+                        <a:rPr lang="en-US" dirty="0" smtClean="0">
+                          <a:sym typeface="Wingdings" panose="05000000000000000000" pitchFamily="2" charset="2"/>
+                        </a:rPr>
+                        <a:t> deadline </a:t>
+                      </a:r>
+                      <a:r>
+                        <a:rPr lang="en-US" dirty="0" err="1" smtClean="0">
+                          <a:sym typeface="Wingdings" panose="05000000000000000000" pitchFamily="2" charset="2"/>
+                        </a:rPr>
+                        <a:t>pengerjaan</a:t>
+                      </a:r>
+                      <a:r>
+                        <a:rPr lang="en-US" dirty="0" smtClean="0">
+                          <a:sym typeface="Wingdings" panose="05000000000000000000" pitchFamily="2" charset="2"/>
+                        </a:rPr>
+                        <a:t> </a:t>
+                      </a:r>
+                      <a:r>
+                        <a:rPr lang="en-US" dirty="0" err="1" smtClean="0">
+                          <a:sym typeface="Wingdings" panose="05000000000000000000" pitchFamily="2" charset="2"/>
+                        </a:rPr>
+                        <a:t>tugas</a:t>
+                      </a:r>
+                      <a:endParaRPr lang="en-US" dirty="0"/>
+                    </a:p>
+                  </a:txBody>
+                  <a:tcPr/>
+                </a:tc>
+              </a:tr>
+              <a:tr h="370840">
+                <a:tc>
+                  <a:txBody>
+                    <a:bodyPr/>
+                    <a:lstStyle/>
+                    <a:p>
+                      <a:r>
+                        <a:rPr lang="en-US" dirty="0" err="1" smtClean="0"/>
+                        <a:t>Masalah</a:t>
+                      </a:r>
+                      <a:r>
+                        <a:rPr lang="en-US" dirty="0" smtClean="0"/>
+                        <a:t> </a:t>
+                      </a:r>
+                      <a:r>
+                        <a:rPr lang="en-US" dirty="0" err="1" smtClean="0"/>
+                        <a:t>pada</a:t>
+                      </a:r>
+                      <a:r>
+                        <a:rPr lang="en-US" dirty="0" smtClean="0"/>
+                        <a:t> </a:t>
+                      </a:r>
+                      <a:r>
                         <a:rPr lang="en-US" dirty="0" err="1" smtClean="0"/>
                         <a:t>penggunaan</a:t>
                       </a:r>
@@ -7828,75 +8071,95 @@
                       </a:r>
                       <a:r>
                         <a:rPr lang="en-US" dirty="0" err="1" smtClean="0"/>
-                        <a:t>github</a:t>
-                      </a:r>
-                      <a:r>
-                        <a:rPr lang="en-US" dirty="0" smtClean="0"/>
+                        <a:t>GitHub</a:t>
+                      </a:r>
+                      <a:endParaRPr lang="en-US" dirty="0"/>
+                    </a:p>
+                  </a:txBody>
+                  <a:tcPr/>
+                </a:tc>
+                <a:tc>
+                  <a:txBody>
+                    <a:bodyPr/>
+                    <a:lstStyle/>
+                    <a:p>
+                      <a:r>
+                        <a:rPr lang="en-US" dirty="0" err="1" smtClean="0">
+                          <a:sym typeface="Wingdings" panose="05000000000000000000" pitchFamily="2" charset="2"/>
+                        </a:rPr>
+                        <a:t>Memberi</a:t>
+                      </a:r>
+                      <a:r>
+                        <a:rPr lang="en-US" dirty="0" smtClean="0">
+                          <a:sym typeface="Wingdings" panose="05000000000000000000" pitchFamily="2" charset="2"/>
+                        </a:rPr>
                         <a:t> </a:t>
                       </a:r>
                       <a:r>
-                        <a:rPr lang="en-US" dirty="0" err="1" smtClean="0"/>
-                        <a:t>dan</a:t>
-                      </a:r>
-                      <a:r>
-                        <a:rPr lang="en-US" dirty="0" smtClean="0"/>
+                        <a:rPr lang="en-US" dirty="0" err="1" smtClean="0">
+                          <a:sym typeface="Wingdings" panose="05000000000000000000" pitchFamily="2" charset="2"/>
+                        </a:rPr>
+                        <a:t>informasi</a:t>
+                      </a:r>
+                      <a:r>
+                        <a:rPr lang="en-US" dirty="0" smtClean="0">
+                          <a:sym typeface="Wingdings" panose="05000000000000000000" pitchFamily="2" charset="2"/>
+                        </a:rPr>
                         <a:t> </a:t>
                       </a:r>
                       <a:r>
-                        <a:rPr lang="en-US" dirty="0" err="1" smtClean="0"/>
-                        <a:t>laravel</a:t>
-                      </a:r>
-                      <a:r>
-                        <a:rPr lang="en-US" dirty="0" smtClean="0"/>
+                        <a:rPr lang="en-US" dirty="0" err="1" smtClean="0">
+                          <a:sym typeface="Wingdings" panose="05000000000000000000" pitchFamily="2" charset="2"/>
+                        </a:rPr>
+                        <a:t>terakhir</a:t>
+                      </a:r>
+                      <a:r>
+                        <a:rPr lang="en-US" dirty="0" smtClean="0">
+                          <a:sym typeface="Wingdings" panose="05000000000000000000" pitchFamily="2" charset="2"/>
+                        </a:rPr>
                         <a:t> </a:t>
                       </a:r>
                       <a:r>
-                        <a:rPr lang="en-US" dirty="0" err="1" smtClean="0"/>
-                        <a:t>serta</a:t>
-                      </a:r>
-                      <a:r>
-                        <a:rPr lang="en-US" dirty="0" smtClean="0"/>
+                        <a:rPr lang="en-US" dirty="0" err="1" smtClean="0">
+                          <a:sym typeface="Wingdings" panose="05000000000000000000" pitchFamily="2" charset="2"/>
+                        </a:rPr>
+                        <a:t>mengenai</a:t>
+                      </a:r>
+                      <a:r>
+                        <a:rPr lang="en-US" dirty="0" smtClean="0">
+                          <a:sym typeface="Wingdings" panose="05000000000000000000" pitchFamily="2" charset="2"/>
+                        </a:rPr>
                         <a:t> </a:t>
                       </a:r>
                       <a:r>
-                        <a:rPr lang="en-US" dirty="0" err="1" smtClean="0"/>
-                        <a:t>memberikan</a:t>
-                      </a:r>
-                      <a:r>
-                        <a:rPr lang="en-US" dirty="0" smtClean="0"/>
+                        <a:rPr lang="en-US" dirty="0" err="1" smtClean="0">
+                          <a:sym typeface="Wingdings" panose="05000000000000000000" pitchFamily="2" charset="2"/>
+                        </a:rPr>
+                        <a:t>tugas</a:t>
+                      </a:r>
+                      <a:r>
+                        <a:rPr lang="en-US" dirty="0" smtClean="0">
+                          <a:sym typeface="Wingdings" panose="05000000000000000000" pitchFamily="2" charset="2"/>
+                        </a:rPr>
+                        <a:t> yang </a:t>
+                      </a:r>
+                      <a:r>
+                        <a:rPr lang="en-US" dirty="0" err="1" smtClean="0">
+                          <a:sym typeface="Wingdings" panose="05000000000000000000" pitchFamily="2" charset="2"/>
+                        </a:rPr>
+                        <a:t>telah</a:t>
+                      </a:r>
+                      <a:r>
+                        <a:rPr lang="en-US" dirty="0" smtClean="0">
+                          <a:sym typeface="Wingdings" panose="05000000000000000000" pitchFamily="2" charset="2"/>
+                        </a:rPr>
                         <a:t> </a:t>
                       </a:r>
                       <a:r>
-                        <a:rPr lang="en-US" dirty="0" err="1" smtClean="0"/>
-                        <a:t>praktik</a:t>
-                      </a:r>
-                      <a:r>
-                        <a:rPr lang="en-US" dirty="0" smtClean="0"/>
-                        <a:t> </a:t>
-                      </a:r>
-                      <a:r>
-                        <a:rPr lang="en-US" dirty="0" err="1" smtClean="0"/>
-                        <a:t>secara</a:t>
-                      </a:r>
-                      <a:r>
-                        <a:rPr lang="en-US" dirty="0" smtClean="0"/>
-                        <a:t> </a:t>
-                      </a:r>
-                      <a:r>
-                        <a:rPr lang="en-US" dirty="0" err="1" smtClean="0"/>
-                        <a:t>langsung</a:t>
-                      </a:r>
-                      <a:r>
-                        <a:rPr lang="en-US" dirty="0" smtClean="0"/>
-                        <a:t> di </a:t>
-                      </a:r>
-                      <a:r>
-                        <a:rPr lang="en-US" dirty="0" err="1" smtClean="0"/>
-                        <a:t>awal</a:t>
-                      </a:r>
-                      <a:r>
-                        <a:rPr lang="en-US" dirty="0" smtClean="0"/>
-                        <a:t> project</a:t>
+                        <a:rPr lang="en-US" dirty="0" err="1" smtClean="0">
+                          <a:sym typeface="Wingdings" panose="05000000000000000000" pitchFamily="2" charset="2"/>
+                        </a:rPr>
+                        <a:t>dikerjakan</a:t>
                       </a:r>
                       <a:endParaRPr lang="en-US" dirty="0"/>
                     </a:p>
@@ -7911,7 +8174,7 @@
     </p:spTree>
     <p:extLst>
       <p:ext uri="{BB962C8B-B14F-4D97-AF65-F5344CB8AC3E}">
-        <p14:creationId xmlns:p14="http://schemas.microsoft.com/office/powerpoint/2010/main" val="398033000"/>
+        <p14:creationId xmlns:p14="http://schemas.microsoft.com/office/powerpoint/2010/main" val="3458237191"/>
       </p:ext>
     </p:extLst>
   </p:cSld>
@@ -7957,8 +8220,8 @@
         </p:nvSpPr>
         <p:spPr>
           <a:xfrm>
-            <a:off x="1264416" y="826885"/>
-            <a:ext cx="10178322" cy="798715"/>
+            <a:off x="1226278" y="674485"/>
+            <a:ext cx="10178322" cy="849515"/>
           </a:xfrm>
         </p:spPr>
         <p:txBody>
@@ -7984,7 +8247,7 @@
                 <a:ea typeface="Tahoma" pitchFamily="34" charset="0"/>
                 <a:cs typeface="Tahoma" pitchFamily="34" charset="0"/>
               </a:rPr>
-              <a:t>DESAINER</a:t>
+              <a:t>KOMUNIKASI</a:t>
             </a:r>
             <a:endParaRPr lang="en-US" b="1" cap="none" spc="0" dirty="0">
               <a:ln w="22225">
@@ -8015,14 +8278,14 @@
           <p:nvPr>
             <p:extLst>
               <p:ext uri="{D42A27DB-BD31-4B8C-83A1-F6EECF244321}">
-                <p14:modId xmlns:p14="http://schemas.microsoft.com/office/powerpoint/2010/main" val="2052862300"/>
+                <p14:modId xmlns:p14="http://schemas.microsoft.com/office/powerpoint/2010/main" val="716771492"/>
               </p:ext>
             </p:extLst>
           </p:nvPr>
         </p:nvGraphicFramePr>
         <p:xfrm>
-          <a:off x="2289577" y="2059069"/>
-          <a:ext cx="8128000" cy="2839720"/>
+          <a:off x="2031998" y="1904523"/>
+          <a:ext cx="8902164" cy="3334616"/>
         </p:xfrm>
         <a:graphic>
           <a:graphicData uri="http://schemas.openxmlformats.org/drawingml/2006/table">
@@ -8031,10 +8294,10 @@
                 <a:tableStyleId>{18603FDC-E32A-4AB5-989C-0864C3EAD2B8}</a:tableStyleId>
               </a:tblPr>
               <a:tblGrid>
-                <a:gridCol w="4064000"/>
-                <a:gridCol w="4064000"/>
+                <a:gridCol w="4451082"/>
+                <a:gridCol w="4451082"/>
               </a:tblGrid>
-              <a:tr h="370840">
+              <a:tr h="393594">
                 <a:tc>
                   <a:txBody>
                     <a:bodyPr/>
@@ -8066,7 +8329,7 @@
                   <a:tcPr/>
                 </a:tc>
               </a:tr>
-              <a:tr h="370840">
+              <a:tr h="393594">
                 <a:tc>
                   <a:txBody>
                     <a:bodyPr/>
@@ -8074,7 +8337,7 @@
                     <a:p>
                       <a:r>
                         <a:rPr lang="en-US" dirty="0" err="1" smtClean="0"/>
-                        <a:t>Kesalahan</a:t>
+                        <a:t>Kurangnya</a:t>
                       </a:r>
                       <a:r>
                         <a:rPr lang="en-US" dirty="0" smtClean="0"/>
@@ -8082,7 +8345,7 @@
                       </a:r>
                       <a:r>
                         <a:rPr lang="en-US" dirty="0" err="1" smtClean="0"/>
-                        <a:t>pada</a:t>
+                        <a:t>koordinasi</a:t>
                       </a:r>
                       <a:r>
                         <a:rPr lang="en-US" dirty="0" smtClean="0"/>
@@ -8090,7 +8353,7 @@
                       </a:r>
                       <a:r>
                         <a:rPr lang="en-US" dirty="0" err="1" smtClean="0"/>
-                        <a:t>komunikasi</a:t>
+                        <a:t>antar</a:t>
                       </a:r>
                       <a:r>
                         <a:rPr lang="en-US" dirty="0" smtClean="0"/>
@@ -8098,39 +8361,7 @@
                       </a:r>
                       <a:r>
                         <a:rPr lang="en-US" dirty="0" err="1" smtClean="0"/>
-                        <a:t>dalam</a:t>
-                      </a:r>
-                      <a:r>
-                        <a:rPr lang="en-US" dirty="0" smtClean="0"/>
-                        <a:t> </a:t>
-                      </a:r>
-                      <a:r>
-                        <a:rPr lang="en-US" dirty="0" err="1" smtClean="0"/>
-                        <a:t>menentukan</a:t>
-                      </a:r>
-                      <a:r>
-                        <a:rPr lang="en-US" dirty="0" smtClean="0"/>
-                        <a:t> </a:t>
-                      </a:r>
-                      <a:r>
-                        <a:rPr lang="en-US" dirty="0" err="1" smtClean="0"/>
-                        <a:t>tugas</a:t>
-                      </a:r>
-                      <a:r>
-                        <a:rPr lang="en-US" dirty="0" smtClean="0"/>
-                        <a:t>/</a:t>
-                      </a:r>
-                      <a:r>
-                        <a:rPr lang="en-US" dirty="0" err="1" smtClean="0"/>
-                        <a:t>bagian</a:t>
-                      </a:r>
-                      <a:r>
-                        <a:rPr lang="en-US" dirty="0" smtClean="0"/>
-                        <a:t> </a:t>
-                      </a:r>
-                      <a:r>
-                        <a:rPr lang="en-US" dirty="0" err="1" smtClean="0"/>
-                        <a:t>pengerjaan</a:t>
+                        <a:t>divisi</a:t>
                       </a:r>
                       <a:endParaRPr lang="en-US" dirty="0"/>
                     </a:p>
@@ -8143,118 +8374,32 @@
                     <a:lstStyle/>
                     <a:p>
                       <a:r>
-                        <a:rPr lang="en-US" dirty="0" err="1" smtClean="0">
-                          <a:sym typeface="Wingdings" panose="05000000000000000000" pitchFamily="2" charset="2"/>
-                        </a:rPr>
-                        <a:t>Berdiskusi</a:t>
-                      </a:r>
-                      <a:r>
-                        <a:rPr lang="en-US" dirty="0" smtClean="0">
-                          <a:sym typeface="Wingdings" panose="05000000000000000000" pitchFamily="2" charset="2"/>
-                        </a:rPr>
+                        <a:rPr lang="en-US" dirty="0" err="1" smtClean="0"/>
+                        <a:t>Koordinasi</a:t>
+                      </a:r>
+                      <a:r>
+                        <a:rPr lang="en-US" dirty="0" smtClean="0"/>
                         <a:t> </a:t>
                       </a:r>
                       <a:r>
-                        <a:rPr lang="en-US" dirty="0" err="1" smtClean="0">
-                          <a:sym typeface="Wingdings" panose="05000000000000000000" pitchFamily="2" charset="2"/>
-                        </a:rPr>
-                        <a:t>kembali</a:t>
-                      </a:r>
-                      <a:r>
-                        <a:rPr lang="en-US" dirty="0" smtClean="0">
-                          <a:sym typeface="Wingdings" panose="05000000000000000000" pitchFamily="2" charset="2"/>
-                        </a:rPr>
+                        <a:rPr lang="en-US" dirty="0" err="1" smtClean="0"/>
+                        <a:t>saat</a:t>
+                      </a:r>
+                      <a:r>
+                        <a:rPr lang="en-US" dirty="0" smtClean="0"/>
                         <a:t> </a:t>
                       </a:r>
                       <a:r>
-                        <a:rPr lang="en-US" dirty="0" err="1" smtClean="0">
-                          <a:sym typeface="Wingdings" panose="05000000000000000000" pitchFamily="2" charset="2"/>
-                        </a:rPr>
-                        <a:t>mengenai</a:t>
-                      </a:r>
-                      <a:r>
-                        <a:rPr lang="en-US" dirty="0" smtClean="0">
-                          <a:sym typeface="Wingdings" panose="05000000000000000000" pitchFamily="2" charset="2"/>
-                        </a:rPr>
+                        <a:rPr lang="en-US" dirty="0" err="1" smtClean="0"/>
+                        <a:t>rapat</a:t>
+                      </a:r>
+                      <a:r>
+                        <a:rPr lang="en-US" dirty="0" smtClean="0"/>
                         <a:t> </a:t>
                       </a:r>
                       <a:r>
-                        <a:rPr lang="en-US" dirty="0" err="1" smtClean="0">
-                          <a:sym typeface="Wingdings" panose="05000000000000000000" pitchFamily="2" charset="2"/>
-                        </a:rPr>
-                        <a:t>pembagian</a:t>
-                      </a:r>
-                      <a:r>
-                        <a:rPr lang="en-US" dirty="0" smtClean="0">
-                          <a:sym typeface="Wingdings" panose="05000000000000000000" pitchFamily="2" charset="2"/>
-                        </a:rPr>
-                        <a:t> </a:t>
-                      </a:r>
-                      <a:r>
-                        <a:rPr lang="en-US" dirty="0" err="1" smtClean="0">
-                          <a:sym typeface="Wingdings" panose="05000000000000000000" pitchFamily="2" charset="2"/>
-                        </a:rPr>
-                        <a:t>tugas</a:t>
-                      </a:r>
-                      <a:r>
-                        <a:rPr lang="en-US" dirty="0" smtClean="0">
-                          <a:sym typeface="Wingdings" panose="05000000000000000000" pitchFamily="2" charset="2"/>
-                        </a:rPr>
-                        <a:t>, </a:t>
-                      </a:r>
-                      <a:r>
-                        <a:rPr lang="en-US" dirty="0" err="1" smtClean="0">
-                          <a:sym typeface="Wingdings" panose="05000000000000000000" pitchFamily="2" charset="2"/>
-                        </a:rPr>
-                        <a:t>guna</a:t>
-                      </a:r>
-                      <a:r>
-                        <a:rPr lang="en-US" dirty="0" smtClean="0">
-                          <a:sym typeface="Wingdings" panose="05000000000000000000" pitchFamily="2" charset="2"/>
-                        </a:rPr>
-                        <a:t> </a:t>
-                      </a:r>
-                      <a:r>
-                        <a:rPr lang="en-US" dirty="0" err="1" smtClean="0">
-                          <a:sym typeface="Wingdings" panose="05000000000000000000" pitchFamily="2" charset="2"/>
-                        </a:rPr>
-                        <a:t>memperjelas</a:t>
-                      </a:r>
-                      <a:r>
-                        <a:rPr lang="en-US" dirty="0" smtClean="0">
-                          <a:sym typeface="Wingdings" panose="05000000000000000000" pitchFamily="2" charset="2"/>
-                        </a:rPr>
-                        <a:t> </a:t>
-                      </a:r>
-                      <a:r>
-                        <a:rPr lang="en-US" dirty="0" err="1" smtClean="0">
-                          <a:sym typeface="Wingdings" panose="05000000000000000000" pitchFamily="2" charset="2"/>
-                        </a:rPr>
-                        <a:t>pembagian</a:t>
-                      </a:r>
-                      <a:r>
-                        <a:rPr lang="en-US" dirty="0" smtClean="0">
-                          <a:sym typeface="Wingdings" panose="05000000000000000000" pitchFamily="2" charset="2"/>
-                        </a:rPr>
-                        <a:t> </a:t>
-                      </a:r>
-                      <a:r>
-                        <a:rPr lang="en-US" dirty="0" err="1" smtClean="0">
-                          <a:sym typeface="Wingdings" panose="05000000000000000000" pitchFamily="2" charset="2"/>
-                        </a:rPr>
-                        <a:t>tugas</a:t>
-                      </a:r>
-                      <a:r>
-                        <a:rPr lang="en-US" dirty="0" smtClean="0">
-                          <a:sym typeface="Wingdings" panose="05000000000000000000" pitchFamily="2" charset="2"/>
-                        </a:rPr>
-                        <a:t> </a:t>
-                      </a:r>
-                      <a:r>
-                        <a:rPr lang="en-US" dirty="0" err="1" smtClean="0">
-                          <a:sym typeface="Wingdings" panose="05000000000000000000" pitchFamily="2" charset="2"/>
-                        </a:rPr>
-                        <a:t>tersebut</a:t>
+                        <a:rPr lang="en-US" dirty="0" err="1" smtClean="0"/>
+                        <a:t>rutin</a:t>
                       </a:r>
                       <a:endParaRPr lang="en-US" dirty="0"/>
                     </a:p>
@@ -8262,7 +8407,7 @@
                   <a:tcPr/>
                 </a:tc>
               </a:tr>
-              <a:tr h="370840">
+              <a:tr h="679354">
                 <a:tc>
                   <a:txBody>
                     <a:bodyPr/>
@@ -8270,7 +8415,7 @@
                     <a:p>
                       <a:r>
                         <a:rPr lang="en-US" dirty="0" err="1" smtClean="0"/>
-                        <a:t>Pembagian</a:t>
+                        <a:t>Kurangnya</a:t>
                       </a:r>
                       <a:r>
                         <a:rPr lang="en-US" dirty="0" smtClean="0"/>
@@ -8278,11 +8423,11 @@
                       </a:r>
                       <a:r>
                         <a:rPr lang="en-US" dirty="0" err="1" smtClean="0"/>
-                        <a:t>waktu</a:t>
-                      </a:r>
-                      <a:r>
-                        <a:rPr lang="en-US" dirty="0" smtClean="0"/>
-                        <a:t> (timeline) </a:t>
+                        <a:t>pembagian</a:t>
+                      </a:r>
+                      <a:r>
+                        <a:rPr lang="en-US" dirty="0" smtClean="0"/>
+                        <a:t> </a:t>
                       </a:r>
                       <a:r>
                         <a:rPr lang="en-US" dirty="0" err="1" smtClean="0"/>
@@ -8290,19 +8435,19 @@
                       </a:r>
                       <a:r>
                         <a:rPr lang="en-US" dirty="0" smtClean="0"/>
-                        <a:t> yang </a:t>
-                      </a:r>
-                      <a:r>
-                        <a:rPr lang="en-US" dirty="0" err="1" smtClean="0"/>
-                        <a:t>kurang</a:t>
-                      </a:r>
-                      <a:r>
-                        <a:rPr lang="en-US" dirty="0" smtClean="0"/>
                         <a:t> </a:t>
                       </a:r>
                       <a:r>
                         <a:rPr lang="en-US" dirty="0" err="1" smtClean="0"/>
-                        <a:t>jelas</a:t>
+                        <a:t>antar</a:t>
+                      </a:r>
+                      <a:r>
+                        <a:rPr lang="en-US" dirty="0" smtClean="0"/>
+                        <a:t> </a:t>
+                      </a:r>
+                      <a:r>
+                        <a:rPr lang="en-US" dirty="0" err="1" smtClean="0"/>
+                        <a:t>divisi</a:t>
                       </a:r>
                       <a:endParaRPr lang="en-US" dirty="0"/>
                     </a:p>
@@ -8315,82 +8460,40 @@
                     <a:lstStyle/>
                     <a:p>
                       <a:r>
-                        <a:rPr lang="en-US" dirty="0" err="1" smtClean="0">
-                          <a:sym typeface="Wingdings" panose="05000000000000000000" pitchFamily="2" charset="2"/>
-                        </a:rPr>
-                        <a:t>Lebih</a:t>
-                      </a:r>
-                      <a:r>
-                        <a:rPr lang="en-US" dirty="0" smtClean="0">
-                          <a:sym typeface="Wingdings" panose="05000000000000000000" pitchFamily="2" charset="2"/>
-                        </a:rPr>
+                        <a:rPr lang="en-US" dirty="0" err="1" smtClean="0"/>
+                        <a:t>Pembagian</a:t>
+                      </a:r>
+                      <a:r>
+                        <a:rPr lang="en-US" dirty="0" smtClean="0"/>
                         <a:t> </a:t>
                       </a:r>
                       <a:r>
-                        <a:rPr lang="en-US" dirty="0" err="1" smtClean="0">
-                          <a:sym typeface="Wingdings" panose="05000000000000000000" pitchFamily="2" charset="2"/>
-                        </a:rPr>
-                        <a:t>banyak</a:t>
-                      </a:r>
-                      <a:r>
-                        <a:rPr lang="en-US" dirty="0" smtClean="0">
-                          <a:sym typeface="Wingdings" panose="05000000000000000000" pitchFamily="2" charset="2"/>
-                        </a:rPr>
+                        <a:rPr lang="en-US" dirty="0" err="1" smtClean="0"/>
+                        <a:t>kerja</a:t>
+                      </a:r>
+                      <a:r>
+                        <a:rPr lang="en-US" dirty="0" smtClean="0"/>
                         <a:t> </a:t>
                       </a:r>
                       <a:r>
-                        <a:rPr lang="en-US" dirty="0" err="1" smtClean="0">
-                          <a:sym typeface="Wingdings" panose="05000000000000000000" pitchFamily="2" charset="2"/>
-                        </a:rPr>
-                        <a:t>berkomunikasi</a:t>
-                      </a:r>
-                      <a:r>
-                        <a:rPr lang="en-US" dirty="0" smtClean="0">
-                          <a:sym typeface="Wingdings" panose="05000000000000000000" pitchFamily="2" charset="2"/>
-                        </a:rPr>
-                        <a:t> via chat Line </a:t>
-                      </a:r>
-                      <a:r>
-                        <a:rPr lang="en-US" dirty="0" err="1" smtClean="0">
-                          <a:sym typeface="Wingdings" panose="05000000000000000000" pitchFamily="2" charset="2"/>
-                        </a:rPr>
-                        <a:t>untuk</a:t>
-                      </a:r>
-                      <a:r>
-                        <a:rPr lang="en-US" dirty="0" smtClean="0">
-                          <a:sym typeface="Wingdings" panose="05000000000000000000" pitchFamily="2" charset="2"/>
-                        </a:rPr>
+                        <a:rPr lang="en-US" dirty="0" err="1" smtClean="0"/>
+                        <a:t>saat</a:t>
+                      </a:r>
+                      <a:r>
+                        <a:rPr lang="en-US" dirty="0" smtClean="0"/>
                         <a:t> </a:t>
                       </a:r>
                       <a:r>
-                        <a:rPr lang="en-US" dirty="0" err="1" smtClean="0">
-                          <a:sym typeface="Wingdings" panose="05000000000000000000" pitchFamily="2" charset="2"/>
-                        </a:rPr>
-                        <a:t>menentukan</a:t>
-                      </a:r>
-                      <a:r>
-                        <a:rPr lang="en-US" dirty="0" smtClean="0">
-                          <a:sym typeface="Wingdings" panose="05000000000000000000" pitchFamily="2" charset="2"/>
-                        </a:rPr>
-                        <a:t> deadline </a:t>
-                      </a:r>
-                      <a:r>
-                        <a:rPr lang="en-US" dirty="0" err="1" smtClean="0">
-                          <a:sym typeface="Wingdings" panose="05000000000000000000" pitchFamily="2" charset="2"/>
-                        </a:rPr>
-                        <a:t>pengerjaan</a:t>
-                      </a:r>
-                      <a:r>
-                        <a:rPr lang="en-US" dirty="0" smtClean="0">
-                          <a:sym typeface="Wingdings" panose="05000000000000000000" pitchFamily="2" charset="2"/>
-                        </a:rPr>
+                        <a:rPr lang="en-US" dirty="0" err="1" smtClean="0"/>
+                        <a:t>rapat</a:t>
+                      </a:r>
+                      <a:r>
+                        <a:rPr lang="en-US" dirty="0" smtClean="0"/>
                         <a:t> </a:t>
                       </a:r>
                       <a:r>
-                        <a:rPr lang="en-US" dirty="0" err="1" smtClean="0">
-                          <a:sym typeface="Wingdings" panose="05000000000000000000" pitchFamily="2" charset="2"/>
-                        </a:rPr>
-                        <a:t>tugas</a:t>
+                        <a:rPr lang="en-US" dirty="0" err="1" smtClean="0"/>
+                        <a:t>rutin</a:t>
                       </a:r>
                       <a:endParaRPr lang="en-US" dirty="0"/>
                     </a:p>
@@ -8398,15 +8501,19 @@
                   <a:tcPr/>
                 </a:tc>
               </a:tr>
-              <a:tr h="370840">
+              <a:tr h="679354">
                 <a:tc>
                   <a:txBody>
                     <a:bodyPr/>
                     <a:lstStyle/>
                     <a:p>
                       <a:r>
-                        <a:rPr lang="en-US" dirty="0" err="1" smtClean="0"/>
-                        <a:t>Masalah</a:t>
+                        <a:rPr lang="en-US" dirty="0" smtClean="0"/>
+                        <a:t>Susah </a:t>
+                      </a:r>
+                      <a:r>
+                        <a:rPr lang="en-US" dirty="0" err="1" smtClean="0"/>
+                        <a:t>membagi</a:t>
                       </a:r>
                       <a:r>
                         <a:rPr lang="en-US" dirty="0" smtClean="0"/>
@@ -8414,7 +8521,7 @@
                       </a:r>
                       <a:r>
                         <a:rPr lang="en-US" dirty="0" err="1" smtClean="0"/>
-                        <a:t>pada</a:t>
+                        <a:t>waktu</a:t>
                       </a:r>
                       <a:r>
                         <a:rPr lang="en-US" dirty="0" smtClean="0"/>
@@ -8422,7 +8529,7 @@
                       </a:r>
                       <a:r>
                         <a:rPr lang="en-US" dirty="0" err="1" smtClean="0"/>
-                        <a:t>penggunaan</a:t>
+                        <a:t>pertemuan</a:t>
                       </a:r>
                       <a:r>
                         <a:rPr lang="en-US" dirty="0" smtClean="0"/>
@@ -8430,7 +8537,11 @@
                       </a:r>
                       <a:r>
                         <a:rPr lang="en-US" dirty="0" err="1" smtClean="0"/>
-                        <a:t>GitHub</a:t>
+                        <a:t>dengan</a:t>
+                      </a:r>
+                      <a:r>
+                        <a:rPr lang="en-US" dirty="0" smtClean="0"/>
+                        <a:t> client</a:t>
                       </a:r>
                       <a:endParaRPr lang="en-US" dirty="0"/>
                     </a:p>
@@ -8443,83 +8554,307 @@
                     <a:lstStyle/>
                     <a:p>
                       <a:r>
-                        <a:rPr lang="en-US" dirty="0" err="1" smtClean="0">
-                          <a:sym typeface="Wingdings" panose="05000000000000000000" pitchFamily="2" charset="2"/>
-                        </a:rPr>
-                        <a:t>Memberi</a:t>
-                      </a:r>
-                      <a:r>
-                        <a:rPr lang="en-US" dirty="0" smtClean="0">
-                          <a:sym typeface="Wingdings" panose="05000000000000000000" pitchFamily="2" charset="2"/>
-                        </a:rPr>
+                        <a:rPr lang="en-US" dirty="0" err="1" smtClean="0"/>
+                        <a:t>Mencari</a:t>
+                      </a:r>
+                      <a:r>
+                        <a:rPr lang="en-US" dirty="0" smtClean="0"/>
                         <a:t> </a:t>
                       </a:r>
                       <a:r>
-                        <a:rPr lang="en-US" dirty="0" err="1" smtClean="0">
-                          <a:sym typeface="Wingdings" panose="05000000000000000000" pitchFamily="2" charset="2"/>
-                        </a:rPr>
-                        <a:t>informasi</a:t>
-                      </a:r>
-                      <a:r>
-                        <a:rPr lang="en-US" dirty="0" smtClean="0">
-                          <a:sym typeface="Wingdings" panose="05000000000000000000" pitchFamily="2" charset="2"/>
-                        </a:rPr>
+                        <a:rPr lang="en-US" dirty="0" err="1" smtClean="0"/>
+                        <a:t>dan</a:t>
+                      </a:r>
+                      <a:r>
+                        <a:rPr lang="en-US" dirty="0" smtClean="0"/>
                         <a:t> </a:t>
                       </a:r>
                       <a:r>
-                        <a:rPr lang="en-US" dirty="0" err="1" smtClean="0">
-                          <a:sym typeface="Wingdings" panose="05000000000000000000" pitchFamily="2" charset="2"/>
-                        </a:rPr>
-                        <a:t>terakhir</a:t>
-                      </a:r>
-                      <a:r>
-                        <a:rPr lang="en-US" dirty="0" smtClean="0">
-                          <a:sym typeface="Wingdings" panose="05000000000000000000" pitchFamily="2" charset="2"/>
-                        </a:rPr>
+                        <a:rPr lang="en-US" dirty="0" err="1" smtClean="0"/>
+                        <a:t>meluangkan</a:t>
+                      </a:r>
+                      <a:r>
+                        <a:rPr lang="en-US" dirty="0" smtClean="0"/>
                         <a:t> </a:t>
                       </a:r>
                       <a:r>
-                        <a:rPr lang="en-US" dirty="0" err="1" smtClean="0">
-                          <a:sym typeface="Wingdings" panose="05000000000000000000" pitchFamily="2" charset="2"/>
-                        </a:rPr>
-                        <a:t>mengenai</a:t>
-                      </a:r>
-                      <a:r>
-                        <a:rPr lang="en-US" dirty="0" smtClean="0">
-                          <a:sym typeface="Wingdings" panose="05000000000000000000" pitchFamily="2" charset="2"/>
-                        </a:rPr>
+                        <a:rPr lang="en-US" dirty="0" err="1" smtClean="0"/>
+                        <a:t>waktu</a:t>
+                      </a:r>
+                      <a:r>
+                        <a:rPr lang="en-US" dirty="0" smtClean="0"/>
                         <a:t> </a:t>
                       </a:r>
                       <a:r>
-                        <a:rPr lang="en-US" dirty="0" err="1" smtClean="0">
-                          <a:sym typeface="Wingdings" panose="05000000000000000000" pitchFamily="2" charset="2"/>
-                        </a:rPr>
-                        <a:t>tugas</a:t>
-                      </a:r>
-                      <a:r>
-                        <a:rPr lang="en-US" dirty="0" smtClean="0">
-                          <a:sym typeface="Wingdings" panose="05000000000000000000" pitchFamily="2" charset="2"/>
-                        </a:rPr>
+                        <a:rPr lang="en-US" dirty="0" err="1" smtClean="0"/>
+                        <a:t>untuk</a:t>
+                      </a:r>
+                      <a:r>
+                        <a:rPr lang="en-US" dirty="0" smtClean="0"/>
+                        <a:t> </a:t>
+                      </a:r>
+                      <a:r>
+                        <a:rPr lang="en-US" dirty="0" err="1" smtClean="0"/>
+                        <a:t>dapat</a:t>
+                      </a:r>
+                      <a:r>
+                        <a:rPr lang="en-US" dirty="0" smtClean="0"/>
+                        <a:t> </a:t>
+                      </a:r>
+                      <a:r>
+                        <a:rPr lang="en-US" dirty="0" err="1" smtClean="0"/>
+                        <a:t>bisa</a:t>
+                      </a:r>
+                      <a:r>
+                        <a:rPr lang="en-US" dirty="0" smtClean="0"/>
+                        <a:t> </a:t>
+                      </a:r>
+                      <a:r>
+                        <a:rPr lang="en-US" dirty="0" err="1" smtClean="0"/>
+                        <a:t>bertemu</a:t>
+                      </a:r>
+                      <a:r>
+                        <a:rPr lang="en-US" dirty="0" smtClean="0"/>
+                        <a:t> </a:t>
+                      </a:r>
+                      <a:r>
+                        <a:rPr lang="en-US" dirty="0" err="1" smtClean="0"/>
+                        <a:t>dengan</a:t>
+                      </a:r>
+                      <a:r>
+                        <a:rPr lang="en-US" dirty="0" smtClean="0"/>
+                        <a:t> client</a:t>
+                      </a:r>
+                      <a:endParaRPr lang="en-US" dirty="0"/>
+                    </a:p>
+                  </a:txBody>
+                  <a:tcPr/>
+                </a:tc>
+              </a:tr>
+              <a:tr h="679354">
+                <a:tc>
+                  <a:txBody>
+                    <a:bodyPr/>
+                    <a:lstStyle/>
+                    <a:p>
+                      <a:pPr marL="0" marR="0" indent="0" algn="l" defTabSz="914400" rtl="0" eaLnBrk="1" fontAlgn="auto" latinLnBrk="0" hangingPunct="1">
+                        <a:lnSpc>
+                          <a:spcPct val="100000"/>
+                        </a:lnSpc>
+                        <a:spcBef>
+                          <a:spcPts val="0"/>
+                        </a:spcBef>
+                        <a:spcAft>
+                          <a:spcPts val="0"/>
+                        </a:spcAft>
+                        <a:buClrTx/>
+                        <a:buSzTx/>
+                        <a:buFontTx/>
+                        <a:buNone/>
+                        <a:tabLst/>
+                        <a:defRPr/>
+                      </a:pPr>
+                      <a:r>
+                        <a:rPr lang="en-US" dirty="0" err="1" smtClean="0"/>
+                        <a:t>Kurangnya</a:t>
+                      </a:r>
+                      <a:r>
+                        <a:rPr lang="en-US" dirty="0" smtClean="0"/>
+                        <a:t> </a:t>
+                      </a:r>
+                      <a:r>
+                        <a:rPr lang="en-US" dirty="0" err="1" smtClean="0"/>
+                        <a:t>menjelaskan</a:t>
+                      </a:r>
+                      <a:r>
+                        <a:rPr lang="en-US" dirty="0" smtClean="0"/>
+                        <a:t> </a:t>
+                      </a:r>
+                      <a:r>
+                        <a:rPr lang="en-US" dirty="0" err="1" smtClean="0"/>
+                        <a:t>batasan</a:t>
+                      </a:r>
+                      <a:r>
+                        <a:rPr lang="en-US" dirty="0" smtClean="0"/>
+                        <a:t> </a:t>
+                      </a:r>
+                      <a:r>
+                        <a:rPr lang="en-US" dirty="0" err="1" smtClean="0"/>
+                        <a:t>sistem</a:t>
+                      </a:r>
+                      <a:r>
+                        <a:rPr lang="en-US" dirty="0" smtClean="0"/>
+                        <a:t> </a:t>
+                      </a:r>
+                      <a:r>
+                        <a:rPr lang="en-US" dirty="0" err="1" smtClean="0"/>
+                        <a:t>ke</a:t>
+                      </a:r>
+                      <a:r>
+                        <a:rPr lang="en-US" dirty="0" smtClean="0"/>
+                        <a:t> client </a:t>
+                      </a:r>
+                      <a:r>
+                        <a:rPr lang="en-US" dirty="0" err="1" smtClean="0"/>
+                        <a:t>sehingga</a:t>
+                      </a:r>
+                      <a:r>
+                        <a:rPr lang="en-US" dirty="0" smtClean="0"/>
+                        <a:t> </a:t>
+                      </a:r>
+                      <a:r>
+                        <a:rPr lang="en-US" dirty="0" smtClean="0"/>
+                        <a:t>client </a:t>
+                      </a:r>
+                      <a:r>
+                        <a:rPr lang="en-US" dirty="0" err="1" smtClean="0"/>
+                        <a:t>Banyak</a:t>
+                      </a:r>
+                      <a:r>
+                        <a:rPr lang="en-US" dirty="0" smtClean="0"/>
+                        <a:t> </a:t>
+                      </a:r>
+                      <a:r>
+                        <a:rPr lang="en-US" dirty="0" err="1" smtClean="0"/>
+                        <a:t>memiliki</a:t>
+                      </a:r>
+                      <a:r>
+                        <a:rPr lang="en-US" dirty="0" smtClean="0"/>
+                        <a:t> </a:t>
+                      </a:r>
+                      <a:r>
+                        <a:rPr lang="en-US" dirty="0" err="1" smtClean="0"/>
+                        <a:t>permintaan</a:t>
+                      </a:r>
+                      <a:r>
+                        <a:rPr lang="en-US" dirty="0" smtClean="0"/>
+                        <a:t> </a:t>
+                      </a:r>
+                      <a:r>
+                        <a:rPr lang="en-US" dirty="0" err="1" smtClean="0"/>
+                        <a:t>terhadap</a:t>
+                      </a:r>
+                      <a:r>
+                        <a:rPr lang="en-US" dirty="0" smtClean="0"/>
+                        <a:t> </a:t>
+                      </a:r>
+                      <a:r>
+                        <a:rPr lang="en-US" dirty="0" err="1" smtClean="0"/>
+                        <a:t>sistem</a:t>
+                      </a:r>
+                      <a:endParaRPr lang="en-US" dirty="0" smtClean="0"/>
+                    </a:p>
+                    <a:p>
+                      <a:endParaRPr lang="en-US" dirty="0"/>
+                    </a:p>
+                  </a:txBody>
+                  <a:tcPr/>
+                </a:tc>
+                <a:tc>
+                  <a:txBody>
+                    <a:bodyPr/>
+                    <a:lstStyle/>
+                    <a:p>
+                      <a:pPr marL="0" marR="0" indent="0" algn="l" defTabSz="914400" rtl="0" eaLnBrk="1" fontAlgn="auto" latinLnBrk="0" hangingPunct="1">
+                        <a:lnSpc>
+                          <a:spcPct val="100000"/>
+                        </a:lnSpc>
+                        <a:spcBef>
+                          <a:spcPts val="0"/>
+                        </a:spcBef>
+                        <a:spcAft>
+                          <a:spcPts val="0"/>
+                        </a:spcAft>
+                        <a:buClrTx/>
+                        <a:buSzTx/>
+                        <a:buFontTx/>
+                        <a:buNone/>
+                        <a:tabLst/>
+                        <a:defRPr/>
+                      </a:pPr>
+                      <a:r>
+                        <a:rPr lang="en-US" dirty="0" err="1" smtClean="0"/>
+                        <a:t>Menjelaskan</a:t>
+                      </a:r>
+                      <a:r>
+                        <a:rPr lang="en-US" dirty="0" smtClean="0"/>
+                        <a:t> </a:t>
+                      </a:r>
+                      <a:r>
+                        <a:rPr lang="en-US" dirty="0" err="1" smtClean="0"/>
+                        <a:t>ke</a:t>
+                      </a:r>
+                      <a:r>
+                        <a:rPr lang="en-US" dirty="0" smtClean="0"/>
+                        <a:t> client </a:t>
+                      </a:r>
+                      <a:r>
+                        <a:rPr lang="en-US" dirty="0" err="1" smtClean="0"/>
+                        <a:t>tentang</a:t>
+                      </a:r>
+                      <a:r>
+                        <a:rPr lang="en-US" dirty="0" smtClean="0"/>
+                        <a:t> </a:t>
+                      </a:r>
+                      <a:r>
+                        <a:rPr lang="en-US" dirty="0" err="1" smtClean="0"/>
+                        <a:t>batasan</a:t>
+                      </a:r>
+                      <a:r>
+                        <a:rPr lang="en-US" baseline="0" dirty="0" smtClean="0"/>
+                        <a:t> </a:t>
+                      </a:r>
+                      <a:r>
+                        <a:rPr lang="en-US" dirty="0" smtClean="0"/>
+                        <a:t>– </a:t>
+                      </a:r>
+                      <a:r>
+                        <a:rPr lang="en-US" dirty="0" err="1" smtClean="0"/>
+                        <a:t>batasan</a:t>
+                      </a:r>
+                      <a:r>
+                        <a:rPr lang="en-US" dirty="0" smtClean="0"/>
+                        <a:t> </a:t>
+                      </a:r>
+                      <a:r>
+                        <a:rPr lang="en-US" dirty="0" err="1" smtClean="0"/>
+                        <a:t>sistem</a:t>
+                      </a:r>
+                      <a:r>
+                        <a:rPr lang="en-US" dirty="0" smtClean="0"/>
                         <a:t> yang </a:t>
                       </a:r>
                       <a:r>
-                        <a:rPr lang="en-US" dirty="0" err="1" smtClean="0">
-                          <a:sym typeface="Wingdings" panose="05000000000000000000" pitchFamily="2" charset="2"/>
-                        </a:rPr>
-                        <a:t>telah</a:t>
-                      </a:r>
-                      <a:r>
-                        <a:rPr lang="en-US" dirty="0" smtClean="0">
-                          <a:sym typeface="Wingdings" panose="05000000000000000000" pitchFamily="2" charset="2"/>
-                        </a:rPr>
+                        <a:rPr lang="en-US" dirty="0" err="1" smtClean="0"/>
+                        <a:t>dibuat</a:t>
+                      </a:r>
+                      <a:r>
+                        <a:rPr lang="en-US" dirty="0" smtClean="0"/>
                         <a:t> </a:t>
                       </a:r>
                       <a:r>
-                        <a:rPr lang="en-US" dirty="0" err="1" smtClean="0">
-                          <a:sym typeface="Wingdings" panose="05000000000000000000" pitchFamily="2" charset="2"/>
-                        </a:rPr>
-                        <a:t>dikerjakan</a:t>
-                      </a:r>
+                        <a:rPr lang="en-US" dirty="0" err="1" smtClean="0"/>
+                        <a:t>Memberikan</a:t>
+                      </a:r>
+                      <a:r>
+                        <a:rPr lang="en-US" dirty="0" smtClean="0"/>
+                        <a:t> </a:t>
+                      </a:r>
+                      <a:r>
+                        <a:rPr lang="en-US" dirty="0" err="1" smtClean="0"/>
+                        <a:t>batasan</a:t>
+                      </a:r>
+                      <a:r>
+                        <a:rPr lang="en-US" dirty="0" smtClean="0"/>
+                        <a:t> - </a:t>
+                      </a:r>
+                      <a:r>
+                        <a:rPr lang="en-US" dirty="0" err="1" smtClean="0"/>
+                        <a:t>batasan</a:t>
+                      </a:r>
+                      <a:endParaRPr lang="en-US" dirty="0" smtClean="0"/>
+                    </a:p>
+                    <a:p>
                       <a:endParaRPr lang="en-US" dirty="0"/>
                     </a:p>
                   </a:txBody>
@@ -8533,7 +8868,7 @@
     </p:spTree>
     <p:extLst>
       <p:ext uri="{BB962C8B-B14F-4D97-AF65-F5344CB8AC3E}">
-        <p14:creationId xmlns:p14="http://schemas.microsoft.com/office/powerpoint/2010/main" val="3458237191"/>
+        <p14:creationId xmlns:p14="http://schemas.microsoft.com/office/powerpoint/2010/main" val="4203151158"/>
       </p:ext>
     </p:extLst>
   </p:cSld>
@@ -8579,7 +8914,7 @@
         </p:nvSpPr>
         <p:spPr>
           <a:xfrm>
-            <a:off x="1226278" y="674485"/>
+            <a:off x="1315932" y="890385"/>
             <a:ext cx="10178322" cy="849515"/>
           </a:xfrm>
         </p:spPr>
@@ -8606,7 +8941,7 @@
                 <a:ea typeface="Tahoma" pitchFamily="34" charset="0"/>
                 <a:cs typeface="Tahoma" pitchFamily="34" charset="0"/>
               </a:rPr>
-              <a:t>KOMUNIKASI</a:t>
+              <a:t>DOKUMENTASI</a:t>
             </a:r>
             <a:endParaRPr lang="en-US" b="1" cap="none" spc="0" dirty="0">
               <a:ln w="22225">
@@ -8637,14 +8972,14 @@
           <p:nvPr>
             <p:extLst>
               <p:ext uri="{D42A27DB-BD31-4B8C-83A1-F6EECF244321}">
-                <p14:modId xmlns:p14="http://schemas.microsoft.com/office/powerpoint/2010/main" val="3056905894"/>
+                <p14:modId xmlns:p14="http://schemas.microsoft.com/office/powerpoint/2010/main" val="2542940170"/>
               </p:ext>
             </p:extLst>
           </p:nvPr>
         </p:nvGraphicFramePr>
         <p:xfrm>
-          <a:off x="2031998" y="1904523"/>
-          <a:ext cx="8902164" cy="3504604"/>
+          <a:off x="2341093" y="2252252"/>
+          <a:ext cx="8128000" cy="1925320"/>
         </p:xfrm>
         <a:graphic>
           <a:graphicData uri="http://schemas.openxmlformats.org/drawingml/2006/table">
@@ -8653,10 +8988,10 @@
                 <a:tableStyleId>{18603FDC-E32A-4AB5-989C-0864C3EAD2B8}</a:tableStyleId>
               </a:tblPr>
               <a:tblGrid>
-                <a:gridCol w="4451082"/>
-                <a:gridCol w="4451082"/>
+                <a:gridCol w="4064000"/>
+                <a:gridCol w="4064000"/>
               </a:tblGrid>
-              <a:tr h="393594">
+              <a:tr h="370840">
                 <a:tc>
                   <a:txBody>
                     <a:bodyPr/>
@@ -8688,7 +9023,7 @@
                   <a:tcPr/>
                 </a:tc>
               </a:tr>
-              <a:tr h="393594">
+              <a:tr h="370840">
                 <a:tc>
                   <a:txBody>
                     <a:bodyPr/>
@@ -8696,7 +9031,7 @@
                     <a:p>
                       <a:r>
                         <a:rPr lang="en-US" dirty="0" err="1" smtClean="0"/>
-                        <a:t>Kurangnya</a:t>
+                        <a:t>Kesulitan</a:t>
                       </a:r>
                       <a:r>
                         <a:rPr lang="en-US" dirty="0" smtClean="0"/>
@@ -8704,7 +9039,7 @@
                       </a:r>
                       <a:r>
                         <a:rPr lang="en-US" dirty="0" err="1" smtClean="0"/>
-                        <a:t>koordinasi</a:t>
+                        <a:t>dalam</a:t>
                       </a:r>
                       <a:r>
                         <a:rPr lang="en-US" dirty="0" smtClean="0"/>
@@ -8712,7 +9047,7 @@
                       </a:r>
                       <a:r>
                         <a:rPr lang="en-US" dirty="0" err="1" smtClean="0"/>
-                        <a:t>antar</a:t>
+                        <a:t>menggunakan</a:t>
                       </a:r>
                       <a:r>
                         <a:rPr lang="en-US" dirty="0" smtClean="0"/>
@@ -8720,7 +9055,7 @@
                       </a:r>
                       <a:r>
                         <a:rPr lang="en-US" dirty="0" err="1" smtClean="0"/>
-                        <a:t>divisi</a:t>
+                        <a:t>Github</a:t>
                       </a:r>
                       <a:endParaRPr lang="en-US" dirty="0"/>
                     </a:p>
@@ -8734,7 +9069,7 @@
                     <a:p>
                       <a:r>
                         <a:rPr lang="en-US" dirty="0" err="1" smtClean="0"/>
-                        <a:t>Koordinasi</a:t>
+                        <a:t>Mengikuti</a:t>
                       </a:r>
                       <a:r>
                         <a:rPr lang="en-US" dirty="0" smtClean="0"/>
@@ -8742,7 +9077,7 @@
                       </a:r>
                       <a:r>
                         <a:rPr lang="en-US" dirty="0" err="1" smtClean="0"/>
-                        <a:t>saat</a:t>
+                        <a:t>pengajaran</a:t>
                       </a:r>
                       <a:r>
                         <a:rPr lang="en-US" dirty="0" smtClean="0"/>
@@ -8750,7 +9085,7 @@
                       </a:r>
                       <a:r>
                         <a:rPr lang="en-US" dirty="0" err="1" smtClean="0"/>
-                        <a:t>rapat</a:t>
+                        <a:t>penggunaan</a:t>
                       </a:r>
                       <a:r>
                         <a:rPr lang="en-US" dirty="0" smtClean="0"/>
@@ -8758,7 +9093,27 @@
                       </a:r>
                       <a:r>
                         <a:rPr lang="en-US" dirty="0" err="1" smtClean="0"/>
-                        <a:t>rutin</a:t>
+                        <a:t>github</a:t>
+                      </a:r>
+                      <a:r>
+                        <a:rPr lang="en-US" dirty="0" smtClean="0"/>
+                        <a:t> yang </a:t>
+                      </a:r>
+                      <a:r>
+                        <a:rPr lang="en-US" dirty="0" err="1" smtClean="0"/>
+                        <a:t>diadakan</a:t>
+                      </a:r>
+                      <a:r>
+                        <a:rPr lang="en-US" dirty="0" smtClean="0"/>
+                        <a:t> </a:t>
+                      </a:r>
+                      <a:r>
+                        <a:rPr lang="en-US" dirty="0" err="1" smtClean="0"/>
+                        <a:t>kelompok</a:t>
+                      </a:r>
+                      <a:r>
+                        <a:rPr lang="en-US" dirty="0" smtClean="0"/>
+                        <a:t> kami</a:t>
                       </a:r>
                       <a:endParaRPr lang="en-US" dirty="0"/>
                     </a:p>
@@ -8766,7 +9121,7 @@
                   <a:tcPr/>
                 </a:tc>
               </a:tr>
-              <a:tr h="679354">
+              <a:tr h="370840">
                 <a:tc>
                   <a:txBody>
                     <a:bodyPr/>
@@ -8774,7 +9129,7 @@
                     <a:p>
                       <a:r>
                         <a:rPr lang="en-US" dirty="0" err="1" smtClean="0"/>
-                        <a:t>Kurangnya</a:t>
+                        <a:t>Berat</a:t>
                       </a:r>
                       <a:r>
                         <a:rPr lang="en-US" dirty="0" smtClean="0"/>
@@ -8782,7 +9137,7 @@
                       </a:r>
                       <a:r>
                         <a:rPr lang="en-US" dirty="0" err="1" smtClean="0"/>
-                        <a:t>pembagian</a:t>
+                        <a:t>dalam</a:t>
                       </a:r>
                       <a:r>
                         <a:rPr lang="en-US" dirty="0" smtClean="0"/>
@@ -8790,7 +9145,7 @@
                       </a:r>
                       <a:r>
                         <a:rPr lang="en-US" dirty="0" err="1" smtClean="0"/>
-                        <a:t>kerja</a:t>
+                        <a:t>hal</a:t>
                       </a:r>
                       <a:r>
                         <a:rPr lang="en-US" dirty="0" smtClean="0"/>
@@ -8798,7 +9153,7 @@
                       </a:r>
                       <a:r>
                         <a:rPr lang="en-US" dirty="0" err="1" smtClean="0"/>
-                        <a:t>antar</a:t>
+                        <a:t>koneksi</a:t>
                       </a:r>
                       <a:r>
                         <a:rPr lang="en-US" dirty="0" smtClean="0"/>
@@ -8806,7 +9161,63 @@
                       </a:r>
                       <a:r>
                         <a:rPr lang="en-US" dirty="0" err="1" smtClean="0"/>
-                        <a:t>divisi</a:t>
+                        <a:t>misal</a:t>
+                      </a:r>
+                      <a:r>
+                        <a:rPr lang="en-US" dirty="0" smtClean="0"/>
+                        <a:t>: </a:t>
+                      </a:r>
+                      <a:r>
+                        <a:rPr lang="en-US" dirty="0" err="1" smtClean="0"/>
+                        <a:t>mengupload</a:t>
+                      </a:r>
+                      <a:r>
+                        <a:rPr lang="en-US" dirty="0" smtClean="0"/>
+                        <a:t> </a:t>
+                      </a:r>
+                      <a:r>
+                        <a:rPr lang="en-US" dirty="0" err="1" smtClean="0"/>
+                        <a:t>semua</a:t>
+                      </a:r>
+                      <a:r>
+                        <a:rPr lang="en-US" dirty="0" smtClean="0"/>
+                        <a:t> </a:t>
+                      </a:r>
+                      <a:r>
+                        <a:rPr lang="en-US" dirty="0" err="1" smtClean="0"/>
+                        <a:t>foto</a:t>
+                      </a:r>
+                      <a:r>
+                        <a:rPr lang="en-US" dirty="0" smtClean="0"/>
+                        <a:t> </a:t>
+                      </a:r>
+                      <a:r>
+                        <a:rPr lang="en-US" dirty="0" err="1" smtClean="0"/>
+                        <a:t>dokumentasi</a:t>
+                      </a:r>
+                      <a:r>
+                        <a:rPr lang="en-US" dirty="0" smtClean="0"/>
+                        <a:t> </a:t>
+                      </a:r>
+                      <a:r>
+                        <a:rPr lang="en-US" dirty="0" err="1" smtClean="0"/>
+                        <a:t>dalam</a:t>
+                      </a:r>
+                      <a:r>
+                        <a:rPr lang="en-US" dirty="0" smtClean="0"/>
+                        <a:t> </a:t>
+                      </a:r>
+                      <a:r>
+                        <a:rPr lang="en-US" dirty="0" err="1" smtClean="0"/>
+                        <a:t>satu</a:t>
+                      </a:r>
+                      <a:r>
+                        <a:rPr lang="en-US" dirty="0" smtClean="0"/>
+                        <a:t> </a:t>
+                      </a:r>
+                      <a:r>
+                        <a:rPr lang="en-US" dirty="0" err="1" smtClean="0"/>
+                        <a:t>waktu</a:t>
                       </a:r>
                       <a:endParaRPr lang="en-US" dirty="0"/>
                     </a:p>
@@ -8820,7 +9231,7 @@
                     <a:p>
                       <a:r>
                         <a:rPr lang="en-US" dirty="0" err="1" smtClean="0"/>
-                        <a:t>Pembagian</a:t>
+                        <a:t>Melakukan</a:t>
                       </a:r>
                       <a:r>
                         <a:rPr lang="en-US" dirty="0" smtClean="0"/>
@@ -8828,7 +9239,7 @@
                       </a:r>
                       <a:r>
                         <a:rPr lang="en-US" dirty="0" err="1" smtClean="0"/>
-                        <a:t>kerja</a:t>
+                        <a:t>pembagian</a:t>
                       </a:r>
                       <a:r>
                         <a:rPr lang="en-US" dirty="0" smtClean="0"/>
@@ -8840,11 +9251,27 @@
                       </a:r>
                       <a:r>
                         <a:rPr lang="en-US" dirty="0" smtClean="0"/>
+                        <a:t> upload </a:t>
+                      </a:r>
+                      <a:r>
+                        <a:rPr lang="en-US" dirty="0" err="1" smtClean="0"/>
+                        <a:t>foto</a:t>
+                      </a:r>
+                      <a:r>
+                        <a:rPr lang="en-US" dirty="0" smtClean="0"/>
                         <a:t> </a:t>
                       </a:r>
                       <a:r>
                         <a:rPr lang="en-US" dirty="0" err="1" smtClean="0"/>
-                        <a:t>rapat</a:t>
+                        <a:t>dokumentasi</a:t>
+                      </a:r>
+                      <a:r>
+                        <a:rPr lang="en-US" dirty="0" smtClean="0"/>
+                        <a:t> / </a:t>
+                      </a:r>
+                      <a:r>
+                        <a:rPr lang="en-US" dirty="0" err="1" smtClean="0"/>
+                        <a:t>mencari</a:t>
                       </a:r>
                       <a:r>
                         <a:rPr lang="en-US" dirty="0" smtClean="0"/>
@@ -8852,27 +9279,15 @@
                       </a:r>
                       <a:r>
                         <a:rPr lang="en-US" dirty="0" err="1" smtClean="0"/>
-                        <a:t>rutin</a:t>
-                      </a:r>
-                      <a:endParaRPr lang="en-US" dirty="0"/>
-                    </a:p>
-                  </a:txBody>
-                  <a:tcPr/>
-                </a:tc>
-              </a:tr>
-              <a:tr h="679354">
-                <a:tc>
-                  <a:txBody>
-                    <a:bodyPr/>
-                    <a:lstStyle/>
-                    <a:p>
-                      <a:r>
-                        <a:rPr lang="en-US" dirty="0" smtClean="0"/>
-                        <a:t>Susah </a:t>
-                      </a:r>
-                      <a:r>
-                        <a:rPr lang="en-US" dirty="0" err="1" smtClean="0"/>
-                        <a:t>membagi</a:t>
+                        <a:t>koneksi</a:t>
+                      </a:r>
+                      <a:r>
+                        <a:rPr lang="en-US" dirty="0" smtClean="0"/>
+                        <a:t> yang </a:t>
+                      </a:r>
+                      <a:r>
+                        <a:rPr lang="en-US" dirty="0" err="1" smtClean="0"/>
+                        <a:t>lebih</a:t>
                       </a:r>
                       <a:r>
                         <a:rPr lang="en-US" dirty="0" smtClean="0"/>
@@ -8880,313 +9295,7 @@
                       </a:r>
                       <a:r>
                         <a:rPr lang="en-US" dirty="0" err="1" smtClean="0"/>
-                        <a:t>waktu</a:t>
-                      </a:r>
-                      <a:r>
-                        <a:rPr lang="en-US" dirty="0" smtClean="0"/>
-                        <a:t> </a:t>
-                      </a:r>
-                      <a:r>
-                        <a:rPr lang="en-US" dirty="0" err="1" smtClean="0"/>
-                        <a:t>pertemuan</a:t>
-                      </a:r>
-                      <a:r>
-                        <a:rPr lang="en-US" dirty="0" smtClean="0"/>
-                        <a:t> </a:t>
-                      </a:r>
-                      <a:r>
-                        <a:rPr lang="en-US" dirty="0" err="1" smtClean="0"/>
-                        <a:t>dengan</a:t>
-                      </a:r>
-                      <a:r>
-                        <a:rPr lang="en-US" dirty="0" smtClean="0"/>
-                        <a:t> client</a:t>
-                      </a:r>
-                      <a:endParaRPr lang="en-US" dirty="0"/>
-                    </a:p>
-                  </a:txBody>
-                  <a:tcPr/>
-                </a:tc>
-                <a:tc>
-                  <a:txBody>
-                    <a:bodyPr/>
-                    <a:lstStyle/>
-                    <a:p>
-                      <a:r>
-                        <a:rPr lang="en-US" dirty="0" err="1" smtClean="0"/>
-                        <a:t>Mencari</a:t>
-                      </a:r>
-                      <a:r>
-                        <a:rPr lang="en-US" dirty="0" smtClean="0"/>
-                        <a:t> </a:t>
-                      </a:r>
-                      <a:r>
-                        <a:rPr lang="en-US" dirty="0" err="1" smtClean="0"/>
-                        <a:t>dan</a:t>
-                      </a:r>
-                      <a:r>
-                        <a:rPr lang="en-US" dirty="0" smtClean="0"/>
-                        <a:t> </a:t>
-                      </a:r>
-                      <a:r>
-                        <a:rPr lang="en-US" dirty="0" err="1" smtClean="0"/>
-                        <a:t>meluangkan</a:t>
-                      </a:r>
-                      <a:r>
-                        <a:rPr lang="en-US" dirty="0" smtClean="0"/>
-                        <a:t> </a:t>
-                      </a:r>
-                      <a:r>
-                        <a:rPr lang="en-US" dirty="0" err="1" smtClean="0"/>
-                        <a:t>waktu</a:t>
-                      </a:r>
-                      <a:r>
-                        <a:rPr lang="en-US" dirty="0" smtClean="0"/>
-                        <a:t> </a:t>
-                      </a:r>
-                      <a:r>
-                        <a:rPr lang="en-US" dirty="0" err="1" smtClean="0"/>
-                        <a:t>untuk</a:t>
-                      </a:r>
-                      <a:r>
-                        <a:rPr lang="en-US" dirty="0" smtClean="0"/>
-                        <a:t> </a:t>
-                      </a:r>
-                      <a:r>
-                        <a:rPr lang="en-US" dirty="0" err="1" smtClean="0"/>
-                        <a:t>dapat</a:t>
-                      </a:r>
-                      <a:r>
-                        <a:rPr lang="en-US" dirty="0" smtClean="0"/>
-                        <a:t> </a:t>
-                      </a:r>
-                      <a:r>
-                        <a:rPr lang="en-US" dirty="0" err="1" smtClean="0"/>
-                        <a:t>bisa</a:t>
-                      </a:r>
-                      <a:r>
-                        <a:rPr lang="en-US" dirty="0" smtClean="0"/>
-                        <a:t> </a:t>
-                      </a:r>
-                      <a:r>
-                        <a:rPr lang="en-US" dirty="0" err="1" smtClean="0"/>
-                        <a:t>bertemu</a:t>
-                      </a:r>
-                      <a:r>
-                        <a:rPr lang="en-US" dirty="0" smtClean="0"/>
-                        <a:t> </a:t>
-                      </a:r>
-                      <a:r>
-                        <a:rPr lang="en-US" dirty="0" err="1" smtClean="0"/>
-                        <a:t>dengan</a:t>
-                      </a:r>
-                      <a:r>
-                        <a:rPr lang="en-US" dirty="0" smtClean="0"/>
-                        <a:t> client</a:t>
-                      </a:r>
-                      <a:endParaRPr lang="en-US" dirty="0"/>
-                    </a:p>
-                  </a:txBody>
-                  <a:tcPr/>
-                </a:tc>
-              </a:tr>
-              <a:tr h="679354">
-                <a:tc>
-                  <a:txBody>
-                    <a:bodyPr/>
-                    <a:lstStyle/>
-                    <a:p>
-                      <a:r>
-                        <a:rPr lang="en-US" dirty="0" err="1" smtClean="0"/>
-                        <a:t>Kurangnya</a:t>
-                      </a:r>
-                      <a:r>
-                        <a:rPr lang="en-US" dirty="0" smtClean="0"/>
-                        <a:t> </a:t>
-                      </a:r>
-                      <a:r>
-                        <a:rPr lang="en-US" dirty="0" err="1" smtClean="0"/>
-                        <a:t>menjelaskan</a:t>
-                      </a:r>
-                      <a:r>
-                        <a:rPr lang="en-US" dirty="0" smtClean="0"/>
-                        <a:t> </a:t>
-                      </a:r>
-                      <a:r>
-                        <a:rPr lang="en-US" dirty="0" err="1" smtClean="0"/>
-                        <a:t>batasan</a:t>
-                      </a:r>
-                      <a:r>
-                        <a:rPr lang="en-US" dirty="0" smtClean="0"/>
-                        <a:t> </a:t>
-                      </a:r>
-                      <a:r>
-                        <a:rPr lang="en-US" dirty="0" err="1" smtClean="0"/>
-                        <a:t>sistem</a:t>
-                      </a:r>
-                      <a:r>
-                        <a:rPr lang="en-US" dirty="0" smtClean="0"/>
-                        <a:t> </a:t>
-                      </a:r>
-                      <a:r>
-                        <a:rPr lang="en-US" dirty="0" err="1" smtClean="0"/>
-                        <a:t>ke</a:t>
-                      </a:r>
-                      <a:r>
-                        <a:rPr lang="en-US" dirty="0" smtClean="0"/>
-                        <a:t> client </a:t>
-                      </a:r>
-                      <a:r>
-                        <a:rPr lang="en-US" dirty="0" err="1" smtClean="0"/>
-                        <a:t>sehingga</a:t>
-                      </a:r>
-                      <a:r>
-                        <a:rPr lang="en-US" dirty="0" smtClean="0"/>
-                        <a:t> client</a:t>
-                      </a:r>
-                      <a:endParaRPr lang="en-US" dirty="0"/>
-                    </a:p>
-                  </a:txBody>
-                  <a:tcPr/>
-                </a:tc>
-                <a:tc>
-                  <a:txBody>
-                    <a:bodyPr/>
-                    <a:lstStyle/>
-                    <a:p>
-                      <a:r>
-                        <a:rPr lang="en-US" dirty="0" err="1" smtClean="0"/>
-                        <a:t>Menjelaskan</a:t>
-                      </a:r>
-                      <a:r>
-                        <a:rPr lang="en-US" dirty="0" smtClean="0"/>
-                        <a:t> </a:t>
-                      </a:r>
-                      <a:r>
-                        <a:rPr lang="en-US" dirty="0" err="1" smtClean="0"/>
-                        <a:t>ke</a:t>
-                      </a:r>
-                      <a:r>
-                        <a:rPr lang="en-US" dirty="0" smtClean="0"/>
-                        <a:t> client </a:t>
-                      </a:r>
-                      <a:r>
-                        <a:rPr lang="en-US" dirty="0" err="1" smtClean="0"/>
-                        <a:t>tentang</a:t>
-                      </a:r>
-                      <a:r>
-                        <a:rPr lang="en-US" dirty="0" smtClean="0"/>
-                        <a:t> </a:t>
-                      </a:r>
-                      <a:r>
-                        <a:rPr lang="en-US" dirty="0" err="1" smtClean="0"/>
-                        <a:t>batasan</a:t>
-                      </a:r>
-                      <a:r>
-                        <a:rPr lang="en-US" baseline="0" dirty="0" smtClean="0"/>
-                        <a:t> </a:t>
-                      </a:r>
-                      <a:r>
-                        <a:rPr lang="en-US" dirty="0" smtClean="0"/>
-                        <a:t>– </a:t>
-                      </a:r>
-                      <a:r>
-                        <a:rPr lang="en-US" dirty="0" err="1" smtClean="0"/>
-                        <a:t>batasan</a:t>
-                      </a:r>
-                      <a:r>
-                        <a:rPr lang="en-US" dirty="0" smtClean="0"/>
-                        <a:t> </a:t>
-                      </a:r>
-                      <a:r>
-                        <a:rPr lang="en-US" dirty="0" err="1" smtClean="0"/>
-                        <a:t>sistem</a:t>
-                      </a:r>
-                      <a:r>
-                        <a:rPr lang="en-US" dirty="0" smtClean="0"/>
-                        <a:t> yang </a:t>
-                      </a:r>
-                      <a:r>
-                        <a:rPr lang="en-US" dirty="0" err="1" smtClean="0"/>
-                        <a:t>dibuat</a:t>
-                      </a:r>
-                      <a:endParaRPr lang="en-US" dirty="0"/>
-                    </a:p>
-                  </a:txBody>
-                  <a:tcPr/>
-                </a:tc>
-              </a:tr>
-              <a:tr h="679354">
-                <a:tc>
-                  <a:txBody>
-                    <a:bodyPr/>
-                    <a:lstStyle/>
-                    <a:p>
-                      <a:r>
-                        <a:rPr lang="en-US" dirty="0" err="1" smtClean="0"/>
-                        <a:t>Banyak</a:t>
-                      </a:r>
-                      <a:r>
-                        <a:rPr lang="en-US" dirty="0" smtClean="0"/>
-                        <a:t> </a:t>
-                      </a:r>
-                      <a:r>
-                        <a:rPr lang="en-US" dirty="0" err="1" smtClean="0"/>
-                        <a:t>memiliki</a:t>
-                      </a:r>
-                      <a:r>
-                        <a:rPr lang="en-US" dirty="0" smtClean="0"/>
-                        <a:t> </a:t>
-                      </a:r>
-                      <a:r>
-                        <a:rPr lang="en-US" dirty="0" err="1" smtClean="0"/>
-                        <a:t>permintaan</a:t>
-                      </a:r>
-                      <a:r>
-                        <a:rPr lang="en-US" dirty="0" smtClean="0"/>
-                        <a:t> </a:t>
-                      </a:r>
-                      <a:r>
-                        <a:rPr lang="en-US" dirty="0" err="1" smtClean="0"/>
-                        <a:t>terhadap</a:t>
-                      </a:r>
-                      <a:r>
-                        <a:rPr lang="en-US" dirty="0" smtClean="0"/>
-                        <a:t> </a:t>
-                      </a:r>
-                      <a:r>
-                        <a:rPr lang="en-US" dirty="0" err="1" smtClean="0"/>
-                        <a:t>sistem</a:t>
-                      </a:r>
-                      <a:endParaRPr lang="en-US" dirty="0"/>
-                    </a:p>
-                  </a:txBody>
-                  <a:tcPr/>
-                </a:tc>
-                <a:tc>
-                  <a:txBody>
-                    <a:bodyPr/>
-                    <a:lstStyle/>
-                    <a:p>
-                      <a:r>
-                        <a:rPr lang="en-US" dirty="0" err="1" smtClean="0"/>
-                        <a:t>Memberikan</a:t>
-                      </a:r>
-                      <a:r>
-                        <a:rPr lang="en-US" dirty="0" smtClean="0"/>
-                        <a:t> </a:t>
-                      </a:r>
-                      <a:r>
-                        <a:rPr lang="en-US" dirty="0" err="1" smtClean="0"/>
-                        <a:t>batasan</a:t>
-                      </a:r>
-                      <a:r>
-                        <a:rPr lang="en-US" dirty="0" smtClean="0"/>
-                        <a:t> - </a:t>
-                      </a:r>
-                      <a:r>
-                        <a:rPr lang="en-US" dirty="0" err="1" smtClean="0"/>
-                        <a:t>batasan</a:t>
+                        <a:t>stabil</a:t>
                       </a:r>
                       <a:endParaRPr lang="en-US" dirty="0"/>
                     </a:p>
@@ -9201,7 +9310,7 @@
     </p:spTree>
     <p:extLst>
       <p:ext uri="{BB962C8B-B14F-4D97-AF65-F5344CB8AC3E}">
-        <p14:creationId xmlns:p14="http://schemas.microsoft.com/office/powerpoint/2010/main" val="4203151158"/>
+        <p14:creationId xmlns:p14="http://schemas.microsoft.com/office/powerpoint/2010/main" val="1464674941"/>
       </p:ext>
     </p:extLst>
   </p:cSld>
@@ -9242,22 +9351,21 @@
             <a:spLocks noGrp="1"/>
           </p:cNvSpPr>
           <p:nvPr>
-            <p:ph type="title"/>
+            <p:ph type="ctrTitle"/>
           </p:nvPr>
         </p:nvSpPr>
         <p:spPr>
           <a:xfrm>
-            <a:off x="1315932" y="890385"/>
-            <a:ext cx="10178322" cy="849515"/>
+            <a:off x="1641880" y="2654299"/>
+            <a:ext cx="9144000" cy="1109663"/>
           </a:xfrm>
         </p:spPr>
         <p:txBody>
           <a:bodyPr/>
           <a:lstStyle/>
           <a:p>
-            <a:pPr algn="ctr"/>
-            <a:r>
-              <a:rPr lang="en-US" b="1" cap="none" spc="0" dirty="0" smtClean="0">
+            <a:r>
+              <a:rPr lang="en-US" sz="9500" b="1" cap="none" spc="0" dirty="0" smtClean="0">
                 <a:ln w="22225">
                   <a:solidFill>
                     <a:schemeClr val="accent2"/>
@@ -9270,13 +9378,43 @@
                     <a:lumOff val="60000"/>
                   </a:schemeClr>
                 </a:solidFill>
-                <a:latin typeface="Tahoma" pitchFamily="34" charset="0"/>
-                <a:ea typeface="Tahoma" pitchFamily="34" charset="0"/>
-                <a:cs typeface="Tahoma" pitchFamily="34" charset="0"/>
-              </a:rPr>
-              <a:t>DOKUMENTASI</a:t>
-            </a:r>
-            <a:endParaRPr lang="en-US" b="1" cap="none" spc="0" dirty="0">
+              </a:rPr>
+              <a:t>LESSON </a:t>
+            </a:r>
+            <a:br>
+              <a:rPr lang="en-US" sz="9500" b="1" cap="none" spc="0" dirty="0" smtClean="0">
+                <a:ln w="22225">
+                  <a:solidFill>
+                    <a:schemeClr val="accent2"/>
+                  </a:solidFill>
+                  <a:prstDash val="solid"/>
+                </a:ln>
+                <a:solidFill>
+                  <a:schemeClr val="accent2">
+                    <a:lumMod val="40000"/>
+                    <a:lumOff val="60000"/>
+                  </a:schemeClr>
+                </a:solidFill>
+              </a:rPr>
+            </a:br>
+            <a:r>
+              <a:rPr lang="en-US" sz="9500" b="1" cap="none" spc="0" dirty="0" smtClean="0">
+                <a:ln w="22225">
+                  <a:solidFill>
+                    <a:schemeClr val="accent2"/>
+                  </a:solidFill>
+                  <a:prstDash val="solid"/>
+                </a:ln>
+                <a:solidFill>
+                  <a:schemeClr val="accent2">
+                    <a:lumMod val="40000"/>
+                    <a:lumOff val="60000"/>
+                  </a:schemeClr>
+                </a:solidFill>
+              </a:rPr>
+              <a:t>LEARNED</a:t>
+            </a:r>
+            <a:endParaRPr lang="en-US" sz="9500" b="1" cap="none" spc="0" dirty="0">
               <a:ln w="22225">
                 <a:solidFill>
                   <a:schemeClr val="accent2"/>
@@ -9289,361 +9427,14 @@
                   <a:lumOff val="60000"/>
                 </a:schemeClr>
               </a:solidFill>
-              <a:latin typeface="Tahoma" pitchFamily="34" charset="0"/>
-              <a:ea typeface="Tahoma" pitchFamily="34" charset="0"/>
-              <a:cs typeface="Tahoma" pitchFamily="34" charset="0"/>
             </a:endParaRPr>
           </a:p>
         </p:txBody>
       </p:sp>
-      <p:graphicFrame>
-        <p:nvGraphicFramePr>
-          <p:cNvPr id="4" name="Table 3"/>
-          <p:cNvGraphicFramePr>
-            <a:graphicFrameLocks noGrp="1"/>
-          </p:cNvGraphicFramePr>
-          <p:nvPr>
-            <p:extLst>
-              <p:ext uri="{D42A27DB-BD31-4B8C-83A1-F6EECF244321}">
-                <p14:modId xmlns:p14="http://schemas.microsoft.com/office/powerpoint/2010/main" val="2542940170"/>
-              </p:ext>
-            </p:extLst>
-          </p:nvPr>
-        </p:nvGraphicFramePr>
-        <p:xfrm>
-          <a:off x="2341093" y="2252252"/>
-          <a:ext cx="8128000" cy="1925320"/>
-        </p:xfrm>
-        <a:graphic>
-          <a:graphicData uri="http://schemas.openxmlformats.org/drawingml/2006/table">
-            <a:tbl>
-              <a:tblPr firstRow="1" bandRow="1">
-                <a:tableStyleId>{18603FDC-E32A-4AB5-989C-0864C3EAD2B8}</a:tableStyleId>
-              </a:tblPr>
-              <a:tblGrid>
-                <a:gridCol w="4064000"/>
-                <a:gridCol w="4064000"/>
-              </a:tblGrid>
-              <a:tr h="370840">
-                <a:tc>
-                  <a:txBody>
-                    <a:bodyPr/>
-                    <a:lstStyle/>
-                    <a:p>
-                      <a:pPr algn="ctr"/>
-                      <a:r>
-                        <a:rPr lang="en-US" dirty="0" smtClean="0"/>
-                        <a:t>Problem</a:t>
-                      </a:r>
-                      <a:endParaRPr lang="en-US" dirty="0"/>
-                    </a:p>
-                  </a:txBody>
-                  <a:tcPr/>
-                </a:tc>
-                <a:tc>
-                  <a:txBody>
-                    <a:bodyPr/>
-                    <a:lstStyle/>
-                    <a:p>
-                      <a:pPr algn="ctr"/>
-                      <a:r>
-                        <a:rPr lang="en-US" dirty="0" smtClean="0"/>
-                        <a:t>Solving</a:t>
-                      </a:r>
-                      <a:endParaRPr lang="en-US" dirty="0"/>
-                    </a:p>
-                  </a:txBody>
-                  <a:tcPr/>
-                </a:tc>
-              </a:tr>
-              <a:tr h="370840">
-                <a:tc>
-                  <a:txBody>
-                    <a:bodyPr/>
-                    <a:lstStyle/>
-                    <a:p>
-                      <a:r>
-                        <a:rPr lang="en-US" dirty="0" err="1" smtClean="0"/>
-                        <a:t>Kesulitan</a:t>
-                      </a:r>
-                      <a:r>
-                        <a:rPr lang="en-US" dirty="0" smtClean="0"/>
-                        <a:t> </a:t>
-                      </a:r>
-                      <a:r>
-                        <a:rPr lang="en-US" dirty="0" err="1" smtClean="0"/>
-                        <a:t>dalam</a:t>
-                      </a:r>
-                      <a:r>
-                        <a:rPr lang="en-US" dirty="0" smtClean="0"/>
-                        <a:t> </a:t>
-                      </a:r>
-                      <a:r>
-                        <a:rPr lang="en-US" dirty="0" err="1" smtClean="0"/>
-                        <a:t>menggunakan</a:t>
-                      </a:r>
-                      <a:r>
-                        <a:rPr lang="en-US" dirty="0" smtClean="0"/>
-                        <a:t> </a:t>
-                      </a:r>
-                      <a:r>
-                        <a:rPr lang="en-US" dirty="0" err="1" smtClean="0"/>
-                        <a:t>Github</a:t>
-                      </a:r>
-                      <a:endParaRPr lang="en-US" dirty="0"/>
-                    </a:p>
-                  </a:txBody>
-                  <a:tcPr/>
-                </a:tc>
-                <a:tc>
-                  <a:txBody>
-                    <a:bodyPr/>
-                    <a:lstStyle/>
-                    <a:p>
-                      <a:r>
-                        <a:rPr lang="en-US" dirty="0" err="1" smtClean="0"/>
-                        <a:t>Mengikuti</a:t>
-                      </a:r>
-                      <a:r>
-                        <a:rPr lang="en-US" dirty="0" smtClean="0"/>
-                        <a:t> </a:t>
-                      </a:r>
-                      <a:r>
-                        <a:rPr lang="en-US" dirty="0" err="1" smtClean="0"/>
-                        <a:t>pengajaran</a:t>
-                      </a:r>
-                      <a:r>
-                        <a:rPr lang="en-US" dirty="0" smtClean="0"/>
-                        <a:t> </a:t>
-                      </a:r>
-                      <a:r>
-                        <a:rPr lang="en-US" dirty="0" err="1" smtClean="0"/>
-                        <a:t>penggunaan</a:t>
-                      </a:r>
-                      <a:r>
-                        <a:rPr lang="en-US" dirty="0" smtClean="0"/>
-                        <a:t> </a:t>
-                      </a:r>
-                      <a:r>
-                        <a:rPr lang="en-US" dirty="0" err="1" smtClean="0"/>
-                        <a:t>github</a:t>
-                      </a:r>
-                      <a:r>
-                        <a:rPr lang="en-US" dirty="0" smtClean="0"/>
-                        <a:t> yang </a:t>
-                      </a:r>
-                      <a:r>
-                        <a:rPr lang="en-US" dirty="0" err="1" smtClean="0"/>
-                        <a:t>diadakan</a:t>
-                      </a:r>
-                      <a:r>
-                        <a:rPr lang="en-US" dirty="0" smtClean="0"/>
-                        <a:t> </a:t>
-                      </a:r>
-                      <a:r>
-                        <a:rPr lang="en-US" dirty="0" err="1" smtClean="0"/>
-                        <a:t>kelompok</a:t>
-                      </a:r>
-                      <a:r>
-                        <a:rPr lang="en-US" dirty="0" smtClean="0"/>
-                        <a:t> kami</a:t>
-                      </a:r>
-                      <a:endParaRPr lang="en-US" dirty="0"/>
-                    </a:p>
-                  </a:txBody>
-                  <a:tcPr/>
-                </a:tc>
-              </a:tr>
-              <a:tr h="370840">
-                <a:tc>
-                  <a:txBody>
-                    <a:bodyPr/>
-                    <a:lstStyle/>
-                    <a:p>
-                      <a:r>
-                        <a:rPr lang="en-US" dirty="0" err="1" smtClean="0"/>
-                        <a:t>Berat</a:t>
-                      </a:r>
-                      <a:r>
-                        <a:rPr lang="en-US" dirty="0" smtClean="0"/>
-                        <a:t> </a:t>
-                      </a:r>
-                      <a:r>
-                        <a:rPr lang="en-US" dirty="0" err="1" smtClean="0"/>
-                        <a:t>dalam</a:t>
-                      </a:r>
-                      <a:r>
-                        <a:rPr lang="en-US" dirty="0" smtClean="0"/>
-                        <a:t> </a:t>
-                      </a:r>
-                      <a:r>
-                        <a:rPr lang="en-US" dirty="0" err="1" smtClean="0"/>
-                        <a:t>hal</a:t>
-                      </a:r>
-                      <a:r>
-                        <a:rPr lang="en-US" dirty="0" smtClean="0"/>
-                        <a:t> </a:t>
-                      </a:r>
-                      <a:r>
-                        <a:rPr lang="en-US" dirty="0" err="1" smtClean="0"/>
-                        <a:t>koneksi</a:t>
-                      </a:r>
-                      <a:r>
-                        <a:rPr lang="en-US" dirty="0" smtClean="0"/>
-                        <a:t> </a:t>
-                      </a:r>
-                      <a:r>
-                        <a:rPr lang="en-US" dirty="0" err="1" smtClean="0"/>
-                        <a:t>misal</a:t>
-                      </a:r>
-                      <a:r>
-                        <a:rPr lang="en-US" dirty="0" smtClean="0"/>
-                        <a:t>: </a:t>
-                      </a:r>
-                      <a:r>
-                        <a:rPr lang="en-US" dirty="0" err="1" smtClean="0"/>
-                        <a:t>mengupload</a:t>
-                      </a:r>
-                      <a:r>
-                        <a:rPr lang="en-US" dirty="0" smtClean="0"/>
-                        <a:t> </a:t>
-                      </a:r>
-                      <a:r>
-                        <a:rPr lang="en-US" dirty="0" err="1" smtClean="0"/>
-                        <a:t>semua</a:t>
-                      </a:r>
-                      <a:r>
-                        <a:rPr lang="en-US" dirty="0" smtClean="0"/>
-                        <a:t> </a:t>
-                      </a:r>
-                      <a:r>
-                        <a:rPr lang="en-US" dirty="0" err="1" smtClean="0"/>
-                        <a:t>foto</a:t>
-                      </a:r>
-                      <a:r>
-                        <a:rPr lang="en-US" dirty="0" smtClean="0"/>
-                        <a:t> </a:t>
-                      </a:r>
-                      <a:r>
-                        <a:rPr lang="en-US" dirty="0" err="1" smtClean="0"/>
-                        <a:t>dokumentasi</a:t>
-                      </a:r>
-                      <a:r>
-                        <a:rPr lang="en-US" dirty="0" smtClean="0"/>
-                        <a:t> </a:t>
-                      </a:r>
-                      <a:r>
-                        <a:rPr lang="en-US" dirty="0" err="1" smtClean="0"/>
-                        <a:t>dalam</a:t>
-                      </a:r>
-                      <a:r>
-                        <a:rPr lang="en-US" dirty="0" smtClean="0"/>
-                        <a:t> </a:t>
-                      </a:r>
-                      <a:r>
-                        <a:rPr lang="en-US" dirty="0" err="1" smtClean="0"/>
-                        <a:t>satu</a:t>
-                      </a:r>
-                      <a:r>
-                        <a:rPr lang="en-US" dirty="0" smtClean="0"/>
-                        <a:t> </a:t>
-                      </a:r>
-                      <a:r>
-                        <a:rPr lang="en-US" dirty="0" err="1" smtClean="0"/>
-                        <a:t>waktu</a:t>
-                      </a:r>
-                      <a:endParaRPr lang="en-US" dirty="0"/>
-                    </a:p>
-                  </a:txBody>
-                  <a:tcPr/>
-                </a:tc>
-                <a:tc>
-                  <a:txBody>
-                    <a:bodyPr/>
-                    <a:lstStyle/>
-                    <a:p>
-                      <a:r>
-                        <a:rPr lang="en-US" dirty="0" err="1" smtClean="0"/>
-                        <a:t>Melakukan</a:t>
-                      </a:r>
-                      <a:r>
-                        <a:rPr lang="en-US" dirty="0" smtClean="0"/>
-                        <a:t> </a:t>
-                      </a:r>
-                      <a:r>
-                        <a:rPr lang="en-US" dirty="0" err="1" smtClean="0"/>
-                        <a:t>pembagian</a:t>
-                      </a:r>
-                      <a:r>
-                        <a:rPr lang="en-US" dirty="0" smtClean="0"/>
-                        <a:t> </a:t>
-                      </a:r>
-                      <a:r>
-                        <a:rPr lang="en-US" dirty="0" err="1" smtClean="0"/>
-                        <a:t>saat</a:t>
-                      </a:r>
-                      <a:r>
-                        <a:rPr lang="en-US" dirty="0" smtClean="0"/>
-                        <a:t> upload </a:t>
-                      </a:r>
-                      <a:r>
-                        <a:rPr lang="en-US" dirty="0" err="1" smtClean="0"/>
-                        <a:t>foto</a:t>
-                      </a:r>
-                      <a:r>
-                        <a:rPr lang="en-US" dirty="0" smtClean="0"/>
-                        <a:t> </a:t>
-                      </a:r>
-                      <a:r>
-                        <a:rPr lang="en-US" dirty="0" err="1" smtClean="0"/>
-                        <a:t>dokumentasi</a:t>
-                      </a:r>
-                      <a:r>
-                        <a:rPr lang="en-US" dirty="0" smtClean="0"/>
-                        <a:t> / </a:t>
-                      </a:r>
-                      <a:r>
-                        <a:rPr lang="en-US" dirty="0" err="1" smtClean="0"/>
-                        <a:t>mencari</a:t>
-                      </a:r>
-                      <a:r>
-                        <a:rPr lang="en-US" dirty="0" smtClean="0"/>
-                        <a:t> </a:t>
-                      </a:r>
-                      <a:r>
-                        <a:rPr lang="en-US" dirty="0" err="1" smtClean="0"/>
-                        <a:t>koneksi</a:t>
-                      </a:r>
-                      <a:r>
-                        <a:rPr lang="en-US" dirty="0" smtClean="0"/>
-                        <a:t> yang </a:t>
-                      </a:r>
-                      <a:r>
-                        <a:rPr lang="en-US" dirty="0" err="1" smtClean="0"/>
-                        <a:t>lebih</a:t>
-                      </a:r>
-                      <a:r>
-                        <a:rPr lang="en-US" dirty="0" smtClean="0"/>
-                        <a:t> </a:t>
-                      </a:r>
-                      <a:r>
-                        <a:rPr lang="en-US" dirty="0" err="1" smtClean="0"/>
-                        <a:t>stabil</a:t>
-                      </a:r>
-                      <a:endParaRPr lang="en-US" dirty="0"/>
-                    </a:p>
-                  </a:txBody>
-                  <a:tcPr/>
-                </a:tc>
-              </a:tr>
-            </a:tbl>
-          </a:graphicData>
-        </a:graphic>
-      </p:graphicFrame>
     </p:spTree>
     <p:extLst>
       <p:ext uri="{BB962C8B-B14F-4D97-AF65-F5344CB8AC3E}">
-        <p14:creationId xmlns:p14="http://schemas.microsoft.com/office/powerpoint/2010/main" val="1464674941"/>
+        <p14:creationId xmlns:p14="http://schemas.microsoft.com/office/powerpoint/2010/main" val="2472598190"/>
       </p:ext>
     </p:extLst>
   </p:cSld>
@@ -9689,7 +9480,565 @@
         </p:nvSpPr>
         <p:spPr>
           <a:xfrm>
-            <a:off x="1057142" y="350457"/>
+            <a:off x="1251678" y="814185"/>
+            <a:ext cx="10178322" cy="1014615"/>
+          </a:xfrm>
+        </p:spPr>
+        <p:txBody>
+          <a:bodyPr/>
+          <a:lstStyle/>
+          <a:p>
+            <a:r>
+              <a:rPr lang="en-US" sz="5400" b="1" cap="none" spc="0" dirty="0">
+                <a:ln w="22225">
+                  <a:solidFill>
+                    <a:schemeClr val="accent2"/>
+                  </a:solidFill>
+                  <a:prstDash val="solid"/>
+                </a:ln>
+                <a:solidFill>
+                  <a:schemeClr val="accent2">
+                    <a:lumMod val="40000"/>
+                    <a:lumOff val="60000"/>
+                  </a:schemeClr>
+                </a:solidFill>
+              </a:rPr>
+              <a:t>LESSON LEARNED</a:t>
+            </a:r>
+            <a:endParaRPr lang="en-US" b="1" cap="none" spc="0" dirty="0">
+              <a:ln w="22225">
+                <a:solidFill>
+                  <a:schemeClr val="accent2"/>
+                </a:solidFill>
+                <a:prstDash val="solid"/>
+              </a:ln>
+              <a:solidFill>
+                <a:schemeClr val="accent2">
+                  <a:lumMod val="40000"/>
+                  <a:lumOff val="60000"/>
+                </a:schemeClr>
+              </a:solidFill>
+            </a:endParaRPr>
+          </a:p>
+        </p:txBody>
+      </p:sp>
+      <p:sp>
+        <p:nvSpPr>
+          <p:cNvPr id="3" name="Content Placeholder 2"/>
+          <p:cNvSpPr>
+            <a:spLocks noGrp="1"/>
+          </p:cNvSpPr>
+          <p:nvPr>
+            <p:ph idx="1"/>
+          </p:nvPr>
+        </p:nvSpPr>
+        <p:spPr>
+          <a:xfrm>
+            <a:off x="1251678" y="1727201"/>
+            <a:ext cx="10178322" cy="4049360"/>
+          </a:xfrm>
+        </p:spPr>
+        <p:txBody>
+          <a:bodyPr>
+            <a:normAutofit/>
+          </a:bodyPr>
+          <a:lstStyle/>
+          <a:p>
+            <a:pPr>
+              <a:lnSpc>
+                <a:spcPct val="150000"/>
+              </a:lnSpc>
+            </a:pPr>
+            <a:r>
+              <a:rPr lang="en-US" i="1" dirty="0" smtClean="0">
+                <a:solidFill>
+                  <a:schemeClr val="tx1"/>
+                </a:solidFill>
+                <a:latin typeface="Tahoma" pitchFamily="34" charset="0"/>
+                <a:ea typeface="Tahoma" pitchFamily="34" charset="0"/>
+                <a:cs typeface="Tahoma" pitchFamily="34" charset="0"/>
+              </a:rPr>
+              <a:t>Team-Work</a:t>
+            </a:r>
+          </a:p>
+          <a:p>
+            <a:pPr>
+              <a:lnSpc>
+                <a:spcPct val="150000"/>
+              </a:lnSpc>
+            </a:pPr>
+            <a:r>
+              <a:rPr lang="en-US" dirty="0" err="1" smtClean="0">
+                <a:solidFill>
+                  <a:schemeClr val="tx1"/>
+                </a:solidFill>
+                <a:latin typeface="Tahoma" pitchFamily="34" charset="0"/>
+                <a:ea typeface="Tahoma" pitchFamily="34" charset="0"/>
+                <a:cs typeface="Tahoma" pitchFamily="34" charset="0"/>
+              </a:rPr>
+              <a:t>Menahan</a:t>
+            </a:r>
+            <a:r>
+              <a:rPr lang="en-US" dirty="0" smtClean="0">
+                <a:solidFill>
+                  <a:schemeClr val="tx1"/>
+                </a:solidFill>
+                <a:latin typeface="Tahoma" pitchFamily="34" charset="0"/>
+                <a:ea typeface="Tahoma" pitchFamily="34" charset="0"/>
+                <a:cs typeface="Tahoma" pitchFamily="34" charset="0"/>
+              </a:rPr>
+              <a:t> </a:t>
+            </a:r>
+            <a:r>
+              <a:rPr lang="en-US" dirty="0" err="1" smtClean="0">
+                <a:solidFill>
+                  <a:schemeClr val="tx1"/>
+                </a:solidFill>
+                <a:latin typeface="Tahoma" pitchFamily="34" charset="0"/>
+                <a:ea typeface="Tahoma" pitchFamily="34" charset="0"/>
+                <a:cs typeface="Tahoma" pitchFamily="34" charset="0"/>
+              </a:rPr>
+              <a:t>sikap</a:t>
+            </a:r>
+            <a:r>
+              <a:rPr lang="en-US" dirty="0" smtClean="0">
+                <a:solidFill>
+                  <a:schemeClr val="tx1"/>
+                </a:solidFill>
+                <a:latin typeface="Tahoma" pitchFamily="34" charset="0"/>
+                <a:ea typeface="Tahoma" pitchFamily="34" charset="0"/>
+                <a:cs typeface="Tahoma" pitchFamily="34" charset="0"/>
+              </a:rPr>
+              <a:t> </a:t>
+            </a:r>
+            <a:r>
+              <a:rPr lang="en-US" dirty="0" err="1" smtClean="0">
+                <a:solidFill>
+                  <a:schemeClr val="tx1"/>
+                </a:solidFill>
+                <a:latin typeface="Tahoma" pitchFamily="34" charset="0"/>
+                <a:ea typeface="Tahoma" pitchFamily="34" charset="0"/>
+                <a:cs typeface="Tahoma" pitchFamily="34" charset="0"/>
+              </a:rPr>
+              <a:t>egois</a:t>
+            </a:r>
+            <a:r>
+              <a:rPr lang="en-US" dirty="0" smtClean="0">
+                <a:solidFill>
+                  <a:schemeClr val="tx1"/>
+                </a:solidFill>
+                <a:latin typeface="Tahoma" pitchFamily="34" charset="0"/>
+                <a:ea typeface="Tahoma" pitchFamily="34" charset="0"/>
+                <a:cs typeface="Tahoma" pitchFamily="34" charset="0"/>
+              </a:rPr>
+              <a:t> </a:t>
+            </a:r>
+            <a:r>
+              <a:rPr lang="en-US" dirty="0" err="1" smtClean="0">
+                <a:solidFill>
+                  <a:schemeClr val="tx1"/>
+                </a:solidFill>
+                <a:latin typeface="Tahoma" pitchFamily="34" charset="0"/>
+                <a:ea typeface="Tahoma" pitchFamily="34" charset="0"/>
+                <a:cs typeface="Tahoma" pitchFamily="34" charset="0"/>
+              </a:rPr>
+              <a:t>realisasi</a:t>
+            </a:r>
+            <a:r>
+              <a:rPr lang="en-US" dirty="0" smtClean="0">
+                <a:solidFill>
+                  <a:schemeClr val="tx1"/>
+                </a:solidFill>
+                <a:latin typeface="Tahoma" pitchFamily="34" charset="0"/>
+                <a:ea typeface="Tahoma" pitchFamily="34" charset="0"/>
+                <a:cs typeface="Tahoma" pitchFamily="34" charset="0"/>
+              </a:rPr>
+              <a:t> </a:t>
+            </a:r>
+            <a:r>
+              <a:rPr lang="en-US" dirty="0" err="1" smtClean="0">
+                <a:solidFill>
+                  <a:schemeClr val="tx1"/>
+                </a:solidFill>
+                <a:latin typeface="Tahoma" pitchFamily="34" charset="0"/>
+                <a:ea typeface="Tahoma" pitchFamily="34" charset="0"/>
+                <a:cs typeface="Tahoma" pitchFamily="34" charset="0"/>
+              </a:rPr>
+              <a:t>diri</a:t>
+            </a:r>
+            <a:endParaRPr lang="en-US" dirty="0" smtClean="0">
+              <a:solidFill>
+                <a:schemeClr val="tx1"/>
+              </a:solidFill>
+              <a:latin typeface="Tahoma" pitchFamily="34" charset="0"/>
+              <a:ea typeface="Tahoma" pitchFamily="34" charset="0"/>
+              <a:cs typeface="Tahoma" pitchFamily="34" charset="0"/>
+            </a:endParaRPr>
+          </a:p>
+          <a:p>
+            <a:pPr>
+              <a:lnSpc>
+                <a:spcPct val="150000"/>
+              </a:lnSpc>
+            </a:pPr>
+            <a:r>
+              <a:rPr lang="en-US" dirty="0" err="1" smtClean="0">
+                <a:solidFill>
+                  <a:schemeClr val="tx1"/>
+                </a:solidFill>
+                <a:latin typeface="Tahoma" pitchFamily="34" charset="0"/>
+                <a:ea typeface="Tahoma" pitchFamily="34" charset="0"/>
+                <a:cs typeface="Tahoma" pitchFamily="34" charset="0"/>
+              </a:rPr>
+              <a:t>Toleransi</a:t>
+            </a:r>
+            <a:r>
+              <a:rPr lang="en-US" dirty="0" smtClean="0">
+                <a:solidFill>
+                  <a:schemeClr val="tx1"/>
+                </a:solidFill>
+                <a:latin typeface="Tahoma" pitchFamily="34" charset="0"/>
+                <a:ea typeface="Tahoma" pitchFamily="34" charset="0"/>
+                <a:cs typeface="Tahoma" pitchFamily="34" charset="0"/>
+              </a:rPr>
+              <a:t> </a:t>
+            </a:r>
+            <a:r>
+              <a:rPr lang="en-US" dirty="0" err="1">
+                <a:solidFill>
+                  <a:schemeClr val="tx1"/>
+                </a:solidFill>
+                <a:latin typeface="Tahoma" pitchFamily="34" charset="0"/>
+                <a:ea typeface="Tahoma" pitchFamily="34" charset="0"/>
+                <a:cs typeface="Tahoma" pitchFamily="34" charset="0"/>
+              </a:rPr>
+              <a:t>k</a:t>
+            </a:r>
+            <a:r>
+              <a:rPr lang="en-US" dirty="0" err="1" smtClean="0">
+                <a:solidFill>
+                  <a:schemeClr val="tx1"/>
+                </a:solidFill>
+                <a:latin typeface="Tahoma" pitchFamily="34" charset="0"/>
+                <a:ea typeface="Tahoma" pitchFamily="34" charset="0"/>
+                <a:cs typeface="Tahoma" pitchFamily="34" charset="0"/>
+              </a:rPr>
+              <a:t>esibukan</a:t>
+            </a:r>
+            <a:r>
+              <a:rPr lang="en-US" dirty="0" smtClean="0">
+                <a:solidFill>
+                  <a:schemeClr val="tx1"/>
+                </a:solidFill>
+                <a:latin typeface="Tahoma" pitchFamily="34" charset="0"/>
+                <a:ea typeface="Tahoma" pitchFamily="34" charset="0"/>
+                <a:cs typeface="Tahoma" pitchFamily="34" charset="0"/>
+              </a:rPr>
+              <a:t> </a:t>
+            </a:r>
+            <a:r>
+              <a:rPr lang="en-US" dirty="0" err="1" smtClean="0">
+                <a:solidFill>
+                  <a:schemeClr val="tx1"/>
+                </a:solidFill>
+                <a:latin typeface="Tahoma" pitchFamily="34" charset="0"/>
+                <a:ea typeface="Tahoma" pitchFamily="34" charset="0"/>
+                <a:cs typeface="Tahoma" pitchFamily="34" charset="0"/>
+              </a:rPr>
+              <a:t>setiap</a:t>
+            </a:r>
+            <a:r>
+              <a:rPr lang="en-US" dirty="0" smtClean="0">
+                <a:solidFill>
+                  <a:schemeClr val="tx1"/>
+                </a:solidFill>
+                <a:latin typeface="Tahoma" pitchFamily="34" charset="0"/>
+                <a:ea typeface="Tahoma" pitchFamily="34" charset="0"/>
+                <a:cs typeface="Tahoma" pitchFamily="34" charset="0"/>
+              </a:rPr>
+              <a:t> </a:t>
+            </a:r>
+            <a:r>
+              <a:rPr lang="en-US" dirty="0" err="1">
+                <a:solidFill>
+                  <a:schemeClr val="tx1"/>
+                </a:solidFill>
+                <a:latin typeface="Tahoma" pitchFamily="34" charset="0"/>
+                <a:ea typeface="Tahoma" pitchFamily="34" charset="0"/>
+                <a:cs typeface="Tahoma" pitchFamily="34" charset="0"/>
+              </a:rPr>
+              <a:t>a</a:t>
+            </a:r>
+            <a:r>
+              <a:rPr lang="en-US" dirty="0" err="1" smtClean="0">
+                <a:solidFill>
+                  <a:schemeClr val="tx1"/>
+                </a:solidFill>
+                <a:latin typeface="Tahoma" pitchFamily="34" charset="0"/>
+                <a:ea typeface="Tahoma" pitchFamily="34" charset="0"/>
+                <a:cs typeface="Tahoma" pitchFamily="34" charset="0"/>
+              </a:rPr>
+              <a:t>nggota</a:t>
+            </a:r>
+            <a:endParaRPr lang="en-US" dirty="0" smtClean="0">
+              <a:solidFill>
+                <a:schemeClr val="tx1"/>
+              </a:solidFill>
+              <a:latin typeface="Tahoma" pitchFamily="34" charset="0"/>
+              <a:ea typeface="Tahoma" pitchFamily="34" charset="0"/>
+              <a:cs typeface="Tahoma" pitchFamily="34" charset="0"/>
+            </a:endParaRPr>
+          </a:p>
+          <a:p>
+            <a:pPr>
+              <a:lnSpc>
+                <a:spcPct val="150000"/>
+              </a:lnSpc>
+            </a:pPr>
+            <a:r>
+              <a:rPr lang="en-US" dirty="0" err="1" smtClean="0">
+                <a:solidFill>
+                  <a:schemeClr val="tx1"/>
+                </a:solidFill>
+                <a:latin typeface="Tahoma" pitchFamily="34" charset="0"/>
+                <a:ea typeface="Tahoma" pitchFamily="34" charset="0"/>
+                <a:cs typeface="Tahoma" pitchFamily="34" charset="0"/>
+              </a:rPr>
+              <a:t>Membudayakan</a:t>
+            </a:r>
+            <a:r>
+              <a:rPr lang="en-US" dirty="0" smtClean="0">
+                <a:solidFill>
+                  <a:schemeClr val="tx1"/>
+                </a:solidFill>
+                <a:latin typeface="Tahoma" pitchFamily="34" charset="0"/>
+                <a:ea typeface="Tahoma" pitchFamily="34" charset="0"/>
+                <a:cs typeface="Tahoma" pitchFamily="34" charset="0"/>
+              </a:rPr>
+              <a:t> </a:t>
+            </a:r>
+            <a:r>
+              <a:rPr lang="en-US" dirty="0" err="1" smtClean="0">
+                <a:solidFill>
+                  <a:schemeClr val="tx1"/>
+                </a:solidFill>
+                <a:latin typeface="Tahoma" pitchFamily="34" charset="0"/>
+                <a:ea typeface="Tahoma" pitchFamily="34" charset="0"/>
+                <a:cs typeface="Tahoma" pitchFamily="34" charset="0"/>
+              </a:rPr>
+              <a:t>berdiskusi</a:t>
+            </a:r>
+            <a:endParaRPr lang="en-US" dirty="0" smtClean="0">
+              <a:solidFill>
+                <a:schemeClr val="tx1"/>
+              </a:solidFill>
+              <a:latin typeface="Tahoma" pitchFamily="34" charset="0"/>
+              <a:ea typeface="Tahoma" pitchFamily="34" charset="0"/>
+              <a:cs typeface="Tahoma" pitchFamily="34" charset="0"/>
+            </a:endParaRPr>
+          </a:p>
+          <a:p>
+            <a:pPr>
+              <a:lnSpc>
+                <a:spcPct val="150000"/>
+              </a:lnSpc>
+            </a:pPr>
+            <a:r>
+              <a:rPr lang="en-US" dirty="0" err="1" smtClean="0">
+                <a:solidFill>
+                  <a:schemeClr val="tx1"/>
+                </a:solidFill>
+                <a:latin typeface="Tahoma" pitchFamily="34" charset="0"/>
+                <a:ea typeface="Tahoma" pitchFamily="34" charset="0"/>
+                <a:cs typeface="Tahoma" pitchFamily="34" charset="0"/>
+              </a:rPr>
+              <a:t>Belajar</a:t>
+            </a:r>
+            <a:r>
+              <a:rPr lang="en-US" dirty="0" smtClean="0">
+                <a:solidFill>
+                  <a:schemeClr val="tx1"/>
+                </a:solidFill>
+                <a:latin typeface="Tahoma" pitchFamily="34" charset="0"/>
+                <a:ea typeface="Tahoma" pitchFamily="34" charset="0"/>
+                <a:cs typeface="Tahoma" pitchFamily="34" charset="0"/>
+              </a:rPr>
+              <a:t> </a:t>
+            </a:r>
+            <a:r>
+              <a:rPr lang="en-US" i="1" dirty="0" smtClean="0">
+                <a:solidFill>
+                  <a:schemeClr val="tx1"/>
+                </a:solidFill>
+                <a:latin typeface="Tahoma" pitchFamily="34" charset="0"/>
+                <a:ea typeface="Tahoma" pitchFamily="34" charset="0"/>
+                <a:cs typeface="Tahoma" pitchFamily="34" charset="0"/>
+              </a:rPr>
+              <a:t>Time Management</a:t>
+            </a:r>
+          </a:p>
+          <a:p>
+            <a:pPr>
+              <a:lnSpc>
+                <a:spcPct val="150000"/>
+              </a:lnSpc>
+            </a:pPr>
+            <a:r>
+              <a:rPr lang="en-US" dirty="0" err="1" smtClean="0">
+                <a:solidFill>
+                  <a:schemeClr val="tx1"/>
+                </a:solidFill>
+                <a:latin typeface="Tahoma" pitchFamily="34" charset="0"/>
+                <a:ea typeface="Tahoma" pitchFamily="34" charset="0"/>
+                <a:cs typeface="Tahoma" pitchFamily="34" charset="0"/>
+              </a:rPr>
+              <a:t>Kebersamaan</a:t>
+            </a:r>
+            <a:r>
+              <a:rPr lang="en-US" dirty="0" smtClean="0">
+                <a:solidFill>
+                  <a:schemeClr val="tx1"/>
+                </a:solidFill>
+                <a:latin typeface="Tahoma" pitchFamily="34" charset="0"/>
+                <a:ea typeface="Tahoma" pitchFamily="34" charset="0"/>
+                <a:cs typeface="Tahoma" pitchFamily="34" charset="0"/>
+              </a:rPr>
+              <a:t> </a:t>
+            </a:r>
+            <a:r>
+              <a:rPr lang="en-US" dirty="0" err="1" smtClean="0">
+                <a:solidFill>
+                  <a:schemeClr val="tx1"/>
+                </a:solidFill>
+                <a:latin typeface="Tahoma" pitchFamily="34" charset="0"/>
+                <a:ea typeface="Tahoma" pitchFamily="34" charset="0"/>
+                <a:cs typeface="Tahoma" pitchFamily="34" charset="0"/>
+              </a:rPr>
+              <a:t>satu</a:t>
+            </a:r>
+            <a:r>
+              <a:rPr lang="en-US" dirty="0" smtClean="0">
+                <a:solidFill>
+                  <a:schemeClr val="tx1"/>
+                </a:solidFill>
+                <a:latin typeface="Tahoma" pitchFamily="34" charset="0"/>
+                <a:ea typeface="Tahoma" pitchFamily="34" charset="0"/>
+                <a:cs typeface="Tahoma" pitchFamily="34" charset="0"/>
+              </a:rPr>
+              <a:t> Tim</a:t>
+            </a:r>
+          </a:p>
+          <a:p>
+            <a:pPr>
+              <a:lnSpc>
+                <a:spcPct val="150000"/>
+              </a:lnSpc>
+            </a:pPr>
+            <a:r>
+              <a:rPr lang="en-US" dirty="0" err="1" smtClean="0">
+                <a:solidFill>
+                  <a:schemeClr val="tx1"/>
+                </a:solidFill>
+                <a:latin typeface="Tahoma" pitchFamily="34" charset="0"/>
+                <a:ea typeface="Tahoma" pitchFamily="34" charset="0"/>
+                <a:cs typeface="Tahoma" pitchFamily="34" charset="0"/>
+              </a:rPr>
+              <a:t>Berbagi</a:t>
+            </a:r>
+            <a:r>
+              <a:rPr lang="en-US" dirty="0" smtClean="0">
+                <a:solidFill>
+                  <a:schemeClr val="tx1"/>
+                </a:solidFill>
+                <a:latin typeface="Tahoma" pitchFamily="34" charset="0"/>
+                <a:ea typeface="Tahoma" pitchFamily="34" charset="0"/>
+                <a:cs typeface="Tahoma" pitchFamily="34" charset="0"/>
+              </a:rPr>
+              <a:t> </a:t>
+            </a:r>
+            <a:r>
+              <a:rPr lang="en-US" dirty="0" err="1">
+                <a:solidFill>
+                  <a:schemeClr val="tx1"/>
+                </a:solidFill>
+                <a:latin typeface="Tahoma" pitchFamily="34" charset="0"/>
+                <a:ea typeface="Tahoma" pitchFamily="34" charset="0"/>
+                <a:cs typeface="Tahoma" pitchFamily="34" charset="0"/>
+              </a:rPr>
+              <a:t>i</a:t>
+            </a:r>
+            <a:r>
+              <a:rPr lang="en-US" dirty="0" err="1" smtClean="0">
+                <a:solidFill>
+                  <a:schemeClr val="tx1"/>
+                </a:solidFill>
+                <a:latin typeface="Tahoma" pitchFamily="34" charset="0"/>
+                <a:ea typeface="Tahoma" pitchFamily="34" charset="0"/>
+                <a:cs typeface="Tahoma" pitchFamily="34" charset="0"/>
+              </a:rPr>
+              <a:t>lmu</a:t>
+            </a:r>
+            <a:endParaRPr lang="en-US" dirty="0" smtClean="0">
+              <a:solidFill>
+                <a:schemeClr val="tx1"/>
+              </a:solidFill>
+              <a:latin typeface="Tahoma" pitchFamily="34" charset="0"/>
+              <a:ea typeface="Tahoma" pitchFamily="34" charset="0"/>
+              <a:cs typeface="Tahoma" pitchFamily="34" charset="0"/>
+            </a:endParaRPr>
+          </a:p>
+        </p:txBody>
+      </p:sp>
+    </p:spTree>
+    <p:extLst>
+      <p:ext uri="{BB962C8B-B14F-4D97-AF65-F5344CB8AC3E}">
+        <p14:creationId xmlns:p14="http://schemas.microsoft.com/office/powerpoint/2010/main" val="317620095"/>
+      </p:ext>
+    </p:extLst>
+  </p:cSld>
+  <p:clrMapOvr>
+    <a:masterClrMapping/>
+  </p:clrMapOvr>
+  <p:timing>
+    <p:tnLst>
+      <p:par>
+        <p:cTn id="1" dur="indefinite" restart="never" nodeType="tmRoot"/>
+      </p:par>
+    </p:tnLst>
+  </p:timing>
+</p:sld>
+</file>
+
+<file path=ppt/slides/slide15.xml><?xml version="1.0" encoding="utf-8"?>
+<p:sld xmlns:a="http://schemas.openxmlformats.org/drawingml/2006/main" xmlns:r="http://schemas.openxmlformats.org/officeDocument/2006/relationships" xmlns:p="http://schemas.openxmlformats.org/presentationml/2006/main">
+  <p:cSld>
+    <p:spTree>
+      <p:nvGrpSpPr>
+        <p:cNvPr id="1" name=""/>
+        <p:cNvGrpSpPr/>
+        <p:nvPr/>
+      </p:nvGrpSpPr>
+      <p:grpSpPr>
+        <a:xfrm>
+          <a:off x="0" y="0"/>
+          <a:ext cx="0" cy="0"/>
+          <a:chOff x="0" y="0"/>
+          <a:chExt cx="0" cy="0"/>
+        </a:xfrm>
+      </p:grpSpPr>
+      <p:sp>
+        <p:nvSpPr>
+          <p:cNvPr id="2" name="Title 1"/>
+          <p:cNvSpPr>
+            <a:spLocks noGrp="1"/>
+          </p:cNvSpPr>
+          <p:nvPr>
+            <p:ph type="title"/>
+          </p:nvPr>
+        </p:nvSpPr>
+        <p:spPr>
+          <a:xfrm>
+            <a:off x="1057142" y="3016383"/>
             <a:ext cx="10515600" cy="817944"/>
           </a:xfrm>
         </p:spPr>
@@ -9715,8 +10064,9 @@
                 <a:latin typeface="Tahoma" pitchFamily="34" charset="0"/>
                 <a:ea typeface="Tahoma" pitchFamily="34" charset="0"/>
                 <a:cs typeface="Tahoma" pitchFamily="34" charset="0"/>
-              </a:rPr>
-              <a:t>COST</a:t>
+                <a:hlinkClick r:id="rId2" action="ppaction://hlinkfile"/>
+              </a:rPr>
+              <a:t>COST AND REALIZATION</a:t>
             </a:r>
             <a:endParaRPr lang="en-US" b="1" cap="none" spc="0" dirty="0">
               <a:ln w="22225">
@@ -9734,64 +10084,11 @@
               <a:latin typeface="Tahoma" pitchFamily="34" charset="0"/>
               <a:ea typeface="Tahoma" pitchFamily="34" charset="0"/>
               <a:cs typeface="Tahoma" pitchFamily="34" charset="0"/>
+              <a:hlinkClick r:id="rId2" action="ppaction://hlinkfile"/>
             </a:endParaRPr>
           </a:p>
         </p:txBody>
       </p:sp>
-      <p:pic>
-        <p:nvPicPr>
-          <p:cNvPr id="5122" name="Picture 2"/>
-          <p:cNvPicPr>
-            <a:picLocks noChangeAspect="1" noChangeArrowheads="1"/>
-          </p:cNvPicPr>
-          <p:nvPr/>
-        </p:nvPicPr>
-        <p:blipFill>
-          <a:blip r:embed="rId2">
-            <a:extLst>
-              <a:ext uri="{28A0092B-C50C-407E-A947-70E740481C1C}">
-                <a14:useLocalDpi xmlns:a14="http://schemas.microsoft.com/office/drawing/2010/main" val="0"/>
-              </a:ext>
-            </a:extLst>
-          </a:blip>
-          <a:srcRect/>
-          <a:stretch>
-            <a:fillRect/>
-          </a:stretch>
-        </p:blipFill>
-        <p:spPr bwMode="auto">
-          <a:xfrm>
-            <a:off x="1279521" y="1397000"/>
-            <a:ext cx="10070843" cy="4861010"/>
-          </a:xfrm>
-          <a:prstGeom prst="rect">
-            <a:avLst/>
-          </a:prstGeom>
-          <a:noFill/>
-          <a:ln>
-            <a:noFill/>
-          </a:ln>
-          <a:extLst>
-            <a:ext uri="{909E8E84-426E-40DD-AFC4-6F175D3DCCD1}">
-              <a14:hiddenFill xmlns:a14="http://schemas.microsoft.com/office/drawing/2010/main">
-                <a:solidFill>
-                  <a:srgbClr val="FFFFFF"/>
-                </a:solidFill>
-              </a14:hiddenFill>
-            </a:ext>
-            <a:ext uri="{91240B29-F687-4F45-9708-019B960494DF}">
-              <a14:hiddenLine xmlns:a14="http://schemas.microsoft.com/office/drawing/2010/main" w="9525">
-                <a:solidFill>
-                  <a:srgbClr val="000000"/>
-                </a:solidFill>
-                <a:miter lim="800000"/>
-                <a:headEnd/>
-                <a:tailEnd/>
-              </a14:hiddenLine>
-            </a:ext>
-          </a:extLst>
-        </p:spPr>
-      </p:pic>
     </p:spTree>
     <p:extLst>
       <p:ext uri="{BB962C8B-B14F-4D97-AF65-F5344CB8AC3E}">
@@ -9812,7 +10109,7 @@
 </p:sld>
 </file>
 
-<file path=ppt/slides/slide15.xml><?xml version="1.0" encoding="utf-8"?>
+<file path=ppt/slides/slide16.xml><?xml version="1.0" encoding="utf-8"?>
 <p:sld xmlns:a="http://schemas.openxmlformats.org/drawingml/2006/main" xmlns:r="http://schemas.openxmlformats.org/officeDocument/2006/relationships" xmlns:p="http://schemas.openxmlformats.org/presentationml/2006/main">
   <p:cSld>
     <p:spTree>
@@ -9968,661 +10265,6 @@
     <p:extLst>
       <p:ext uri="{BB962C8B-B14F-4D97-AF65-F5344CB8AC3E}">
         <p14:creationId xmlns:p14="http://schemas.microsoft.com/office/powerpoint/2010/main" val="1746510745"/>
-      </p:ext>
-    </p:extLst>
-  </p:cSld>
-  <p:clrMapOvr>
-    <a:masterClrMapping/>
-  </p:clrMapOvr>
-  <p:timing>
-    <p:tnLst>
-      <p:par>
-        <p:cTn id="1" dur="indefinite" restart="never" nodeType="tmRoot"/>
-      </p:par>
-    </p:tnLst>
-  </p:timing>
-</p:sld>
-</file>
-
-<file path=ppt/slides/slide16.xml><?xml version="1.0" encoding="utf-8"?>
-<p:sld xmlns:a="http://schemas.openxmlformats.org/drawingml/2006/main" xmlns:r="http://schemas.openxmlformats.org/officeDocument/2006/relationships" xmlns:p="http://schemas.openxmlformats.org/presentationml/2006/main">
-  <p:cSld>
-    <p:spTree>
-      <p:nvGrpSpPr>
-        <p:cNvPr id="1" name=""/>
-        <p:cNvGrpSpPr/>
-        <p:nvPr/>
-      </p:nvGrpSpPr>
-      <p:grpSpPr>
-        <a:xfrm>
-          <a:off x="0" y="0"/>
-          <a:ext cx="0" cy="0"/>
-          <a:chOff x="0" y="0"/>
-          <a:chExt cx="0" cy="0"/>
-        </a:xfrm>
-      </p:grpSpPr>
-      <p:sp>
-        <p:nvSpPr>
-          <p:cNvPr id="2" name="Title 1"/>
-          <p:cNvSpPr>
-            <a:spLocks noGrp="1"/>
-          </p:cNvSpPr>
-          <p:nvPr>
-            <p:ph type="ctrTitle"/>
-          </p:nvPr>
-        </p:nvSpPr>
-        <p:spPr>
-          <a:xfrm>
-            <a:off x="1641880" y="2654299"/>
-            <a:ext cx="9144000" cy="1109663"/>
-          </a:xfrm>
-        </p:spPr>
-        <p:txBody>
-          <a:bodyPr/>
-          <a:lstStyle/>
-          <a:p>
-            <a:r>
-              <a:rPr lang="en-US" sz="9500" b="1" cap="none" spc="0" dirty="0" smtClean="0">
-                <a:ln w="22225">
-                  <a:solidFill>
-                    <a:schemeClr val="accent2"/>
-                  </a:solidFill>
-                  <a:prstDash val="solid"/>
-                </a:ln>
-                <a:solidFill>
-                  <a:schemeClr val="accent2">
-                    <a:lumMod val="40000"/>
-                    <a:lumOff val="60000"/>
-                  </a:schemeClr>
-                </a:solidFill>
-              </a:rPr>
-              <a:t>LESSON </a:t>
-            </a:r>
-            <a:r>
-              <a:rPr lang="en-US" sz="9500" b="1" cap="none" spc="0" dirty="0" smtClean="0">
-                <a:ln w="22225">
-                  <a:solidFill>
-                    <a:schemeClr val="accent2"/>
-                  </a:solidFill>
-                  <a:prstDash val="solid"/>
-                </a:ln>
-                <a:solidFill>
-                  <a:schemeClr val="accent2">
-                    <a:lumMod val="40000"/>
-                    <a:lumOff val="60000"/>
-                  </a:schemeClr>
-                </a:solidFill>
-              </a:rPr>
-              <a:t/>
-            </a:r>
-            <a:br>
-              <a:rPr lang="en-US" sz="9500" b="1" cap="none" spc="0" dirty="0" smtClean="0">
-                <a:ln w="22225">
-                  <a:solidFill>
-                    <a:schemeClr val="accent2"/>
-                  </a:solidFill>
-                  <a:prstDash val="solid"/>
-                </a:ln>
-                <a:solidFill>
-                  <a:schemeClr val="accent2">
-                    <a:lumMod val="40000"/>
-                    <a:lumOff val="60000"/>
-                  </a:schemeClr>
-                </a:solidFill>
-              </a:rPr>
-            </a:br>
-            <a:r>
-              <a:rPr lang="en-US" sz="9500" b="1" cap="none" spc="0" dirty="0" smtClean="0">
-                <a:ln w="22225">
-                  <a:solidFill>
-                    <a:schemeClr val="accent2"/>
-                  </a:solidFill>
-                  <a:prstDash val="solid"/>
-                </a:ln>
-                <a:solidFill>
-                  <a:schemeClr val="accent2">
-                    <a:lumMod val="40000"/>
-                    <a:lumOff val="60000"/>
-                  </a:schemeClr>
-                </a:solidFill>
-              </a:rPr>
-              <a:t>LEARNED</a:t>
-            </a:r>
-            <a:endParaRPr lang="en-US" sz="9500" b="1" cap="none" spc="0" dirty="0">
-              <a:ln w="22225">
-                <a:solidFill>
-                  <a:schemeClr val="accent2"/>
-                </a:solidFill>
-                <a:prstDash val="solid"/>
-              </a:ln>
-              <a:solidFill>
-                <a:schemeClr val="accent2">
-                  <a:lumMod val="40000"/>
-                  <a:lumOff val="60000"/>
-                </a:schemeClr>
-              </a:solidFill>
-            </a:endParaRPr>
-          </a:p>
-        </p:txBody>
-      </p:sp>
-    </p:spTree>
-    <p:extLst>
-      <p:ext uri="{BB962C8B-B14F-4D97-AF65-F5344CB8AC3E}">
-        <p14:creationId xmlns:p14="http://schemas.microsoft.com/office/powerpoint/2010/main" val="27601693"/>
-      </p:ext>
-    </p:extLst>
-  </p:cSld>
-  <p:clrMapOvr>
-    <a:masterClrMapping/>
-  </p:clrMapOvr>
-  <p:timing>
-    <p:tnLst>
-      <p:par>
-        <p:cTn id="1" dur="indefinite" restart="never" nodeType="tmRoot"/>
-      </p:par>
-    </p:tnLst>
-  </p:timing>
-</p:sld>
-</file>
-
-<file path=ppt/slides/slide17.xml><?xml version="1.0" encoding="utf-8"?>
-<p:sld xmlns:a="http://schemas.openxmlformats.org/drawingml/2006/main" xmlns:r="http://schemas.openxmlformats.org/officeDocument/2006/relationships" xmlns:p="http://schemas.openxmlformats.org/presentationml/2006/main">
-  <p:cSld>
-    <p:spTree>
-      <p:nvGrpSpPr>
-        <p:cNvPr id="1" name=""/>
-        <p:cNvGrpSpPr/>
-        <p:nvPr/>
-      </p:nvGrpSpPr>
-      <p:grpSpPr>
-        <a:xfrm>
-          <a:off x="0" y="0"/>
-          <a:ext cx="0" cy="0"/>
-          <a:chOff x="0" y="0"/>
-          <a:chExt cx="0" cy="0"/>
-        </a:xfrm>
-      </p:grpSpPr>
-      <p:sp>
-        <p:nvSpPr>
-          <p:cNvPr id="2" name="Title 1"/>
-          <p:cNvSpPr>
-            <a:spLocks noGrp="1"/>
-          </p:cNvSpPr>
-          <p:nvPr>
-            <p:ph type="title"/>
-          </p:nvPr>
-        </p:nvSpPr>
-        <p:spPr>
-          <a:xfrm>
-            <a:off x="1251678" y="814185"/>
-            <a:ext cx="10178322" cy="1014615"/>
-          </a:xfrm>
-        </p:spPr>
-        <p:txBody>
-          <a:bodyPr/>
-          <a:lstStyle/>
-          <a:p>
-            <a:r>
-              <a:rPr lang="en-US" sz="5400" b="1" cap="none" spc="0" dirty="0">
-                <a:ln w="22225">
-                  <a:solidFill>
-                    <a:schemeClr val="accent2"/>
-                  </a:solidFill>
-                  <a:prstDash val="solid"/>
-                </a:ln>
-                <a:solidFill>
-                  <a:schemeClr val="accent2">
-                    <a:lumMod val="40000"/>
-                    <a:lumOff val="60000"/>
-                  </a:schemeClr>
-                </a:solidFill>
-              </a:rPr>
-              <a:t>LESSON LEARNED</a:t>
-            </a:r>
-            <a:endParaRPr lang="en-US" b="1" cap="none" spc="0" dirty="0">
-              <a:ln w="22225">
-                <a:solidFill>
-                  <a:schemeClr val="accent2"/>
-                </a:solidFill>
-                <a:prstDash val="solid"/>
-              </a:ln>
-              <a:solidFill>
-                <a:schemeClr val="accent2">
-                  <a:lumMod val="40000"/>
-                  <a:lumOff val="60000"/>
-                </a:schemeClr>
-              </a:solidFill>
-            </a:endParaRPr>
-          </a:p>
-        </p:txBody>
-      </p:sp>
-      <p:sp>
-        <p:nvSpPr>
-          <p:cNvPr id="3" name="Content Placeholder 2"/>
-          <p:cNvSpPr>
-            <a:spLocks noGrp="1"/>
-          </p:cNvSpPr>
-          <p:nvPr>
-            <p:ph idx="1"/>
-          </p:nvPr>
-        </p:nvSpPr>
-        <p:spPr>
-          <a:xfrm>
-            <a:off x="1251678" y="1727201"/>
-            <a:ext cx="10178322" cy="4049360"/>
-          </a:xfrm>
-        </p:spPr>
-        <p:txBody>
-          <a:bodyPr>
-            <a:normAutofit/>
-          </a:bodyPr>
-          <a:lstStyle/>
-          <a:p>
-            <a:pPr>
-              <a:lnSpc>
-                <a:spcPct val="150000"/>
-              </a:lnSpc>
-            </a:pPr>
-            <a:r>
-              <a:rPr lang="en-US" i="1" dirty="0" smtClean="0">
-                <a:solidFill>
-                  <a:schemeClr val="tx1"/>
-                </a:solidFill>
-                <a:latin typeface="Tahoma" pitchFamily="34" charset="0"/>
-                <a:ea typeface="Tahoma" pitchFamily="34" charset="0"/>
-                <a:cs typeface="Tahoma" pitchFamily="34" charset="0"/>
-              </a:rPr>
-              <a:t>Team-Work</a:t>
-            </a:r>
-          </a:p>
-          <a:p>
-            <a:pPr>
-              <a:lnSpc>
-                <a:spcPct val="150000"/>
-              </a:lnSpc>
-            </a:pPr>
-            <a:r>
-              <a:rPr lang="en-US" dirty="0" err="1" smtClean="0">
-                <a:solidFill>
-                  <a:schemeClr val="tx1"/>
-                </a:solidFill>
-                <a:latin typeface="Tahoma" pitchFamily="34" charset="0"/>
-                <a:ea typeface="Tahoma" pitchFamily="34" charset="0"/>
-                <a:cs typeface="Tahoma" pitchFamily="34" charset="0"/>
-              </a:rPr>
-              <a:t>Menahan</a:t>
-            </a:r>
-            <a:r>
-              <a:rPr lang="en-US" dirty="0" smtClean="0">
-                <a:solidFill>
-                  <a:schemeClr val="tx1"/>
-                </a:solidFill>
-                <a:latin typeface="Tahoma" pitchFamily="34" charset="0"/>
-                <a:ea typeface="Tahoma" pitchFamily="34" charset="0"/>
-                <a:cs typeface="Tahoma" pitchFamily="34" charset="0"/>
-              </a:rPr>
-              <a:t> </a:t>
-            </a:r>
-            <a:r>
-              <a:rPr lang="en-US" dirty="0" err="1" smtClean="0">
-                <a:solidFill>
-                  <a:schemeClr val="tx1"/>
-                </a:solidFill>
-                <a:latin typeface="Tahoma" pitchFamily="34" charset="0"/>
-                <a:ea typeface="Tahoma" pitchFamily="34" charset="0"/>
-                <a:cs typeface="Tahoma" pitchFamily="34" charset="0"/>
-              </a:rPr>
-              <a:t>sikap</a:t>
-            </a:r>
-            <a:r>
-              <a:rPr lang="en-US" dirty="0" smtClean="0">
-                <a:solidFill>
-                  <a:schemeClr val="tx1"/>
-                </a:solidFill>
-                <a:latin typeface="Tahoma" pitchFamily="34" charset="0"/>
-                <a:ea typeface="Tahoma" pitchFamily="34" charset="0"/>
-                <a:cs typeface="Tahoma" pitchFamily="34" charset="0"/>
-              </a:rPr>
-              <a:t> </a:t>
-            </a:r>
-            <a:r>
-              <a:rPr lang="en-US" dirty="0" err="1" smtClean="0">
-                <a:solidFill>
-                  <a:schemeClr val="tx1"/>
-                </a:solidFill>
-                <a:latin typeface="Tahoma" pitchFamily="34" charset="0"/>
-                <a:ea typeface="Tahoma" pitchFamily="34" charset="0"/>
-                <a:cs typeface="Tahoma" pitchFamily="34" charset="0"/>
-              </a:rPr>
-              <a:t>egois</a:t>
-            </a:r>
-            <a:endParaRPr lang="en-US" dirty="0" smtClean="0">
-              <a:solidFill>
-                <a:schemeClr val="tx1"/>
-              </a:solidFill>
-              <a:latin typeface="Tahoma" pitchFamily="34" charset="0"/>
-              <a:ea typeface="Tahoma" pitchFamily="34" charset="0"/>
-              <a:cs typeface="Tahoma" pitchFamily="34" charset="0"/>
-            </a:endParaRPr>
-          </a:p>
-          <a:p>
-            <a:pPr>
-              <a:lnSpc>
-                <a:spcPct val="150000"/>
-              </a:lnSpc>
-            </a:pPr>
-            <a:r>
-              <a:rPr lang="en-US" dirty="0" err="1" smtClean="0">
-                <a:solidFill>
-                  <a:schemeClr val="tx1"/>
-                </a:solidFill>
-                <a:latin typeface="Tahoma" pitchFamily="34" charset="0"/>
-                <a:ea typeface="Tahoma" pitchFamily="34" charset="0"/>
-                <a:cs typeface="Tahoma" pitchFamily="34" charset="0"/>
-              </a:rPr>
-              <a:t>Toleransi</a:t>
-            </a:r>
-            <a:r>
-              <a:rPr lang="en-US" dirty="0" smtClean="0">
-                <a:solidFill>
-                  <a:schemeClr val="tx1"/>
-                </a:solidFill>
-                <a:latin typeface="Tahoma" pitchFamily="34" charset="0"/>
-                <a:ea typeface="Tahoma" pitchFamily="34" charset="0"/>
-                <a:cs typeface="Tahoma" pitchFamily="34" charset="0"/>
-              </a:rPr>
-              <a:t> </a:t>
-            </a:r>
-            <a:r>
-              <a:rPr lang="en-US" dirty="0" err="1">
-                <a:solidFill>
-                  <a:schemeClr val="tx1"/>
-                </a:solidFill>
-                <a:latin typeface="Tahoma" pitchFamily="34" charset="0"/>
-                <a:ea typeface="Tahoma" pitchFamily="34" charset="0"/>
-                <a:cs typeface="Tahoma" pitchFamily="34" charset="0"/>
-              </a:rPr>
-              <a:t>k</a:t>
-            </a:r>
-            <a:r>
-              <a:rPr lang="en-US" dirty="0" err="1" smtClean="0">
-                <a:solidFill>
-                  <a:schemeClr val="tx1"/>
-                </a:solidFill>
-                <a:latin typeface="Tahoma" pitchFamily="34" charset="0"/>
-                <a:ea typeface="Tahoma" pitchFamily="34" charset="0"/>
-                <a:cs typeface="Tahoma" pitchFamily="34" charset="0"/>
-              </a:rPr>
-              <a:t>esibukan</a:t>
-            </a:r>
-            <a:r>
-              <a:rPr lang="en-US" dirty="0" smtClean="0">
-                <a:solidFill>
-                  <a:schemeClr val="tx1"/>
-                </a:solidFill>
-                <a:latin typeface="Tahoma" pitchFamily="34" charset="0"/>
-                <a:ea typeface="Tahoma" pitchFamily="34" charset="0"/>
-                <a:cs typeface="Tahoma" pitchFamily="34" charset="0"/>
-              </a:rPr>
-              <a:t> </a:t>
-            </a:r>
-            <a:r>
-              <a:rPr lang="en-US" dirty="0" err="1" smtClean="0">
-                <a:solidFill>
-                  <a:schemeClr val="tx1"/>
-                </a:solidFill>
-                <a:latin typeface="Tahoma" pitchFamily="34" charset="0"/>
-                <a:ea typeface="Tahoma" pitchFamily="34" charset="0"/>
-                <a:cs typeface="Tahoma" pitchFamily="34" charset="0"/>
-              </a:rPr>
-              <a:t>setiap</a:t>
-            </a:r>
-            <a:r>
-              <a:rPr lang="en-US" dirty="0" smtClean="0">
-                <a:solidFill>
-                  <a:schemeClr val="tx1"/>
-                </a:solidFill>
-                <a:latin typeface="Tahoma" pitchFamily="34" charset="0"/>
-                <a:ea typeface="Tahoma" pitchFamily="34" charset="0"/>
-                <a:cs typeface="Tahoma" pitchFamily="34" charset="0"/>
-              </a:rPr>
-              <a:t> </a:t>
-            </a:r>
-            <a:r>
-              <a:rPr lang="en-US" dirty="0" err="1">
-                <a:solidFill>
-                  <a:schemeClr val="tx1"/>
-                </a:solidFill>
-                <a:latin typeface="Tahoma" pitchFamily="34" charset="0"/>
-                <a:ea typeface="Tahoma" pitchFamily="34" charset="0"/>
-                <a:cs typeface="Tahoma" pitchFamily="34" charset="0"/>
-              </a:rPr>
-              <a:t>a</a:t>
-            </a:r>
-            <a:r>
-              <a:rPr lang="en-US" dirty="0" err="1" smtClean="0">
-                <a:solidFill>
-                  <a:schemeClr val="tx1"/>
-                </a:solidFill>
-                <a:latin typeface="Tahoma" pitchFamily="34" charset="0"/>
-                <a:ea typeface="Tahoma" pitchFamily="34" charset="0"/>
-                <a:cs typeface="Tahoma" pitchFamily="34" charset="0"/>
-              </a:rPr>
-              <a:t>nggota</a:t>
-            </a:r>
-            <a:endParaRPr lang="en-US" dirty="0" smtClean="0">
-              <a:solidFill>
-                <a:schemeClr val="tx1"/>
-              </a:solidFill>
-              <a:latin typeface="Tahoma" pitchFamily="34" charset="0"/>
-              <a:ea typeface="Tahoma" pitchFamily="34" charset="0"/>
-              <a:cs typeface="Tahoma" pitchFamily="34" charset="0"/>
-            </a:endParaRPr>
-          </a:p>
-          <a:p>
-            <a:pPr>
-              <a:lnSpc>
-                <a:spcPct val="150000"/>
-              </a:lnSpc>
-            </a:pPr>
-            <a:r>
-              <a:rPr lang="en-US" dirty="0" err="1" smtClean="0">
-                <a:solidFill>
-                  <a:schemeClr val="tx1"/>
-                </a:solidFill>
-                <a:latin typeface="Tahoma" pitchFamily="34" charset="0"/>
-                <a:ea typeface="Tahoma" pitchFamily="34" charset="0"/>
-                <a:cs typeface="Tahoma" pitchFamily="34" charset="0"/>
-              </a:rPr>
-              <a:t>Membudayakan</a:t>
-            </a:r>
-            <a:r>
-              <a:rPr lang="en-US" dirty="0" smtClean="0">
-                <a:solidFill>
-                  <a:schemeClr val="tx1"/>
-                </a:solidFill>
-                <a:latin typeface="Tahoma" pitchFamily="34" charset="0"/>
-                <a:ea typeface="Tahoma" pitchFamily="34" charset="0"/>
-                <a:cs typeface="Tahoma" pitchFamily="34" charset="0"/>
-              </a:rPr>
-              <a:t> </a:t>
-            </a:r>
-            <a:r>
-              <a:rPr lang="en-US" dirty="0" err="1" smtClean="0">
-                <a:solidFill>
-                  <a:schemeClr val="tx1"/>
-                </a:solidFill>
-                <a:latin typeface="Tahoma" pitchFamily="34" charset="0"/>
-                <a:ea typeface="Tahoma" pitchFamily="34" charset="0"/>
-                <a:cs typeface="Tahoma" pitchFamily="34" charset="0"/>
-              </a:rPr>
-              <a:t>berdiskusi</a:t>
-            </a:r>
-            <a:endParaRPr lang="en-US" dirty="0" smtClean="0">
-              <a:solidFill>
-                <a:schemeClr val="tx1"/>
-              </a:solidFill>
-              <a:latin typeface="Tahoma" pitchFamily="34" charset="0"/>
-              <a:ea typeface="Tahoma" pitchFamily="34" charset="0"/>
-              <a:cs typeface="Tahoma" pitchFamily="34" charset="0"/>
-            </a:endParaRPr>
-          </a:p>
-          <a:p>
-            <a:pPr>
-              <a:lnSpc>
-                <a:spcPct val="150000"/>
-              </a:lnSpc>
-            </a:pPr>
-            <a:r>
-              <a:rPr lang="en-US" dirty="0" err="1" smtClean="0">
-                <a:solidFill>
-                  <a:schemeClr val="tx1"/>
-                </a:solidFill>
-                <a:latin typeface="Tahoma" pitchFamily="34" charset="0"/>
-                <a:ea typeface="Tahoma" pitchFamily="34" charset="0"/>
-                <a:cs typeface="Tahoma" pitchFamily="34" charset="0"/>
-              </a:rPr>
-              <a:t>Belajar</a:t>
-            </a:r>
-            <a:r>
-              <a:rPr lang="en-US" dirty="0" smtClean="0">
-                <a:solidFill>
-                  <a:schemeClr val="tx1"/>
-                </a:solidFill>
-                <a:latin typeface="Tahoma" pitchFamily="34" charset="0"/>
-                <a:ea typeface="Tahoma" pitchFamily="34" charset="0"/>
-                <a:cs typeface="Tahoma" pitchFamily="34" charset="0"/>
-              </a:rPr>
-              <a:t> </a:t>
-            </a:r>
-            <a:r>
-              <a:rPr lang="en-US" i="1" dirty="0" smtClean="0">
-                <a:solidFill>
-                  <a:schemeClr val="tx1"/>
-                </a:solidFill>
-                <a:latin typeface="Tahoma" pitchFamily="34" charset="0"/>
-                <a:ea typeface="Tahoma" pitchFamily="34" charset="0"/>
-                <a:cs typeface="Tahoma" pitchFamily="34" charset="0"/>
-              </a:rPr>
-              <a:t>Time Management</a:t>
-            </a:r>
-          </a:p>
-          <a:p>
-            <a:pPr>
-              <a:lnSpc>
-                <a:spcPct val="150000"/>
-              </a:lnSpc>
-            </a:pPr>
-            <a:r>
-              <a:rPr lang="en-US" dirty="0" err="1" smtClean="0">
-                <a:solidFill>
-                  <a:schemeClr val="tx1"/>
-                </a:solidFill>
-                <a:latin typeface="Tahoma" pitchFamily="34" charset="0"/>
-                <a:ea typeface="Tahoma" pitchFamily="34" charset="0"/>
-                <a:cs typeface="Tahoma" pitchFamily="34" charset="0"/>
-              </a:rPr>
-              <a:t>Kebersamaan</a:t>
-            </a:r>
-            <a:r>
-              <a:rPr lang="en-US" dirty="0" smtClean="0">
-                <a:solidFill>
-                  <a:schemeClr val="tx1"/>
-                </a:solidFill>
-                <a:latin typeface="Tahoma" pitchFamily="34" charset="0"/>
-                <a:ea typeface="Tahoma" pitchFamily="34" charset="0"/>
-                <a:cs typeface="Tahoma" pitchFamily="34" charset="0"/>
-              </a:rPr>
-              <a:t> </a:t>
-            </a:r>
-            <a:r>
-              <a:rPr lang="en-US" dirty="0" err="1" smtClean="0">
-                <a:solidFill>
-                  <a:schemeClr val="tx1"/>
-                </a:solidFill>
-                <a:latin typeface="Tahoma" pitchFamily="34" charset="0"/>
-                <a:ea typeface="Tahoma" pitchFamily="34" charset="0"/>
-                <a:cs typeface="Tahoma" pitchFamily="34" charset="0"/>
-              </a:rPr>
-              <a:t>satu</a:t>
-            </a:r>
-            <a:r>
-              <a:rPr lang="en-US" dirty="0" smtClean="0">
-                <a:solidFill>
-                  <a:schemeClr val="tx1"/>
-                </a:solidFill>
-                <a:latin typeface="Tahoma" pitchFamily="34" charset="0"/>
-                <a:ea typeface="Tahoma" pitchFamily="34" charset="0"/>
-                <a:cs typeface="Tahoma" pitchFamily="34" charset="0"/>
-              </a:rPr>
-              <a:t> Tim</a:t>
-            </a:r>
-          </a:p>
-          <a:p>
-            <a:pPr>
-              <a:lnSpc>
-                <a:spcPct val="150000"/>
-              </a:lnSpc>
-            </a:pPr>
-            <a:r>
-              <a:rPr lang="en-US" dirty="0" err="1" smtClean="0">
-                <a:solidFill>
-                  <a:schemeClr val="tx1"/>
-                </a:solidFill>
-                <a:latin typeface="Tahoma" pitchFamily="34" charset="0"/>
-                <a:ea typeface="Tahoma" pitchFamily="34" charset="0"/>
-                <a:cs typeface="Tahoma" pitchFamily="34" charset="0"/>
-              </a:rPr>
-              <a:t>Berbagi</a:t>
-            </a:r>
-            <a:r>
-              <a:rPr lang="en-US" dirty="0" smtClean="0">
-                <a:solidFill>
-                  <a:schemeClr val="tx1"/>
-                </a:solidFill>
-                <a:latin typeface="Tahoma" pitchFamily="34" charset="0"/>
-                <a:ea typeface="Tahoma" pitchFamily="34" charset="0"/>
-                <a:cs typeface="Tahoma" pitchFamily="34" charset="0"/>
-              </a:rPr>
-              <a:t> </a:t>
-            </a:r>
-            <a:r>
-              <a:rPr lang="en-US" dirty="0" err="1">
-                <a:solidFill>
-                  <a:schemeClr val="tx1"/>
-                </a:solidFill>
-                <a:latin typeface="Tahoma" pitchFamily="34" charset="0"/>
-                <a:ea typeface="Tahoma" pitchFamily="34" charset="0"/>
-                <a:cs typeface="Tahoma" pitchFamily="34" charset="0"/>
-              </a:rPr>
-              <a:t>i</a:t>
-            </a:r>
-            <a:r>
-              <a:rPr lang="en-US" dirty="0" err="1" smtClean="0">
-                <a:solidFill>
-                  <a:schemeClr val="tx1"/>
-                </a:solidFill>
-                <a:latin typeface="Tahoma" pitchFamily="34" charset="0"/>
-                <a:ea typeface="Tahoma" pitchFamily="34" charset="0"/>
-                <a:cs typeface="Tahoma" pitchFamily="34" charset="0"/>
-              </a:rPr>
-              <a:t>lmu</a:t>
-            </a:r>
-            <a:endParaRPr lang="en-US" dirty="0" smtClean="0">
-              <a:solidFill>
-                <a:schemeClr val="tx1"/>
-              </a:solidFill>
-              <a:latin typeface="Tahoma" pitchFamily="34" charset="0"/>
-              <a:ea typeface="Tahoma" pitchFamily="34" charset="0"/>
-              <a:cs typeface="Tahoma" pitchFamily="34" charset="0"/>
-            </a:endParaRPr>
-          </a:p>
-        </p:txBody>
-      </p:sp>
-    </p:spTree>
-    <p:extLst>
-      <p:ext uri="{BB962C8B-B14F-4D97-AF65-F5344CB8AC3E}">
-        <p14:creationId xmlns:p14="http://schemas.microsoft.com/office/powerpoint/2010/main" val="2995126793"/>
       </p:ext>
     </p:extLst>
   </p:cSld>
@@ -11987,14 +11629,46 @@
               </a:rPr>
               <a:t>divisi</a:t>
             </a:r>
+            <a:endParaRPr lang="en-US" sz="2800" dirty="0" smtClean="0">
+              <a:latin typeface="Tahoma" pitchFamily="34" charset="0"/>
+              <a:ea typeface="Tahoma" pitchFamily="34" charset="0"/>
+              <a:cs typeface="Tahoma" pitchFamily="34" charset="0"/>
+            </a:endParaRPr>
+          </a:p>
+          <a:p>
+            <a:pPr marL="285750" indent="-285750">
+              <a:buFont typeface="Arial" panose="020B0604020202020204" pitchFamily="34" charset="0"/>
+              <a:buChar char="•"/>
+            </a:pPr>
+            <a:r>
+              <a:rPr lang="en-US" sz="2800" dirty="0">
+                <a:latin typeface="Tahoma" pitchFamily="34" charset="0"/>
+                <a:ea typeface="Tahoma" pitchFamily="34" charset="0"/>
+                <a:cs typeface="Tahoma" pitchFamily="34" charset="0"/>
+              </a:rPr>
+              <a:t>Lesson </a:t>
+            </a:r>
             <a:r>
               <a:rPr lang="en-US" sz="2800" dirty="0" smtClean="0">
                 <a:latin typeface="Tahoma" pitchFamily="34" charset="0"/>
                 <a:ea typeface="Tahoma" pitchFamily="34" charset="0"/>
                 <a:cs typeface="Tahoma" pitchFamily="34" charset="0"/>
               </a:rPr>
+              <a:t>learned</a:t>
+            </a:r>
+            <a:r>
+              <a:rPr lang="en-US" sz="2800" dirty="0" smtClean="0">
+                <a:latin typeface="Tahoma" pitchFamily="34" charset="0"/>
+                <a:ea typeface="Tahoma" pitchFamily="34" charset="0"/>
+                <a:cs typeface="Tahoma" pitchFamily="34" charset="0"/>
+              </a:rPr>
               <a:t> </a:t>
             </a:r>
+            <a:endParaRPr lang="en-US" sz="2800" dirty="0" smtClean="0">
+              <a:latin typeface="Tahoma" pitchFamily="34" charset="0"/>
+              <a:ea typeface="Tahoma" pitchFamily="34" charset="0"/>
+              <a:cs typeface="Tahoma" pitchFamily="34" charset="0"/>
+            </a:endParaRPr>
           </a:p>
           <a:p>
             <a:pPr marL="285750" indent="-285750">
@@ -12059,21 +11733,15 @@
                 <a:ea typeface="Tahoma" pitchFamily="34" charset="0"/>
                 <a:cs typeface="Tahoma" pitchFamily="34" charset="0"/>
               </a:rPr>
-              <a:t>Lesson learned</a:t>
-            </a:r>
-          </a:p>
-          <a:p>
-            <a:pPr marL="285750" indent="-285750">
-              <a:buFont typeface="Arial" panose="020B0604020202020204" pitchFamily="34" charset="0"/>
-              <a:buChar char="•"/>
-            </a:pPr>
+              <a:t>Demo </a:t>
+            </a:r>
             <a:r>
               <a:rPr lang="en-US" sz="2800" dirty="0" smtClean="0">
                 <a:latin typeface="Tahoma" pitchFamily="34" charset="0"/>
                 <a:ea typeface="Tahoma" pitchFamily="34" charset="0"/>
                 <a:cs typeface="Tahoma" pitchFamily="34" charset="0"/>
               </a:rPr>
-              <a:t>Demo Website PSDM </a:t>
+              <a:t>Website PSDM </a:t>
             </a:r>
             <a:endParaRPr lang="en-US" sz="2800" dirty="0">
               <a:latin typeface="Tahoma" pitchFamily="34" charset="0"/>
@@ -12751,14 +12419,6 @@
               </a:rPr>
               <a:t>;</a:t>
             </a:r>
-            <a:endParaRPr lang="en-US" b="1" dirty="0">
-              <a:solidFill>
-                <a:schemeClr val="tx1"/>
-              </a:solidFill>
-              <a:latin typeface="Tahoma" pitchFamily="34" charset="0"/>
-              <a:ea typeface="Tahoma" pitchFamily="34" charset="0"/>
-              <a:cs typeface="Tahoma" pitchFamily="34" charset="0"/>
-            </a:endParaRPr>
           </a:p>
         </p:txBody>
       </p:sp>
@@ -12841,7 +12501,7 @@
         </p:nvSpPr>
         <p:spPr>
           <a:xfrm>
-            <a:off x="1816100" y="617835"/>
+            <a:off x="1816100" y="478633"/>
             <a:ext cx="8775700" cy="707886"/>
           </a:xfrm>
           <a:prstGeom prst="rect">
@@ -12933,7 +12593,7 @@
         </p:nvSpPr>
         <p:spPr>
           <a:xfrm>
-            <a:off x="1193800" y="1755204"/>
+            <a:off x="1193800" y="1446111"/>
             <a:ext cx="10020300" cy="1938992"/>
           </a:xfrm>
           <a:prstGeom prst="rect">
@@ -13017,8 +12677,8 @@
         </p:nvSpPr>
         <p:spPr>
           <a:xfrm>
-            <a:off x="1193800" y="4123680"/>
-            <a:ext cx="10020300" cy="1938992"/>
+            <a:off x="1193800" y="3644695"/>
+            <a:ext cx="10020300" cy="2554545"/>
           </a:xfrm>
           <a:prstGeom prst="rect">
             <a:avLst/>
@@ -13039,7 +12699,67 @@
             </a:pPr>
             <a:r>
               <a:rPr lang="id-ID" sz="4000" dirty="0"/>
-              <a:t>Proyek akan memberikan dan mengembangkan fitur download pada karya-karya non </a:t>
+              <a:t>Proyek akan memberikan dan mengembangkan </a:t>
+            </a:r>
+            <a:r>
+              <a:rPr lang="id-ID" sz="4000" dirty="0" smtClean="0"/>
+              <a:t>f</a:t>
+            </a:r>
+            <a:r>
+              <a:rPr lang="en-US" sz="4000" dirty="0" err="1" smtClean="0"/>
+              <a:t>itur</a:t>
+            </a:r>
+            <a:r>
+              <a:rPr lang="en-US" sz="4000" dirty="0" smtClean="0"/>
+              <a:t> </a:t>
+            </a:r>
+            <a:r>
+              <a:rPr lang="en-US" sz="4000" dirty="0" err="1" smtClean="0"/>
+              <a:t>informasi</a:t>
+            </a:r>
+            <a:r>
+              <a:rPr lang="id-ID" sz="4000" dirty="0" smtClean="0"/>
+              <a:t> </a:t>
+            </a:r>
+            <a:r>
+              <a:rPr lang="en-US" sz="4000" dirty="0" err="1" smtClean="0"/>
+              <a:t>kegiatan</a:t>
+            </a:r>
+            <a:r>
+              <a:rPr lang="en-US" sz="4000" dirty="0" smtClean="0"/>
+              <a:t>, agenda, </a:t>
+            </a:r>
+            <a:r>
+              <a:rPr lang="en-US" sz="4000" dirty="0" err="1" smtClean="0"/>
+              <a:t>berita</a:t>
+            </a:r>
+            <a:r>
+              <a:rPr lang="en-US" sz="4000" dirty="0" smtClean="0"/>
+              <a:t> </a:t>
+            </a:r>
+            <a:r>
+              <a:rPr lang="en-US" sz="4000" dirty="0" err="1" smtClean="0"/>
+              <a:t>dan</a:t>
+            </a:r>
+            <a:r>
+              <a:rPr lang="en-US" sz="4000" dirty="0" smtClean="0"/>
+              <a:t> gallery </a:t>
+            </a:r>
+            <a:r>
+              <a:rPr lang="en-US" sz="4000" dirty="0" err="1" smtClean="0"/>
+              <a:t>dan</a:t>
+            </a:r>
+            <a:r>
+              <a:rPr lang="en-US" sz="4000" dirty="0" smtClean="0"/>
+              <a:t> </a:t>
+            </a:r>
+            <a:r>
+              <a:rPr lang="id-ID" sz="4000" dirty="0" smtClean="0"/>
+              <a:t>download </a:t>
+            </a:r>
+            <a:r>
+              <a:rPr lang="id-ID" sz="4000" dirty="0"/>
+              <a:t>pada karya-karya non </a:t>
             </a:r>
             <a:r>
               <a:rPr lang="id-ID" sz="4000" dirty="0" smtClean="0"/>
@@ -13094,1189 +12814,112 @@
           <a:chExt cx="0" cy="0"/>
         </a:xfrm>
       </p:grpSpPr>
-      <p:graphicFrame>
-        <p:nvGraphicFramePr>
-          <p:cNvPr id="4" name="Table 3"/>
-          <p:cNvGraphicFramePr>
-            <a:graphicFrameLocks noGrp="1"/>
-          </p:cNvGraphicFramePr>
+      <p:sp>
+        <p:nvSpPr>
+          <p:cNvPr id="2" name="Title 1"/>
+          <p:cNvSpPr>
+            <a:spLocks noGrp="1"/>
+          </p:cNvSpPr>
           <p:nvPr>
-            <p:extLst>
-              <p:ext uri="{D42A27DB-BD31-4B8C-83A1-F6EECF244321}">
-                <p14:modId xmlns:p14="http://schemas.microsoft.com/office/powerpoint/2010/main" val="1692410352"/>
-              </p:ext>
-            </p:extLst>
+            <p:ph type="title"/>
           </p:nvPr>
-        </p:nvGraphicFramePr>
-        <p:xfrm>
-          <a:off x="1663698" y="411162"/>
-          <a:ext cx="9499601" cy="6036600"/>
-        </p:xfrm>
-        <a:graphic>
-          <a:graphicData uri="http://schemas.openxmlformats.org/drawingml/2006/table">
-            <a:tbl>
-              <a:tblPr>
-                <a:tableStyleId>{18603FDC-E32A-4AB5-989C-0864C3EAD2B8}</a:tableStyleId>
-              </a:tblPr>
-              <a:tblGrid>
-                <a:gridCol w="1800892">
-                  <a:extLst>
-                    <a:ext uri="{9D8B030D-6E8A-4147-A177-3AD203B41FA5}">
-                      <a16:colId xmlns:a16="http://schemas.microsoft.com/office/drawing/2014/main" xmlns="" val="4212373041"/>
-                    </a:ext>
-                  </a:extLst>
-                </a:gridCol>
-                <a:gridCol w="5570576">
-                  <a:extLst>
-                    <a:ext uri="{9D8B030D-6E8A-4147-A177-3AD203B41FA5}">
-                      <a16:colId xmlns:a16="http://schemas.microsoft.com/office/drawing/2014/main" xmlns="" val="3268075226"/>
-                    </a:ext>
-                  </a:extLst>
-                </a:gridCol>
-                <a:gridCol w="2128133">
-                  <a:extLst>
-                    <a:ext uri="{9D8B030D-6E8A-4147-A177-3AD203B41FA5}">
-                      <a16:colId xmlns:a16="http://schemas.microsoft.com/office/drawing/2014/main" xmlns="" val="1081312453"/>
-                    </a:ext>
-                  </a:extLst>
-                </a:gridCol>
-              </a:tblGrid>
-              <a:tr h="246383">
-                <a:tc>
-                  <a:txBody>
-                    <a:bodyPr/>
-                    <a:lstStyle/>
-                    <a:p>
-                      <a:pPr>
-                        <a:spcAft>
-                          <a:spcPts val="0"/>
-                        </a:spcAft>
-                      </a:pPr>
-                      <a:r>
-                        <a:rPr lang="id-ID" sz="1400" dirty="0">
-                          <a:effectLst/>
-                        </a:rPr>
-                        <a:t>Milestone</a:t>
-                      </a:r>
-                      <a:r>
-                        <a:rPr lang="en-SG" sz="1400" dirty="0">
-                          <a:effectLst/>
-                        </a:rPr>
-                        <a:t> List</a:t>
-                      </a:r>
-                      <a:endParaRPr lang="en-US" sz="1400" dirty="0">
-                        <a:effectLst/>
-                        <a:latin typeface="Arial" panose="020B0604020202020204" pitchFamily="34" charset="0"/>
-                        <a:ea typeface="Times New Roman" panose="02020603050405020304" pitchFamily="18" charset="0"/>
-                        <a:cs typeface="Times New Roman" panose="02020603050405020304" pitchFamily="18" charset="0"/>
-                      </a:endParaRPr>
-                    </a:p>
-                  </a:txBody>
-                  <a:tcPr marL="54519" marR="54519" marT="20385" marB="20385" anchor="b"/>
-                </a:tc>
-                <a:tc>
-                  <a:txBody>
-                    <a:bodyPr/>
-                    <a:lstStyle/>
-                    <a:p>
-                      <a:pPr>
-                        <a:spcAft>
-                          <a:spcPts val="0"/>
-                        </a:spcAft>
-                      </a:pPr>
-                      <a:r>
-                        <a:rPr lang="id-ID" sz="1400" dirty="0">
-                          <a:effectLst/>
-                        </a:rPr>
-                        <a:t>Deliverable(s) Included</a:t>
-                      </a:r>
-                      <a:endParaRPr lang="en-US" sz="1400" dirty="0">
-                        <a:effectLst/>
-                        <a:latin typeface="Arial" panose="020B0604020202020204" pitchFamily="34" charset="0"/>
-                        <a:ea typeface="Times New Roman" panose="02020603050405020304" pitchFamily="18" charset="0"/>
-                        <a:cs typeface="Times New Roman" panose="02020603050405020304" pitchFamily="18" charset="0"/>
-                      </a:endParaRPr>
-                    </a:p>
-                  </a:txBody>
-                  <a:tcPr marL="54519" marR="54519" marT="20385" marB="20385" anchor="b"/>
-                </a:tc>
-                <a:tc>
-                  <a:txBody>
-                    <a:bodyPr/>
-                    <a:lstStyle/>
-                    <a:p>
-                      <a:pPr>
-                        <a:spcAft>
-                          <a:spcPts val="0"/>
-                        </a:spcAft>
-                      </a:pPr>
-                      <a:r>
-                        <a:rPr lang="id-ID" sz="1400">
-                          <a:effectLst/>
-                        </a:rPr>
-                        <a:t>Date Estimate</a:t>
-                      </a:r>
-                      <a:endParaRPr lang="en-US" sz="1400">
-                        <a:effectLst/>
-                        <a:latin typeface="Arial" panose="020B0604020202020204" pitchFamily="34" charset="0"/>
-                        <a:ea typeface="Times New Roman" panose="02020603050405020304" pitchFamily="18" charset="0"/>
-                        <a:cs typeface="Times New Roman" panose="02020603050405020304" pitchFamily="18" charset="0"/>
-                      </a:endParaRPr>
-                    </a:p>
-                  </a:txBody>
-                  <a:tcPr marL="54519" marR="54519" marT="20385" marB="20385" anchor="b"/>
-                </a:tc>
-                <a:extLst>
-                  <a:ext uri="{0D108BD9-81ED-4DB2-BD59-A6C34878D82A}">
-                    <a16:rowId xmlns:a16="http://schemas.microsoft.com/office/drawing/2014/main" xmlns="" val="990067014"/>
-                  </a:ext>
-                </a:extLst>
-              </a:tr>
-              <a:tr h="1280660">
-                <a:tc>
-                  <a:txBody>
-                    <a:bodyPr/>
-                    <a:lstStyle/>
-                    <a:p>
-                      <a:pPr>
-                        <a:spcAft>
-                          <a:spcPts val="0"/>
-                        </a:spcAft>
-                      </a:pPr>
-                      <a:r>
-                        <a:rPr lang="id-ID" sz="1400" dirty="0">
-                          <a:effectLst/>
-                        </a:rPr>
-                        <a:t>Melakukan interview pada stakeholder</a:t>
-                      </a:r>
-                      <a:endParaRPr lang="en-US" sz="1400" dirty="0">
-                        <a:effectLst/>
-                        <a:latin typeface="Arial" panose="020B0604020202020204" pitchFamily="34" charset="0"/>
-                        <a:ea typeface="Times New Roman" panose="02020603050405020304" pitchFamily="18" charset="0"/>
-                        <a:cs typeface="Times New Roman" panose="02020603050405020304" pitchFamily="18" charset="0"/>
-                      </a:endParaRPr>
-                    </a:p>
-                  </a:txBody>
-                  <a:tcPr marL="54519" marR="54519" marT="20385" marB="20385"/>
-                </a:tc>
-                <a:tc>
-                  <a:txBody>
-                    <a:bodyPr/>
-                    <a:lstStyle/>
-                    <a:p>
-                      <a:pPr>
-                        <a:spcAft>
-                          <a:spcPts val="0"/>
-                        </a:spcAft>
-                      </a:pPr>
-                      <a:r>
-                        <a:rPr lang="id-ID" sz="1400" dirty="0">
-                          <a:effectLst/>
-                        </a:rPr>
-                        <a:t>Informasi mengenai Unit PSDM Universitas Kristen Duta Wacana</a:t>
-                      </a:r>
-                      <a:endParaRPr lang="en-US" sz="1400" dirty="0">
-                        <a:effectLst/>
-                      </a:endParaRPr>
-                    </a:p>
-                    <a:p>
-                      <a:pPr>
-                        <a:spcAft>
-                          <a:spcPts val="0"/>
-                        </a:spcAft>
-                      </a:pPr>
-                      <a:r>
-                        <a:rPr lang="id-ID" sz="1400" dirty="0">
-                          <a:effectLst/>
-                        </a:rPr>
-                        <a:t>Informasi stakeholder yang terlibat</a:t>
-                      </a:r>
-                      <a:endParaRPr lang="en-US" sz="1400" dirty="0">
-                        <a:effectLst/>
-                      </a:endParaRPr>
-                    </a:p>
-                    <a:p>
-                      <a:pPr>
-                        <a:spcAft>
-                          <a:spcPts val="0"/>
-                        </a:spcAft>
-                      </a:pPr>
-                      <a:r>
-                        <a:rPr lang="id-ID" sz="1400" dirty="0">
-                          <a:effectLst/>
-                        </a:rPr>
-                        <a:t>Informasi proses bisnis yang ada</a:t>
-                      </a:r>
-                      <a:endParaRPr lang="en-US" sz="1400" dirty="0">
-                        <a:effectLst/>
-                      </a:endParaRPr>
-                    </a:p>
-                    <a:p>
-                      <a:pPr>
-                        <a:spcAft>
-                          <a:spcPts val="0"/>
-                        </a:spcAft>
-                      </a:pPr>
-                      <a:r>
-                        <a:rPr lang="id-ID" sz="1400" dirty="0">
-                          <a:effectLst/>
-                        </a:rPr>
-                        <a:t>Informasi struktur organisasi</a:t>
-                      </a:r>
-                      <a:endParaRPr lang="en-US" sz="1400" dirty="0">
-                        <a:effectLst/>
-                      </a:endParaRPr>
-                    </a:p>
-                    <a:p>
-                      <a:pPr>
-                        <a:spcAft>
-                          <a:spcPts val="0"/>
-                        </a:spcAft>
-                      </a:pPr>
-                      <a:r>
-                        <a:rPr lang="id-ID" sz="1400" dirty="0">
-                          <a:effectLst/>
-                        </a:rPr>
-                        <a:t>Informasi Prestasi dan Karya</a:t>
-                      </a:r>
-                      <a:endParaRPr lang="en-US" sz="1400" dirty="0">
-                        <a:effectLst/>
-                      </a:endParaRPr>
-                    </a:p>
-                    <a:p>
-                      <a:pPr>
-                        <a:spcAft>
-                          <a:spcPts val="0"/>
-                        </a:spcAft>
-                      </a:pPr>
-                      <a:r>
-                        <a:rPr lang="id-ID" sz="1400" dirty="0">
-                          <a:effectLst/>
-                        </a:rPr>
-                        <a:t>Dokumen Kebutuhan</a:t>
-                      </a:r>
-                      <a:endParaRPr lang="en-US" sz="1400" dirty="0">
-                        <a:effectLst/>
-                        <a:latin typeface="Arial" panose="020B0604020202020204" pitchFamily="34" charset="0"/>
-                        <a:ea typeface="Times New Roman" panose="02020603050405020304" pitchFamily="18" charset="0"/>
-                        <a:cs typeface="Times New Roman" panose="02020603050405020304" pitchFamily="18" charset="0"/>
-                      </a:endParaRPr>
-                    </a:p>
-                  </a:txBody>
-                  <a:tcPr marL="54519" marR="54519" marT="20385" marB="20385"/>
-                </a:tc>
-                <a:tc>
-                  <a:txBody>
-                    <a:bodyPr/>
-                    <a:lstStyle/>
-                    <a:p>
-                      <a:pPr>
-                        <a:spcAft>
-                          <a:spcPts val="0"/>
-                        </a:spcAft>
-                      </a:pPr>
-                      <a:r>
-                        <a:rPr lang="id-ID" sz="1400">
-                          <a:effectLst/>
-                        </a:rPr>
-                        <a:t>5/02/2016</a:t>
-                      </a:r>
-                      <a:endParaRPr lang="en-US" sz="1400">
-                        <a:effectLst/>
-                        <a:latin typeface="Arial" panose="020B0604020202020204" pitchFamily="34" charset="0"/>
-                        <a:ea typeface="Times New Roman" panose="02020603050405020304" pitchFamily="18" charset="0"/>
-                        <a:cs typeface="Times New Roman" panose="02020603050405020304" pitchFamily="18" charset="0"/>
-                      </a:endParaRPr>
-                    </a:p>
-                  </a:txBody>
-                  <a:tcPr marL="54519" marR="54519" marT="20385" marB="20385"/>
-                </a:tc>
-                <a:extLst>
-                  <a:ext uri="{0D108BD9-81ED-4DB2-BD59-A6C34878D82A}">
-                    <a16:rowId xmlns:a16="http://schemas.microsoft.com/office/drawing/2014/main" xmlns="" val="877607590"/>
-                  </a:ext>
-                </a:extLst>
-              </a:tr>
-              <a:tr h="453238">
-                <a:tc>
-                  <a:txBody>
-                    <a:bodyPr/>
-                    <a:lstStyle/>
-                    <a:p>
-                      <a:pPr>
-                        <a:spcAft>
-                          <a:spcPts val="0"/>
-                        </a:spcAft>
-                      </a:pPr>
-                      <a:r>
-                        <a:rPr lang="id-ID" sz="1400" dirty="0">
-                          <a:effectLst/>
-                        </a:rPr>
-                        <a:t>Analisa hasil interview</a:t>
-                      </a:r>
-                      <a:endParaRPr lang="en-US" sz="1400" dirty="0">
-                        <a:effectLst/>
-                        <a:latin typeface="Arial" panose="020B0604020202020204" pitchFamily="34" charset="0"/>
-                        <a:ea typeface="Times New Roman" panose="02020603050405020304" pitchFamily="18" charset="0"/>
-                        <a:cs typeface="Times New Roman" panose="02020603050405020304" pitchFamily="18" charset="0"/>
-                      </a:endParaRPr>
-                    </a:p>
-                  </a:txBody>
-                  <a:tcPr marL="54519" marR="54519" marT="20385" marB="20385"/>
-                </a:tc>
-                <a:tc>
-                  <a:txBody>
-                    <a:bodyPr/>
-                    <a:lstStyle/>
-                    <a:p>
-                      <a:pPr>
-                        <a:spcAft>
-                          <a:spcPts val="0"/>
-                        </a:spcAft>
-                      </a:pPr>
-                      <a:r>
-                        <a:rPr lang="id-ID" sz="1400">
-                          <a:effectLst/>
-                        </a:rPr>
-                        <a:t>Mendapatkan kebutuhan utama</a:t>
-                      </a:r>
-                      <a:endParaRPr lang="en-US" sz="1400">
-                        <a:effectLst/>
-                      </a:endParaRPr>
-                    </a:p>
-                    <a:p>
-                      <a:pPr>
-                        <a:spcAft>
-                          <a:spcPts val="0"/>
-                        </a:spcAft>
-                      </a:pPr>
-                      <a:r>
-                        <a:rPr lang="id-ID" sz="1400">
-                          <a:effectLst/>
-                        </a:rPr>
-                        <a:t>Dokumen kebutuhan (final)</a:t>
-                      </a:r>
-                      <a:endParaRPr lang="en-US" sz="1400">
-                        <a:effectLst/>
-                        <a:latin typeface="Arial" panose="020B0604020202020204" pitchFamily="34" charset="0"/>
-                        <a:ea typeface="Times New Roman" panose="02020603050405020304" pitchFamily="18" charset="0"/>
-                        <a:cs typeface="Times New Roman" panose="02020603050405020304" pitchFamily="18" charset="0"/>
-                      </a:endParaRPr>
-                    </a:p>
-                  </a:txBody>
-                  <a:tcPr marL="54519" marR="54519" marT="20385" marB="20385"/>
-                </a:tc>
-                <a:tc>
-                  <a:txBody>
-                    <a:bodyPr/>
-                    <a:lstStyle/>
-                    <a:p>
-                      <a:pPr>
-                        <a:spcAft>
-                          <a:spcPts val="0"/>
-                        </a:spcAft>
-                      </a:pPr>
-                      <a:r>
-                        <a:rPr lang="id-ID" sz="1400">
-                          <a:effectLst/>
-                        </a:rPr>
-                        <a:t>10/02/2016</a:t>
-                      </a:r>
-                      <a:endParaRPr lang="en-US" sz="1400">
-                        <a:effectLst/>
-                        <a:latin typeface="Arial" panose="020B0604020202020204" pitchFamily="34" charset="0"/>
-                        <a:ea typeface="Times New Roman" panose="02020603050405020304" pitchFamily="18" charset="0"/>
-                        <a:cs typeface="Times New Roman" panose="02020603050405020304" pitchFamily="18" charset="0"/>
-                      </a:endParaRPr>
-                    </a:p>
-                  </a:txBody>
-                  <a:tcPr marL="54519" marR="54519" marT="20385" marB="20385"/>
-                </a:tc>
-                <a:extLst>
-                  <a:ext uri="{0D108BD9-81ED-4DB2-BD59-A6C34878D82A}">
-                    <a16:rowId xmlns:a16="http://schemas.microsoft.com/office/drawing/2014/main" xmlns="" val="3850368999"/>
-                  </a:ext>
-                </a:extLst>
-              </a:tr>
-              <a:tr h="453238">
-                <a:tc>
-                  <a:txBody>
-                    <a:bodyPr/>
-                    <a:lstStyle/>
-                    <a:p>
-                      <a:pPr>
-                        <a:spcAft>
-                          <a:spcPts val="0"/>
-                        </a:spcAft>
-                      </a:pPr>
-                      <a:r>
-                        <a:rPr lang="id-ID" sz="1400">
-                          <a:effectLst/>
-                        </a:rPr>
-                        <a:t>Desain Sistem dan interface</a:t>
-                      </a:r>
-                      <a:endParaRPr lang="en-US" sz="1400">
-                        <a:effectLst/>
-                        <a:latin typeface="Arial" panose="020B0604020202020204" pitchFamily="34" charset="0"/>
-                        <a:ea typeface="Times New Roman" panose="02020603050405020304" pitchFamily="18" charset="0"/>
-                        <a:cs typeface="Times New Roman" panose="02020603050405020304" pitchFamily="18" charset="0"/>
-                      </a:endParaRPr>
-                    </a:p>
-                  </a:txBody>
-                  <a:tcPr marL="54519" marR="54519" marT="20385" marB="20385"/>
-                </a:tc>
-                <a:tc>
-                  <a:txBody>
-                    <a:bodyPr/>
-                    <a:lstStyle/>
-                    <a:p>
-                      <a:pPr>
-                        <a:spcAft>
-                          <a:spcPts val="0"/>
-                        </a:spcAft>
-                      </a:pPr>
-                      <a:r>
-                        <a:rPr lang="id-ID" sz="1400" dirty="0">
-                          <a:effectLst/>
-                        </a:rPr>
-                        <a:t>Prototype </a:t>
-                      </a:r>
-                      <a:endParaRPr lang="en-US" sz="1400" dirty="0">
-                        <a:effectLst/>
-                        <a:latin typeface="Arial" panose="020B0604020202020204" pitchFamily="34" charset="0"/>
-                        <a:ea typeface="Times New Roman" panose="02020603050405020304" pitchFamily="18" charset="0"/>
-                        <a:cs typeface="Times New Roman" panose="02020603050405020304" pitchFamily="18" charset="0"/>
-                      </a:endParaRPr>
-                    </a:p>
-                  </a:txBody>
-                  <a:tcPr marL="54519" marR="54519" marT="20385" marB="20385"/>
-                </a:tc>
-                <a:tc>
-                  <a:txBody>
-                    <a:bodyPr/>
-                    <a:lstStyle/>
-                    <a:p>
-                      <a:pPr>
-                        <a:spcAft>
-                          <a:spcPts val="0"/>
-                        </a:spcAft>
-                      </a:pPr>
-                      <a:r>
-                        <a:rPr lang="id-ID" sz="1400">
-                          <a:effectLst/>
-                        </a:rPr>
-                        <a:t>8/02/2016-16/02/2016</a:t>
-                      </a:r>
-                      <a:endParaRPr lang="en-US" sz="1400">
-                        <a:effectLst/>
-                        <a:latin typeface="Arial" panose="020B0604020202020204" pitchFamily="34" charset="0"/>
-                        <a:ea typeface="Times New Roman" panose="02020603050405020304" pitchFamily="18" charset="0"/>
-                        <a:cs typeface="Times New Roman" panose="02020603050405020304" pitchFamily="18" charset="0"/>
-                      </a:endParaRPr>
-                    </a:p>
-                  </a:txBody>
-                  <a:tcPr marL="54519" marR="54519" marT="20385" marB="20385"/>
-                </a:tc>
-                <a:extLst>
-                  <a:ext uri="{0D108BD9-81ED-4DB2-BD59-A6C34878D82A}">
-                    <a16:rowId xmlns:a16="http://schemas.microsoft.com/office/drawing/2014/main" xmlns="" val="788453185"/>
-                  </a:ext>
-                </a:extLst>
-              </a:tr>
-              <a:tr h="453238">
-                <a:tc>
-                  <a:txBody>
-                    <a:bodyPr/>
-                    <a:lstStyle/>
-                    <a:p>
-                      <a:pPr>
-                        <a:spcAft>
-                          <a:spcPts val="0"/>
-                        </a:spcAft>
-                      </a:pPr>
-                      <a:r>
-                        <a:rPr lang="id-ID" sz="1400">
-                          <a:effectLst/>
-                        </a:rPr>
-                        <a:t>Presentasi ke Stakeholder (1)</a:t>
-                      </a:r>
-                      <a:endParaRPr lang="en-US" sz="1400">
-                        <a:effectLst/>
-                        <a:latin typeface="Arial" panose="020B0604020202020204" pitchFamily="34" charset="0"/>
-                        <a:ea typeface="Times New Roman" panose="02020603050405020304" pitchFamily="18" charset="0"/>
-                        <a:cs typeface="Times New Roman" panose="02020603050405020304" pitchFamily="18" charset="0"/>
-                      </a:endParaRPr>
-                    </a:p>
-                  </a:txBody>
-                  <a:tcPr marL="54519" marR="54519" marT="20385" marB="20385"/>
-                </a:tc>
-                <a:tc>
-                  <a:txBody>
-                    <a:bodyPr/>
-                    <a:lstStyle/>
-                    <a:p>
-                      <a:pPr>
-                        <a:spcAft>
-                          <a:spcPts val="0"/>
-                        </a:spcAft>
-                      </a:pPr>
-                      <a:r>
-                        <a:rPr lang="id-ID" sz="1400">
-                          <a:effectLst/>
-                        </a:rPr>
-                        <a:t>Feedback mengenai prototype</a:t>
-                      </a:r>
-                      <a:endParaRPr lang="en-US" sz="1400">
-                        <a:effectLst/>
-                        <a:latin typeface="Arial" panose="020B0604020202020204" pitchFamily="34" charset="0"/>
-                        <a:ea typeface="Times New Roman" panose="02020603050405020304" pitchFamily="18" charset="0"/>
-                        <a:cs typeface="Times New Roman" panose="02020603050405020304" pitchFamily="18" charset="0"/>
-                      </a:endParaRPr>
-                    </a:p>
-                  </a:txBody>
-                  <a:tcPr marL="54519" marR="54519" marT="20385" marB="20385"/>
-                </a:tc>
-                <a:tc>
-                  <a:txBody>
-                    <a:bodyPr/>
-                    <a:lstStyle/>
-                    <a:p>
-                      <a:pPr>
-                        <a:spcAft>
-                          <a:spcPts val="0"/>
-                        </a:spcAft>
-                      </a:pPr>
-                      <a:r>
-                        <a:rPr lang="id-ID" sz="1400">
-                          <a:effectLst/>
-                        </a:rPr>
-                        <a:t>23/02/2016</a:t>
-                      </a:r>
-                      <a:endParaRPr lang="en-US" sz="1400">
-                        <a:effectLst/>
-                        <a:latin typeface="Arial" panose="020B0604020202020204" pitchFamily="34" charset="0"/>
-                        <a:ea typeface="Times New Roman" panose="02020603050405020304" pitchFamily="18" charset="0"/>
-                        <a:cs typeface="Times New Roman" panose="02020603050405020304" pitchFamily="18" charset="0"/>
-                      </a:endParaRPr>
-                    </a:p>
-                  </a:txBody>
-                  <a:tcPr marL="54519" marR="54519" marT="20385" marB="20385"/>
-                </a:tc>
-                <a:extLst>
-                  <a:ext uri="{0D108BD9-81ED-4DB2-BD59-A6C34878D82A}">
-                    <a16:rowId xmlns:a16="http://schemas.microsoft.com/office/drawing/2014/main" xmlns="" val="3972856735"/>
-                  </a:ext>
-                </a:extLst>
-              </a:tr>
-              <a:tr h="453238">
-                <a:tc>
-                  <a:txBody>
-                    <a:bodyPr/>
-                    <a:lstStyle/>
-                    <a:p>
-                      <a:pPr>
-                        <a:spcAft>
-                          <a:spcPts val="0"/>
-                        </a:spcAft>
-                      </a:pPr>
-                      <a:r>
-                        <a:rPr lang="id-ID" sz="1400">
-                          <a:effectLst/>
-                        </a:rPr>
-                        <a:t>Review dari Stakeholder</a:t>
-                      </a:r>
-                      <a:endParaRPr lang="en-US" sz="1400">
-                        <a:effectLst/>
-                        <a:latin typeface="Arial" panose="020B0604020202020204" pitchFamily="34" charset="0"/>
-                        <a:ea typeface="Times New Roman" panose="02020603050405020304" pitchFamily="18" charset="0"/>
-                        <a:cs typeface="Times New Roman" panose="02020603050405020304" pitchFamily="18" charset="0"/>
-                      </a:endParaRPr>
-                    </a:p>
-                  </a:txBody>
-                  <a:tcPr marL="54519" marR="54519" marT="20385" marB="20385"/>
-                </a:tc>
-                <a:tc>
-                  <a:txBody>
-                    <a:bodyPr/>
-                    <a:lstStyle/>
-                    <a:p>
-                      <a:pPr>
-                        <a:spcAft>
-                          <a:spcPts val="0"/>
-                        </a:spcAft>
-                      </a:pPr>
-                      <a:r>
-                        <a:rPr lang="id-ID" sz="1400">
-                          <a:effectLst/>
-                        </a:rPr>
-                        <a:t>Pembuatan Prototype menjadi implementasi sesungguhnya</a:t>
-                      </a:r>
-                      <a:endParaRPr lang="en-US" sz="1400">
-                        <a:effectLst/>
-                        <a:latin typeface="Arial" panose="020B0604020202020204" pitchFamily="34" charset="0"/>
-                        <a:ea typeface="Times New Roman" panose="02020603050405020304" pitchFamily="18" charset="0"/>
-                        <a:cs typeface="Times New Roman" panose="02020603050405020304" pitchFamily="18" charset="0"/>
-                      </a:endParaRPr>
-                    </a:p>
-                  </a:txBody>
-                  <a:tcPr marL="54519" marR="54519" marT="20385" marB="20385"/>
-                </a:tc>
-                <a:tc>
-                  <a:txBody>
-                    <a:bodyPr/>
-                    <a:lstStyle/>
-                    <a:p>
-                      <a:pPr>
-                        <a:spcAft>
-                          <a:spcPts val="0"/>
-                        </a:spcAft>
-                      </a:pPr>
-                      <a:r>
-                        <a:rPr lang="id-ID" sz="1400">
-                          <a:effectLst/>
-                        </a:rPr>
-                        <a:t>17/02/2016-14/04/2016</a:t>
-                      </a:r>
-                      <a:endParaRPr lang="en-US" sz="1400">
-                        <a:effectLst/>
-                        <a:latin typeface="Arial" panose="020B0604020202020204" pitchFamily="34" charset="0"/>
-                        <a:ea typeface="Times New Roman" panose="02020603050405020304" pitchFamily="18" charset="0"/>
-                        <a:cs typeface="Times New Roman" panose="02020603050405020304" pitchFamily="18" charset="0"/>
-                      </a:endParaRPr>
-                    </a:p>
-                  </a:txBody>
-                  <a:tcPr marL="54519" marR="54519" marT="20385" marB="20385"/>
-                </a:tc>
-                <a:extLst>
-                  <a:ext uri="{0D108BD9-81ED-4DB2-BD59-A6C34878D82A}">
-                    <a16:rowId xmlns:a16="http://schemas.microsoft.com/office/drawing/2014/main" xmlns="" val="2534223065"/>
-                  </a:ext>
-                </a:extLst>
-              </a:tr>
-              <a:tr h="453238">
-                <a:tc>
-                  <a:txBody>
-                    <a:bodyPr/>
-                    <a:lstStyle/>
-                    <a:p>
-                      <a:pPr>
-                        <a:spcAft>
-                          <a:spcPts val="0"/>
-                        </a:spcAft>
-                      </a:pPr>
-                      <a:r>
-                        <a:rPr lang="id-ID" sz="1400">
-                          <a:effectLst/>
-                        </a:rPr>
-                        <a:t>Presentasi ke Stakeholder (2)</a:t>
-                      </a:r>
-                      <a:endParaRPr lang="en-US" sz="1400">
-                        <a:effectLst/>
-                        <a:latin typeface="Arial" panose="020B0604020202020204" pitchFamily="34" charset="0"/>
-                        <a:ea typeface="Times New Roman" panose="02020603050405020304" pitchFamily="18" charset="0"/>
-                        <a:cs typeface="Times New Roman" panose="02020603050405020304" pitchFamily="18" charset="0"/>
-                      </a:endParaRPr>
-                    </a:p>
-                  </a:txBody>
-                  <a:tcPr marL="54519" marR="54519" marT="20385" marB="20385"/>
-                </a:tc>
-                <a:tc>
-                  <a:txBody>
-                    <a:bodyPr/>
-                    <a:lstStyle/>
-                    <a:p>
-                      <a:pPr>
-                        <a:spcAft>
-                          <a:spcPts val="0"/>
-                        </a:spcAft>
-                      </a:pPr>
-                      <a:r>
-                        <a:rPr lang="id-ID" sz="1400">
-                          <a:effectLst/>
-                        </a:rPr>
-                        <a:t>Feedback mengenai implementasi website</a:t>
-                      </a:r>
-                      <a:endParaRPr lang="en-US" sz="1400">
-                        <a:effectLst/>
-                        <a:latin typeface="Arial" panose="020B0604020202020204" pitchFamily="34" charset="0"/>
-                        <a:ea typeface="Times New Roman" panose="02020603050405020304" pitchFamily="18" charset="0"/>
-                        <a:cs typeface="Times New Roman" panose="02020603050405020304" pitchFamily="18" charset="0"/>
-                      </a:endParaRPr>
-                    </a:p>
-                  </a:txBody>
-                  <a:tcPr marL="54519" marR="54519" marT="20385" marB="20385"/>
-                </a:tc>
-                <a:tc>
-                  <a:txBody>
-                    <a:bodyPr/>
-                    <a:lstStyle/>
-                    <a:p>
-                      <a:pPr>
-                        <a:spcAft>
-                          <a:spcPts val="0"/>
-                        </a:spcAft>
-                      </a:pPr>
-                      <a:r>
-                        <a:rPr lang="id-ID" sz="1400">
-                          <a:effectLst/>
-                        </a:rPr>
-                        <a:t>06/04/2016</a:t>
-                      </a:r>
-                      <a:r>
-                        <a:rPr lang="en-US" sz="1400">
-                          <a:effectLst/>
-                        </a:rPr>
-                        <a:t> – 12/04/2016</a:t>
-                      </a:r>
-                      <a:endParaRPr lang="en-US" sz="1400">
-                        <a:effectLst/>
-                        <a:latin typeface="Arial" panose="020B0604020202020204" pitchFamily="34" charset="0"/>
-                        <a:ea typeface="Times New Roman" panose="02020603050405020304" pitchFamily="18" charset="0"/>
-                        <a:cs typeface="Times New Roman" panose="02020603050405020304" pitchFamily="18" charset="0"/>
-                      </a:endParaRPr>
-                    </a:p>
-                  </a:txBody>
-                  <a:tcPr marL="54519" marR="54519" marT="20385" marB="20385"/>
-                </a:tc>
-                <a:extLst>
-                  <a:ext uri="{0D108BD9-81ED-4DB2-BD59-A6C34878D82A}">
-                    <a16:rowId xmlns:a16="http://schemas.microsoft.com/office/drawing/2014/main" xmlns="" val="172164305"/>
-                  </a:ext>
-                </a:extLst>
-              </a:tr>
-              <a:tr h="453238">
-                <a:tc>
-                  <a:txBody>
-                    <a:bodyPr/>
-                    <a:lstStyle/>
-                    <a:p>
-                      <a:pPr>
-                        <a:spcAft>
-                          <a:spcPts val="0"/>
-                        </a:spcAft>
-                      </a:pPr>
-                      <a:r>
-                        <a:rPr lang="id-ID" sz="1400">
-                          <a:effectLst/>
-                        </a:rPr>
-                        <a:t>Review dari Stakeholder</a:t>
-                      </a:r>
-                      <a:endParaRPr lang="en-US" sz="1400">
-                        <a:effectLst/>
-                        <a:latin typeface="Arial" panose="020B0604020202020204" pitchFamily="34" charset="0"/>
-                        <a:ea typeface="Times New Roman" panose="02020603050405020304" pitchFamily="18" charset="0"/>
-                        <a:cs typeface="Times New Roman" panose="02020603050405020304" pitchFamily="18" charset="0"/>
-                      </a:endParaRPr>
-                    </a:p>
-                  </a:txBody>
-                  <a:tcPr marL="54519" marR="54519" marT="20385" marB="20385"/>
-                </a:tc>
-                <a:tc>
-                  <a:txBody>
-                    <a:bodyPr/>
-                    <a:lstStyle/>
-                    <a:p>
-                      <a:pPr>
-                        <a:spcAft>
-                          <a:spcPts val="0"/>
-                        </a:spcAft>
-                      </a:pPr>
-                      <a:r>
-                        <a:rPr lang="id-ID" sz="1400" dirty="0">
-                          <a:effectLst/>
-                        </a:rPr>
-                        <a:t>Finalisasi Prototype menjadi implementasi sesungguhnya</a:t>
-                      </a:r>
-                      <a:endParaRPr lang="en-US" sz="1400" dirty="0">
-                        <a:effectLst/>
-                        <a:latin typeface="Arial" panose="020B0604020202020204" pitchFamily="34" charset="0"/>
-                        <a:ea typeface="Times New Roman" panose="02020603050405020304" pitchFamily="18" charset="0"/>
-                        <a:cs typeface="Times New Roman" panose="02020603050405020304" pitchFamily="18" charset="0"/>
-                      </a:endParaRPr>
-                    </a:p>
-                  </a:txBody>
-                  <a:tcPr marL="54519" marR="54519" marT="20385" marB="20385"/>
-                </a:tc>
-                <a:tc>
-                  <a:txBody>
-                    <a:bodyPr/>
-                    <a:lstStyle/>
-                    <a:p>
-                      <a:pPr>
-                        <a:spcAft>
-                          <a:spcPts val="0"/>
-                        </a:spcAft>
-                      </a:pPr>
-                      <a:r>
-                        <a:rPr lang="id-ID" sz="1400">
-                          <a:effectLst/>
-                        </a:rPr>
-                        <a:t>13/04/2016-3/05/2016</a:t>
-                      </a:r>
-                      <a:endParaRPr lang="en-US" sz="1400">
-                        <a:effectLst/>
-                        <a:latin typeface="Arial" panose="020B0604020202020204" pitchFamily="34" charset="0"/>
-                        <a:ea typeface="Times New Roman" panose="02020603050405020304" pitchFamily="18" charset="0"/>
-                        <a:cs typeface="Times New Roman" panose="02020603050405020304" pitchFamily="18" charset="0"/>
-                      </a:endParaRPr>
-                    </a:p>
-                  </a:txBody>
-                  <a:tcPr marL="54519" marR="54519" marT="20385" marB="20385"/>
-                </a:tc>
-                <a:extLst>
-                  <a:ext uri="{0D108BD9-81ED-4DB2-BD59-A6C34878D82A}">
-                    <a16:rowId xmlns:a16="http://schemas.microsoft.com/office/drawing/2014/main" xmlns="" val="4270277129"/>
-                  </a:ext>
-                </a:extLst>
-              </a:tr>
-              <a:tr h="246383">
-                <a:tc>
-                  <a:txBody>
-                    <a:bodyPr/>
-                    <a:lstStyle/>
-                    <a:p>
-                      <a:pPr>
-                        <a:spcAft>
-                          <a:spcPts val="0"/>
-                        </a:spcAft>
-                      </a:pPr>
-                      <a:r>
-                        <a:rPr lang="id-ID" sz="1400">
-                          <a:effectLst/>
-                        </a:rPr>
-                        <a:t>Testing aplikasi</a:t>
-                      </a:r>
-                      <a:endParaRPr lang="en-US" sz="1400">
-                        <a:effectLst/>
-                        <a:latin typeface="Arial" panose="020B0604020202020204" pitchFamily="34" charset="0"/>
-                        <a:ea typeface="Times New Roman" panose="02020603050405020304" pitchFamily="18" charset="0"/>
-                        <a:cs typeface="Times New Roman" panose="02020603050405020304" pitchFamily="18" charset="0"/>
-                      </a:endParaRPr>
-                    </a:p>
-                  </a:txBody>
-                  <a:tcPr marL="54519" marR="54519" marT="20385" marB="20385"/>
-                </a:tc>
-                <a:tc>
-                  <a:txBody>
-                    <a:bodyPr/>
-                    <a:lstStyle/>
-                    <a:p>
-                      <a:pPr>
-                        <a:spcAft>
-                          <a:spcPts val="0"/>
-                        </a:spcAft>
-                      </a:pPr>
-                      <a:r>
-                        <a:rPr lang="id-ID" sz="1400">
-                          <a:effectLst/>
-                        </a:rPr>
-                        <a:t>Memperoleh dokumentasi testing aplikasi</a:t>
-                      </a:r>
-                      <a:endParaRPr lang="en-US" sz="1400">
-                        <a:effectLst/>
-                        <a:latin typeface="Arial" panose="020B0604020202020204" pitchFamily="34" charset="0"/>
-                        <a:ea typeface="Times New Roman" panose="02020603050405020304" pitchFamily="18" charset="0"/>
-                        <a:cs typeface="Times New Roman" panose="02020603050405020304" pitchFamily="18" charset="0"/>
-                      </a:endParaRPr>
-                    </a:p>
-                  </a:txBody>
-                  <a:tcPr marL="54519" marR="54519" marT="20385" marB="20385"/>
-                </a:tc>
-                <a:tc>
-                  <a:txBody>
-                    <a:bodyPr/>
-                    <a:lstStyle/>
-                    <a:p>
-                      <a:pPr>
-                        <a:spcAft>
-                          <a:spcPts val="0"/>
-                        </a:spcAft>
-                      </a:pPr>
-                      <a:r>
-                        <a:rPr lang="id-ID" sz="1400">
-                          <a:effectLst/>
-                        </a:rPr>
-                        <a:t>4/05/2016-10/05/2016</a:t>
-                      </a:r>
-                      <a:endParaRPr lang="en-US" sz="1400">
-                        <a:effectLst/>
-                        <a:latin typeface="Arial" panose="020B0604020202020204" pitchFamily="34" charset="0"/>
-                        <a:ea typeface="Times New Roman" panose="02020603050405020304" pitchFamily="18" charset="0"/>
-                        <a:cs typeface="Times New Roman" panose="02020603050405020304" pitchFamily="18" charset="0"/>
-                      </a:endParaRPr>
-                    </a:p>
-                  </a:txBody>
-                  <a:tcPr marL="54519" marR="54519" marT="20385" marB="20385"/>
-                </a:tc>
-                <a:extLst>
-                  <a:ext uri="{0D108BD9-81ED-4DB2-BD59-A6C34878D82A}">
-                    <a16:rowId xmlns:a16="http://schemas.microsoft.com/office/drawing/2014/main" xmlns="" val="1506809438"/>
-                  </a:ext>
-                </a:extLst>
-              </a:tr>
-              <a:tr h="453238">
-                <a:tc>
-                  <a:txBody>
-                    <a:bodyPr/>
-                    <a:lstStyle/>
-                    <a:p>
-                      <a:pPr>
-                        <a:spcAft>
-                          <a:spcPts val="0"/>
-                        </a:spcAft>
-                      </a:pPr>
-                      <a:r>
-                        <a:rPr lang="id-ID" sz="1400">
-                          <a:effectLst/>
-                        </a:rPr>
-                        <a:t>Presentasi ke Stakeholder (3)</a:t>
-                      </a:r>
-                      <a:endParaRPr lang="en-US" sz="1400">
-                        <a:effectLst/>
-                        <a:latin typeface="Arial" panose="020B0604020202020204" pitchFamily="34" charset="0"/>
-                        <a:ea typeface="Times New Roman" panose="02020603050405020304" pitchFamily="18" charset="0"/>
-                        <a:cs typeface="Times New Roman" panose="02020603050405020304" pitchFamily="18" charset="0"/>
-                      </a:endParaRPr>
-                    </a:p>
-                  </a:txBody>
-                  <a:tcPr marL="54519" marR="54519" marT="20385" marB="20385"/>
-                </a:tc>
-                <a:tc>
-                  <a:txBody>
-                    <a:bodyPr/>
-                    <a:lstStyle/>
-                    <a:p>
-                      <a:pPr>
-                        <a:spcAft>
-                          <a:spcPts val="0"/>
-                        </a:spcAft>
-                      </a:pPr>
-                      <a:r>
-                        <a:rPr lang="id-ID" sz="1400">
-                          <a:effectLst/>
-                        </a:rPr>
-                        <a:t>Feedback mengenai implementasi website tahap akhir</a:t>
-                      </a:r>
-                      <a:endParaRPr lang="en-US" sz="1400">
-                        <a:effectLst/>
-                        <a:latin typeface="Arial" panose="020B0604020202020204" pitchFamily="34" charset="0"/>
-                        <a:ea typeface="Times New Roman" panose="02020603050405020304" pitchFamily="18" charset="0"/>
-                        <a:cs typeface="Times New Roman" panose="02020603050405020304" pitchFamily="18" charset="0"/>
-                      </a:endParaRPr>
-                    </a:p>
-                  </a:txBody>
-                  <a:tcPr marL="54519" marR="54519" marT="20385" marB="20385"/>
-                </a:tc>
-                <a:tc>
-                  <a:txBody>
-                    <a:bodyPr/>
-                    <a:lstStyle/>
-                    <a:p>
-                      <a:pPr>
-                        <a:spcAft>
-                          <a:spcPts val="0"/>
-                        </a:spcAft>
-                      </a:pPr>
-                      <a:r>
-                        <a:rPr lang="id-ID" sz="1400">
-                          <a:effectLst/>
-                        </a:rPr>
-                        <a:t>11/05/2016</a:t>
-                      </a:r>
-                      <a:endParaRPr lang="en-US" sz="1400">
-                        <a:effectLst/>
-                        <a:latin typeface="Arial" panose="020B0604020202020204" pitchFamily="34" charset="0"/>
-                        <a:ea typeface="Times New Roman" panose="02020603050405020304" pitchFamily="18" charset="0"/>
-                        <a:cs typeface="Times New Roman" panose="02020603050405020304" pitchFamily="18" charset="0"/>
-                      </a:endParaRPr>
-                    </a:p>
-                  </a:txBody>
-                  <a:tcPr marL="54519" marR="54519" marT="20385" marB="20385"/>
-                </a:tc>
-                <a:extLst>
-                  <a:ext uri="{0D108BD9-81ED-4DB2-BD59-A6C34878D82A}">
-                    <a16:rowId xmlns:a16="http://schemas.microsoft.com/office/drawing/2014/main" xmlns="" val="2966570761"/>
-                  </a:ext>
-                </a:extLst>
-              </a:tr>
-              <a:tr h="453238">
-                <a:tc>
-                  <a:txBody>
-                    <a:bodyPr/>
-                    <a:lstStyle/>
-                    <a:p>
-                      <a:pPr>
-                        <a:spcAft>
-                          <a:spcPts val="0"/>
-                        </a:spcAft>
-                      </a:pPr>
-                      <a:r>
-                        <a:rPr lang="id-ID" sz="1400">
-                          <a:effectLst/>
-                        </a:rPr>
-                        <a:t>Review dari Stakeholder</a:t>
-                      </a:r>
-                      <a:endParaRPr lang="en-US" sz="1400">
-                        <a:effectLst/>
-                        <a:latin typeface="Arial" panose="020B0604020202020204" pitchFamily="34" charset="0"/>
-                        <a:ea typeface="Times New Roman" panose="02020603050405020304" pitchFamily="18" charset="0"/>
-                        <a:cs typeface="Times New Roman" panose="02020603050405020304" pitchFamily="18" charset="0"/>
-                      </a:endParaRPr>
-                    </a:p>
-                  </a:txBody>
-                  <a:tcPr marL="54519" marR="54519" marT="20385" marB="20385"/>
-                </a:tc>
-                <a:tc>
-                  <a:txBody>
-                    <a:bodyPr/>
-                    <a:lstStyle/>
-                    <a:p>
-                      <a:pPr>
-                        <a:spcAft>
-                          <a:spcPts val="0"/>
-                        </a:spcAft>
-                      </a:pPr>
-                      <a:r>
-                        <a:rPr lang="id-ID" sz="1400" dirty="0">
-                          <a:effectLst/>
-                        </a:rPr>
-                        <a:t>Finalisasi Prototype menjadi implementasi sesungguhnya</a:t>
-                      </a:r>
-                      <a:endParaRPr lang="en-US" sz="1400" dirty="0">
-                        <a:effectLst/>
-                        <a:latin typeface="Arial" panose="020B0604020202020204" pitchFamily="34" charset="0"/>
-                        <a:ea typeface="Times New Roman" panose="02020603050405020304" pitchFamily="18" charset="0"/>
-                        <a:cs typeface="Times New Roman" panose="02020603050405020304" pitchFamily="18" charset="0"/>
-                      </a:endParaRPr>
-                    </a:p>
-                  </a:txBody>
-                  <a:tcPr marL="54519" marR="54519" marT="20385" marB="20385"/>
-                </a:tc>
-                <a:tc>
-                  <a:txBody>
-                    <a:bodyPr/>
-                    <a:lstStyle/>
-                    <a:p>
-                      <a:pPr>
-                        <a:spcAft>
-                          <a:spcPts val="0"/>
-                        </a:spcAft>
-                      </a:pPr>
-                      <a:r>
-                        <a:rPr lang="id-ID" sz="1400" dirty="0">
-                          <a:effectLst/>
-                        </a:rPr>
-                        <a:t>12/05/2016-19/05/2016</a:t>
-                      </a:r>
-                      <a:endParaRPr lang="en-US" sz="1400" dirty="0">
-                        <a:effectLst/>
-                        <a:latin typeface="Arial" panose="020B0604020202020204" pitchFamily="34" charset="0"/>
-                        <a:ea typeface="Times New Roman" panose="02020603050405020304" pitchFamily="18" charset="0"/>
-                        <a:cs typeface="Times New Roman" panose="02020603050405020304" pitchFamily="18" charset="0"/>
-                      </a:endParaRPr>
-                    </a:p>
-                  </a:txBody>
-                  <a:tcPr marL="54519" marR="54519" marT="20385" marB="20385"/>
-                </a:tc>
-                <a:extLst>
-                  <a:ext uri="{0D108BD9-81ED-4DB2-BD59-A6C34878D82A}">
-                    <a16:rowId xmlns:a16="http://schemas.microsoft.com/office/drawing/2014/main" xmlns="" val="3882204530"/>
-                  </a:ext>
-                </a:extLst>
-              </a:tr>
-              <a:tr h="453238">
-                <a:tc>
-                  <a:txBody>
-                    <a:bodyPr/>
-                    <a:lstStyle/>
-                    <a:p>
-                      <a:pPr>
-                        <a:spcAft>
-                          <a:spcPts val="0"/>
-                        </a:spcAft>
-                      </a:pPr>
-                      <a:r>
-                        <a:rPr lang="id-ID" sz="1400" dirty="0">
-                          <a:effectLst/>
-                        </a:rPr>
-                        <a:t>Persiapan presentasi Akhir</a:t>
-                      </a:r>
-                      <a:endParaRPr lang="en-US" sz="1400" dirty="0">
-                        <a:effectLst/>
-                        <a:latin typeface="Arial" panose="020B0604020202020204" pitchFamily="34" charset="0"/>
-                        <a:ea typeface="Times New Roman" panose="02020603050405020304" pitchFamily="18" charset="0"/>
-                        <a:cs typeface="Times New Roman" panose="02020603050405020304" pitchFamily="18" charset="0"/>
-                      </a:endParaRPr>
-                    </a:p>
-                  </a:txBody>
-                  <a:tcPr marL="54519" marR="54519" marT="20385" marB="20385"/>
-                </a:tc>
-                <a:tc>
-                  <a:txBody>
-                    <a:bodyPr/>
-                    <a:lstStyle/>
-                    <a:p>
-                      <a:pPr>
-                        <a:spcAft>
-                          <a:spcPts val="0"/>
-                        </a:spcAft>
-                      </a:pPr>
-                      <a:r>
-                        <a:rPr lang="id-ID" sz="1400" dirty="0">
-                          <a:effectLst/>
-                        </a:rPr>
-                        <a:t>Melukakan pembelian hosting dan domain untuk implementasi aplikasi web</a:t>
-                      </a:r>
-                      <a:endParaRPr lang="en-US" sz="1400" dirty="0">
-                        <a:effectLst/>
-                        <a:latin typeface="Arial" panose="020B0604020202020204" pitchFamily="34" charset="0"/>
-                        <a:ea typeface="Times New Roman" panose="02020603050405020304" pitchFamily="18" charset="0"/>
-                        <a:cs typeface="Times New Roman" panose="02020603050405020304" pitchFamily="18" charset="0"/>
-                      </a:endParaRPr>
-                    </a:p>
-                  </a:txBody>
-                  <a:tcPr marL="54519" marR="54519" marT="20385" marB="20385"/>
-                </a:tc>
-                <a:tc>
-                  <a:txBody>
-                    <a:bodyPr/>
-                    <a:lstStyle/>
-                    <a:p>
-                      <a:pPr>
-                        <a:spcAft>
-                          <a:spcPts val="0"/>
-                        </a:spcAft>
-                      </a:pPr>
-                      <a:r>
-                        <a:rPr lang="id-ID" sz="1400" dirty="0">
-                          <a:effectLst/>
-                        </a:rPr>
-                        <a:t>6/05/2016-26/05/2016</a:t>
-                      </a:r>
-                      <a:endParaRPr lang="en-US" sz="1400" dirty="0">
-                        <a:effectLst/>
-                        <a:latin typeface="Arial" panose="020B0604020202020204" pitchFamily="34" charset="0"/>
-                        <a:ea typeface="Times New Roman" panose="02020603050405020304" pitchFamily="18" charset="0"/>
-                        <a:cs typeface="Times New Roman" panose="02020603050405020304" pitchFamily="18" charset="0"/>
-                      </a:endParaRPr>
-                    </a:p>
-                  </a:txBody>
-                  <a:tcPr marL="54519" marR="54519" marT="20385" marB="20385"/>
-                </a:tc>
-                <a:extLst>
-                  <a:ext uri="{0D108BD9-81ED-4DB2-BD59-A6C34878D82A}">
-                    <a16:rowId xmlns:a16="http://schemas.microsoft.com/office/drawing/2014/main" xmlns="" val="3058028348"/>
-                  </a:ext>
-                </a:extLst>
-              </a:tr>
-            </a:tbl>
-          </a:graphicData>
-        </a:graphic>
-      </p:graphicFrame>
+        </p:nvSpPr>
+        <p:spPr>
+          <a:xfrm>
+            <a:off x="1066800" y="2536825"/>
+            <a:ext cx="10515600" cy="1325563"/>
+          </a:xfrm>
+        </p:spPr>
+        <p:txBody>
+          <a:bodyPr>
+            <a:normAutofit fontScale="90000"/>
+          </a:bodyPr>
+          <a:lstStyle/>
+          <a:p>
+            <a:pPr algn="ctr"/>
+            <a:r>
+              <a:rPr lang="en-US" b="1" cap="none" spc="0" dirty="0" smtClean="0">
+                <a:ln w="22225">
+                  <a:solidFill>
+                    <a:schemeClr val="accent2"/>
+                  </a:solidFill>
+                  <a:prstDash val="solid"/>
+                </a:ln>
+                <a:solidFill>
+                  <a:schemeClr val="accent2">
+                    <a:lumMod val="40000"/>
+                    <a:lumOff val="60000"/>
+                  </a:schemeClr>
+                </a:solidFill>
+                <a:latin typeface="Tahoma" pitchFamily="34" charset="0"/>
+                <a:ea typeface="Tahoma" pitchFamily="34" charset="0"/>
+                <a:cs typeface="Tahoma" pitchFamily="34" charset="0"/>
+              </a:rPr>
+              <a:t>PROBLEM AND SOLVING</a:t>
+            </a:r>
+            <a:br>
+              <a:rPr lang="en-US" b="1" cap="none" spc="0" dirty="0" smtClean="0">
+                <a:ln w="22225">
+                  <a:solidFill>
+                    <a:schemeClr val="accent2"/>
+                  </a:solidFill>
+                  <a:prstDash val="solid"/>
+                </a:ln>
+                <a:solidFill>
+                  <a:schemeClr val="accent2">
+                    <a:lumMod val="40000"/>
+                    <a:lumOff val="60000"/>
+                  </a:schemeClr>
+                </a:solidFill>
+                <a:latin typeface="Tahoma" pitchFamily="34" charset="0"/>
+                <a:ea typeface="Tahoma" pitchFamily="34" charset="0"/>
+                <a:cs typeface="Tahoma" pitchFamily="34" charset="0"/>
+              </a:rPr>
+            </a:br>
+            <a:r>
+              <a:rPr lang="en-US" b="1" cap="none" spc="0" dirty="0" smtClean="0">
+                <a:ln w="22225">
+                  <a:solidFill>
+                    <a:schemeClr val="accent2"/>
+                  </a:solidFill>
+                  <a:prstDash val="solid"/>
+                </a:ln>
+                <a:solidFill>
+                  <a:schemeClr val="accent2">
+                    <a:lumMod val="40000"/>
+                    <a:lumOff val="60000"/>
+                  </a:schemeClr>
+                </a:solidFill>
+                <a:latin typeface="Tahoma" pitchFamily="34" charset="0"/>
+                <a:ea typeface="Tahoma" pitchFamily="34" charset="0"/>
+                <a:cs typeface="Tahoma" pitchFamily="34" charset="0"/>
+              </a:rPr>
+              <a:t>IN OUR TEAM</a:t>
+            </a:r>
+            <a:endParaRPr lang="en-US" b="1" cap="none" spc="0" dirty="0">
+              <a:ln w="22225">
+                <a:solidFill>
+                  <a:schemeClr val="accent2"/>
+                </a:solidFill>
+                <a:prstDash val="solid"/>
+              </a:ln>
+              <a:solidFill>
+                <a:schemeClr val="accent2">
+                  <a:lumMod val="40000"/>
+                  <a:lumOff val="60000"/>
+                </a:schemeClr>
+              </a:solidFill>
+              <a:latin typeface="Tahoma" pitchFamily="34" charset="0"/>
+              <a:ea typeface="Tahoma" pitchFamily="34" charset="0"/>
+              <a:cs typeface="Tahoma" pitchFamily="34" charset="0"/>
+            </a:endParaRPr>
+          </a:p>
+        </p:txBody>
+      </p:sp>
     </p:spTree>
     <p:extLst>
       <p:ext uri="{BB962C8B-B14F-4D97-AF65-F5344CB8AC3E}">
-        <p14:creationId xmlns:p14="http://schemas.microsoft.com/office/powerpoint/2010/main" val="1990936404"/>
+        <p14:creationId xmlns:p14="http://schemas.microsoft.com/office/powerpoint/2010/main" val="1857095560"/>
       </p:ext>
     </p:extLst>
   </p:cSld>
@@ -14322,14 +12965,12 @@
         </p:nvSpPr>
         <p:spPr>
           <a:xfrm>
-            <a:off x="1066800" y="2536825"/>
-            <a:ext cx="10515600" cy="1325563"/>
+            <a:off x="1162101" y="991985"/>
+            <a:ext cx="10178322" cy="849515"/>
           </a:xfrm>
         </p:spPr>
         <p:txBody>
-          <a:bodyPr>
-            <a:normAutofit fontScale="90000"/>
-          </a:bodyPr>
+          <a:bodyPr/>
           <a:lstStyle/>
           <a:p>
             <a:pPr algn="ctr"/>
@@ -14351,46 +12992,7 @@
                 <a:ea typeface="Tahoma" pitchFamily="34" charset="0"/>
                 <a:cs typeface="Tahoma" pitchFamily="34" charset="0"/>
               </a:rPr>
-              <a:t>PROBLEM AND SOLVING</a:t>
-            </a:r>
-            <a:br>
-              <a:rPr lang="en-US" b="1" cap="none" spc="0" dirty="0" smtClean="0">
-                <a:ln w="22225">
-                  <a:solidFill>
-                    <a:schemeClr val="accent2"/>
-                  </a:solidFill>
-                  <a:prstDash val="solid"/>
-                </a:ln>
-                <a:solidFill>
-                  <a:schemeClr val="accent2">
-                    <a:lumMod val="40000"/>
-                    <a:lumOff val="60000"/>
-                  </a:schemeClr>
-                </a:solidFill>
-                <a:latin typeface="Tahoma" pitchFamily="34" charset="0"/>
-                <a:ea typeface="Tahoma" pitchFamily="34" charset="0"/>
-                <a:cs typeface="Tahoma" pitchFamily="34" charset="0"/>
-              </a:rPr>
-            </a:br>
-            <a:r>
-              <a:rPr lang="en-US" b="1" cap="none" spc="0" dirty="0" smtClean="0">
-                <a:ln w="22225">
-                  <a:solidFill>
-                    <a:schemeClr val="accent2"/>
-                  </a:solidFill>
-                  <a:prstDash val="solid"/>
-                </a:ln>
-                <a:solidFill>
-                  <a:schemeClr val="accent2">
-                    <a:lumMod val="40000"/>
-                    <a:lumOff val="60000"/>
-                  </a:schemeClr>
-                </a:solidFill>
-                <a:latin typeface="Tahoma" pitchFamily="34" charset="0"/>
-                <a:ea typeface="Tahoma" pitchFamily="34" charset="0"/>
-                <a:cs typeface="Tahoma" pitchFamily="34" charset="0"/>
-              </a:rPr>
-              <a:t>IN OUR TEAM</a:t>
+              <a:t>PROJECT MANAGER</a:t>
             </a:r>
             <a:endParaRPr lang="en-US" b="1" cap="none" spc="0" dirty="0">
               <a:ln w="22225">
@@ -14412,10 +13014,324 @@
           </a:p>
         </p:txBody>
       </p:sp>
+      <p:graphicFrame>
+        <p:nvGraphicFramePr>
+          <p:cNvPr id="4" name="Table 3"/>
+          <p:cNvGraphicFramePr>
+            <a:graphicFrameLocks noGrp="1"/>
+          </p:cNvGraphicFramePr>
+          <p:nvPr>
+            <p:extLst>
+              <p:ext uri="{D42A27DB-BD31-4B8C-83A1-F6EECF244321}">
+                <p14:modId xmlns:p14="http://schemas.microsoft.com/office/powerpoint/2010/main" val="3137097030"/>
+              </p:ext>
+            </p:extLst>
+          </p:nvPr>
+        </p:nvGraphicFramePr>
+        <p:xfrm>
+          <a:off x="2006242" y="2342401"/>
+          <a:ext cx="8490040" cy="2281114"/>
+        </p:xfrm>
+        <a:graphic>
+          <a:graphicData uri="http://schemas.openxmlformats.org/drawingml/2006/table">
+            <a:tbl>
+              <a:tblPr firstRow="1" bandRow="1">
+                <a:tableStyleId>{18603FDC-E32A-4AB5-989C-0864C3EAD2B8}</a:tableStyleId>
+              </a:tblPr>
+              <a:tblGrid>
+                <a:gridCol w="4245020"/>
+                <a:gridCol w="4245020"/>
+              </a:tblGrid>
+              <a:tr h="439370">
+                <a:tc>
+                  <a:txBody>
+                    <a:bodyPr/>
+                    <a:lstStyle/>
+                    <a:p>
+                      <a:r>
+                        <a:rPr lang="en-US" dirty="0" smtClean="0"/>
+                        <a:t>Problem</a:t>
+                      </a:r>
+                      <a:endParaRPr lang="en-US" dirty="0"/>
+                    </a:p>
+                  </a:txBody>
+                  <a:tcPr/>
+                </a:tc>
+                <a:tc>
+                  <a:txBody>
+                    <a:bodyPr/>
+                    <a:lstStyle/>
+                    <a:p>
+                      <a:r>
+                        <a:rPr lang="en-US" dirty="0" smtClean="0"/>
+                        <a:t>Solving</a:t>
+                      </a:r>
+                      <a:endParaRPr lang="en-US" dirty="0"/>
+                    </a:p>
+                  </a:txBody>
+                  <a:tcPr/>
+                </a:tc>
+              </a:tr>
+              <a:tr h="758365">
+                <a:tc>
+                  <a:txBody>
+                    <a:bodyPr/>
+                    <a:lstStyle/>
+                    <a:p>
+                      <a:r>
+                        <a:rPr lang="en-US" dirty="0" err="1" smtClean="0"/>
+                        <a:t>Kurang</a:t>
+                      </a:r>
+                      <a:r>
+                        <a:rPr lang="en-US" dirty="0" smtClean="0"/>
+                        <a:t> </a:t>
+                      </a:r>
+                      <a:r>
+                        <a:rPr lang="en-US" dirty="0" err="1" smtClean="0"/>
+                        <a:t>tegasnya</a:t>
+                      </a:r>
+                      <a:r>
+                        <a:rPr lang="en-US" dirty="0" smtClean="0"/>
+                        <a:t> </a:t>
+                      </a:r>
+                      <a:r>
+                        <a:rPr lang="en-US" dirty="0" err="1" smtClean="0"/>
+                        <a:t>dalam</a:t>
+                      </a:r>
+                      <a:r>
+                        <a:rPr lang="en-US" dirty="0" smtClean="0"/>
+                        <a:t> </a:t>
+                      </a:r>
+                      <a:r>
+                        <a:rPr lang="en-US" dirty="0" err="1" smtClean="0"/>
+                        <a:t>pemberian</a:t>
+                      </a:r>
+                      <a:r>
+                        <a:rPr lang="en-US" dirty="0" smtClean="0"/>
+                        <a:t> deadline </a:t>
+                      </a:r>
+                      <a:r>
+                        <a:rPr lang="en-US" dirty="0" err="1" smtClean="0"/>
+                        <a:t>tugas</a:t>
+                      </a:r>
+                      <a:endParaRPr lang="en-US" dirty="0"/>
+                    </a:p>
+                  </a:txBody>
+                  <a:tcPr/>
+                </a:tc>
+                <a:tc>
+                  <a:txBody>
+                    <a:bodyPr/>
+                    <a:lstStyle/>
+                    <a:p>
+                      <a:r>
+                        <a:rPr lang="en-US" dirty="0" err="1" smtClean="0"/>
+                        <a:t>Harus</a:t>
+                      </a:r>
+                      <a:r>
+                        <a:rPr lang="en-US" dirty="0" smtClean="0"/>
+                        <a:t> </a:t>
+                      </a:r>
+                      <a:r>
+                        <a:rPr lang="en-US" dirty="0" err="1" smtClean="0"/>
+                        <a:t>lebih</a:t>
+                      </a:r>
+                      <a:r>
+                        <a:rPr lang="en-US" dirty="0" smtClean="0"/>
+                        <a:t> </a:t>
+                      </a:r>
+                      <a:r>
+                        <a:rPr lang="en-US" dirty="0" err="1" smtClean="0"/>
+                        <a:t>tegas</a:t>
+                      </a:r>
+                      <a:r>
+                        <a:rPr lang="en-US" dirty="0" smtClean="0"/>
+                        <a:t> </a:t>
+                      </a:r>
+                      <a:r>
+                        <a:rPr lang="en-US" dirty="0" err="1" smtClean="0"/>
+                        <a:t>memberi</a:t>
+                      </a:r>
+                      <a:r>
+                        <a:rPr lang="en-US" dirty="0" smtClean="0"/>
+                        <a:t> </a:t>
+                      </a:r>
+                      <a:r>
+                        <a:rPr lang="en-US" dirty="0" err="1" smtClean="0"/>
+                        <a:t>batasan</a:t>
+                      </a:r>
+                      <a:r>
+                        <a:rPr lang="en-US" baseline="0" dirty="0" smtClean="0"/>
+                        <a:t> </a:t>
+                      </a:r>
+                      <a:r>
+                        <a:rPr lang="en-US" baseline="0" dirty="0" err="1" smtClean="0"/>
+                        <a:t>waktu</a:t>
+                      </a:r>
+                      <a:r>
+                        <a:rPr lang="en-US" baseline="0" dirty="0" smtClean="0"/>
+                        <a:t> </a:t>
+                      </a:r>
+                      <a:r>
+                        <a:rPr lang="en-US" baseline="0" dirty="0" err="1" smtClean="0"/>
+                        <a:t>dan</a:t>
+                      </a:r>
+                      <a:r>
+                        <a:rPr lang="en-US" baseline="0" dirty="0" smtClean="0"/>
+                        <a:t> </a:t>
+                      </a:r>
+                      <a:r>
+                        <a:rPr lang="en-US" baseline="0" dirty="0" err="1" smtClean="0"/>
+                        <a:t>harus</a:t>
+                      </a:r>
+                      <a:r>
+                        <a:rPr lang="en-US" baseline="0" dirty="0" smtClean="0"/>
+                        <a:t> </a:t>
+                      </a:r>
+                      <a:r>
+                        <a:rPr lang="en-US" baseline="0" dirty="0" err="1" smtClean="0"/>
+                        <a:t>ditepati</a:t>
+                      </a:r>
+                      <a:endParaRPr lang="en-US" dirty="0"/>
+                    </a:p>
+                  </a:txBody>
+                  <a:tcPr/>
+                </a:tc>
+              </a:tr>
+              <a:tr h="1083379">
+                <a:tc>
+                  <a:txBody>
+                    <a:bodyPr/>
+                    <a:lstStyle/>
+                    <a:p>
+                      <a:r>
+                        <a:rPr lang="en-US" dirty="0" err="1" smtClean="0"/>
+                        <a:t>Kurang</a:t>
+                      </a:r>
+                      <a:r>
+                        <a:rPr lang="en-US" dirty="0" smtClean="0"/>
+                        <a:t> </a:t>
+                      </a:r>
+                      <a:r>
+                        <a:rPr lang="en-US" dirty="0" err="1" smtClean="0"/>
+                        <a:t>memantau</a:t>
+                      </a:r>
+                      <a:r>
+                        <a:rPr lang="en-US" dirty="0" smtClean="0"/>
+                        <a:t> </a:t>
+                      </a:r>
+                      <a:r>
+                        <a:rPr lang="en-US" dirty="0" err="1" smtClean="0"/>
+                        <a:t>kerja</a:t>
+                      </a:r>
+                      <a:r>
+                        <a:rPr lang="en-US" dirty="0" smtClean="0"/>
+                        <a:t> </a:t>
+                      </a:r>
+                      <a:r>
+                        <a:rPr lang="en-US" dirty="0" err="1" smtClean="0"/>
+                        <a:t>anggota</a:t>
+                      </a:r>
+                      <a:r>
+                        <a:rPr lang="en-US" dirty="0" smtClean="0"/>
+                        <a:t> </a:t>
+                      </a:r>
+                      <a:r>
+                        <a:rPr lang="en-US" dirty="0" err="1" smtClean="0"/>
+                        <a:t>kelompok</a:t>
+                      </a:r>
+                      <a:endParaRPr lang="en-US" dirty="0"/>
+                    </a:p>
+                  </a:txBody>
+                  <a:tcPr/>
+                </a:tc>
+                <a:tc>
+                  <a:txBody>
+                    <a:bodyPr/>
+                    <a:lstStyle/>
+                    <a:p>
+                      <a:r>
+                        <a:rPr lang="en-US" dirty="0" err="1" smtClean="0"/>
+                        <a:t>Harus</a:t>
+                      </a:r>
+                      <a:r>
+                        <a:rPr lang="en-US" dirty="0" smtClean="0"/>
+                        <a:t> </a:t>
+                      </a:r>
+                      <a:r>
+                        <a:rPr lang="en-US" dirty="0" err="1" smtClean="0"/>
+                        <a:t>lebih</a:t>
+                      </a:r>
+                      <a:r>
+                        <a:rPr lang="en-US" dirty="0" smtClean="0"/>
+                        <a:t> </a:t>
+                      </a:r>
+                      <a:r>
+                        <a:rPr lang="en-US" dirty="0" err="1" smtClean="0"/>
+                        <a:t>sering</a:t>
+                      </a:r>
+                      <a:r>
+                        <a:rPr lang="en-US" dirty="0" smtClean="0"/>
+                        <a:t> </a:t>
+                      </a:r>
+                      <a:r>
+                        <a:rPr lang="en-US" dirty="0" err="1" smtClean="0"/>
+                        <a:t>menghubungi</a:t>
+                      </a:r>
+                      <a:r>
+                        <a:rPr lang="en-US" dirty="0" smtClean="0"/>
+                        <a:t> </a:t>
+                      </a:r>
+                      <a:r>
+                        <a:rPr lang="en-US" dirty="0" err="1" smtClean="0"/>
+                        <a:t>anggota</a:t>
+                      </a:r>
+                      <a:r>
+                        <a:rPr lang="en-US" dirty="0" smtClean="0"/>
+                        <a:t> </a:t>
+                      </a:r>
+                      <a:r>
+                        <a:rPr lang="en-US" dirty="0" err="1" smtClean="0"/>
+                        <a:t>untuk</a:t>
+                      </a:r>
+                      <a:r>
+                        <a:rPr lang="en-US" dirty="0" smtClean="0"/>
+                        <a:t> </a:t>
+                      </a:r>
+                      <a:r>
+                        <a:rPr lang="en-US" dirty="0" err="1" smtClean="0"/>
+                        <a:t>menanyakan</a:t>
+                      </a:r>
+                      <a:r>
+                        <a:rPr lang="en-US" dirty="0" smtClean="0"/>
+                        <a:t> </a:t>
+                      </a:r>
+                      <a:r>
+                        <a:rPr lang="en-US" dirty="0" err="1" smtClean="0"/>
+                        <a:t>kondisi</a:t>
+                      </a:r>
+                      <a:r>
+                        <a:rPr lang="en-US" dirty="0" smtClean="0"/>
+                        <a:t> </a:t>
+                      </a:r>
+                      <a:r>
+                        <a:rPr lang="en-US" dirty="0" err="1" smtClean="0"/>
+                        <a:t>pekerjaan</a:t>
+                      </a:r>
+                      <a:endParaRPr lang="en-US" dirty="0"/>
+                    </a:p>
+                  </a:txBody>
+                  <a:tcPr/>
+                </a:tc>
+              </a:tr>
+            </a:tbl>
+          </a:graphicData>
+        </a:graphic>
+      </p:graphicFrame>
     </p:spTree>
     <p:extLst>
       <p:ext uri="{BB962C8B-B14F-4D97-AF65-F5344CB8AC3E}">
-        <p14:creationId xmlns:p14="http://schemas.microsoft.com/office/powerpoint/2010/main" val="1857095560"/>
+        <p14:creationId xmlns:p14="http://schemas.microsoft.com/office/powerpoint/2010/main" val="1360422456"/>
       </p:ext>
     </p:extLst>
   </p:cSld>
@@ -14461,12 +13377,14 @@
         </p:nvSpPr>
         <p:spPr>
           <a:xfrm>
-            <a:off x="1162101" y="991985"/>
-            <a:ext cx="10178322" cy="849515"/>
+            <a:off x="1200878" y="966585"/>
+            <a:ext cx="10178322" cy="760615"/>
           </a:xfrm>
         </p:spPr>
         <p:txBody>
-          <a:bodyPr/>
+          <a:bodyPr>
+            <a:normAutofit fontScale="90000"/>
+          </a:bodyPr>
           <a:lstStyle/>
           <a:p>
             <a:pPr algn="ctr"/>
@@ -14488,7 +13406,7 @@
                 <a:ea typeface="Tahoma" pitchFamily="34" charset="0"/>
                 <a:cs typeface="Tahoma" pitchFamily="34" charset="0"/>
               </a:rPr>
-              <a:t>PROJECT MANAGER</a:t>
+              <a:t>SEKRETARIS</a:t>
             </a:r>
             <a:endParaRPr lang="en-US" b="1" cap="none" spc="0" dirty="0">
               <a:ln w="22225">
@@ -14519,14 +13437,14 @@
           <p:nvPr>
             <p:extLst>
               <p:ext uri="{D42A27DB-BD31-4B8C-83A1-F6EECF244321}">
-                <p14:modId xmlns:p14="http://schemas.microsoft.com/office/powerpoint/2010/main" val="335173524"/>
+                <p14:modId xmlns:p14="http://schemas.microsoft.com/office/powerpoint/2010/main" val="163967935"/>
               </p:ext>
             </p:extLst>
           </p:nvPr>
         </p:nvGraphicFramePr>
         <p:xfrm>
-          <a:off x="2006242" y="2342401"/>
-          <a:ext cx="8490040" cy="2281114"/>
+          <a:off x="1555480" y="2432556"/>
+          <a:ext cx="9224136" cy="1959139"/>
         </p:xfrm>
         <a:graphic>
           <a:graphicData uri="http://schemas.openxmlformats.org/drawingml/2006/table">
@@ -14535,15 +13453,16 @@
                 <a:tableStyleId>{18603FDC-E32A-4AB5-989C-0864C3EAD2B8}</a:tableStyleId>
               </a:tblPr>
               <a:tblGrid>
-                <a:gridCol w="4245020"/>
-                <a:gridCol w="4245020"/>
+                <a:gridCol w="4612068"/>
+                <a:gridCol w="4612068"/>
               </a:tblGrid>
-              <a:tr h="439370">
+              <a:tr h="565285">
                 <a:tc>
                   <a:txBody>
                     <a:bodyPr/>
                     <a:lstStyle/>
                     <a:p>
+                      <a:pPr algn="ctr"/>
                       <a:r>
                         <a:rPr lang="en-US" dirty="0" smtClean="0"/>
                         <a:t>Problem</a:t>
@@ -14558,6 +13477,7 @@
                     <a:bodyPr/>
                     <a:lstStyle/>
                     <a:p>
+                      <a:pPr algn="ctr"/>
                       <a:r>
                         <a:rPr lang="en-US" dirty="0" smtClean="0"/>
                         <a:t>Solving</a:t>
@@ -14568,7 +13488,7 @@
                   <a:tcPr/>
                 </a:tc>
               </a:tr>
-              <a:tr h="758365">
+              <a:tr h="1393854">
                 <a:tc>
                   <a:txBody>
                     <a:bodyPr/>
@@ -14576,7 +13496,7 @@
                     <a:p>
                       <a:r>
                         <a:rPr lang="en-US" dirty="0" err="1" smtClean="0"/>
-                        <a:t>Kurang</a:t>
+                        <a:t>Ketidak</a:t>
                       </a:r>
                       <a:r>
                         <a:rPr lang="en-US" dirty="0" smtClean="0"/>
@@ -14584,7 +13504,15 @@
                       </a:r>
                       <a:r>
                         <a:rPr lang="en-US" dirty="0" err="1" smtClean="0"/>
-                        <a:t>tegasnya</a:t>
+                        <a:t>tahuan</a:t>
+                      </a:r>
+                      <a:r>
+                        <a:rPr lang="en-US" dirty="0" smtClean="0"/>
+                        <a:t> format </a:t>
+                      </a:r>
+                      <a:r>
+                        <a:rPr lang="en-US" dirty="0" err="1" smtClean="0"/>
+                        <a:t>berita</a:t>
                       </a:r>
                       <a:r>
                         <a:rPr lang="en-US" dirty="0" smtClean="0"/>
@@ -14592,23 +13520,7 @@
                       </a:r>
                       <a:r>
                         <a:rPr lang="en-US" dirty="0" err="1" smtClean="0"/>
-                        <a:t>dalam</a:t>
-                      </a:r>
-                      <a:r>
-                        <a:rPr lang="en-US" dirty="0" smtClean="0"/>
-                        <a:t> </a:t>
-                      </a:r>
-                      <a:r>
-                        <a:rPr lang="en-US" dirty="0" err="1" smtClean="0"/>
-                        <a:t>pemberian</a:t>
-                      </a:r>
-                      <a:r>
-                        <a:rPr lang="en-US" dirty="0" smtClean="0"/>
-                        <a:t> deadline </a:t>
-                      </a:r>
-                      <a:r>
-                        <a:rPr lang="en-US" dirty="0" err="1" smtClean="0"/>
-                        <a:t>tugas</a:t>
+                        <a:t>acara</a:t>
                       </a:r>
                       <a:endParaRPr lang="en-US" dirty="0"/>
                     </a:p>
@@ -14620,9 +13532,13 @@
                     <a:bodyPr/>
                     <a:lstStyle/>
                     <a:p>
-                      <a:r>
-                        <a:rPr lang="en-US" dirty="0" err="1" smtClean="0"/>
-                        <a:t>Harus</a:t>
+                      <a:pPr marL="285750" indent="-285750">
+                        <a:buFont typeface="Arial" panose="020B0604020202020204" pitchFamily="34" charset="0"/>
+                        <a:buChar char="•"/>
+                      </a:pPr>
+                      <a:r>
+                        <a:rPr lang="en-US" dirty="0" err="1" smtClean="0"/>
+                        <a:t>Mencari</a:t>
                       </a:r>
                       <a:r>
                         <a:rPr lang="en-US" dirty="0" smtClean="0"/>
@@ -14630,7 +13546,21 @@
                       </a:r>
                       <a:r>
                         <a:rPr lang="en-US" dirty="0" err="1" smtClean="0"/>
-                        <a:t>lebih</a:t>
+                        <a:t>referensi</a:t>
+                      </a:r>
+                      <a:r>
+                        <a:rPr lang="en-US" dirty="0" smtClean="0"/>
+                        <a:t> di Internet</a:t>
+                      </a:r>
+                    </a:p>
+                    <a:p>
+                      <a:pPr marL="285750" indent="-285750">
+                        <a:buFont typeface="Arial" panose="020B0604020202020204" pitchFamily="34" charset="0"/>
+                        <a:buChar char="•"/>
+                      </a:pPr>
+                      <a:r>
+                        <a:rPr lang="en-US" dirty="0" err="1" smtClean="0"/>
+                        <a:t>Menanyakan</a:t>
                       </a:r>
                       <a:r>
                         <a:rPr lang="en-US" dirty="0" smtClean="0"/>
@@ -14638,7 +13568,7 @@
                       </a:r>
                       <a:r>
                         <a:rPr lang="en-US" dirty="0" err="1" smtClean="0"/>
-                        <a:t>tegas</a:t>
+                        <a:t>pada</a:t>
                       </a:r>
                       <a:r>
                         <a:rPr lang="en-US" dirty="0" smtClean="0"/>
@@ -14646,31 +13576,15 @@
                       </a:r>
                       <a:r>
                         <a:rPr lang="en-US" dirty="0" err="1" smtClean="0"/>
-                        <a:t>memberi</a:t>
-                      </a:r>
-                      <a:r>
-                        <a:rPr lang="en-US" dirty="0" smtClean="0"/>
+                        <a:t>dosen</a:t>
+                      </a:r>
+                      <a:r>
+                        <a:rPr lang="en-US" baseline="0" dirty="0" smtClean="0"/>
                         <a:t> </a:t>
                       </a:r>
                       <a:r>
                         <a:rPr lang="en-US" dirty="0" err="1" smtClean="0"/>
-                        <a:t>waktu</a:t>
-                      </a:r>
-                      <a:endParaRPr lang="en-US" dirty="0"/>
-                    </a:p>
-                  </a:txBody>
-                  <a:tcPr/>
-                </a:tc>
-              </a:tr>
-              <a:tr h="1083379">
-                <a:tc>
-                  <a:txBody>
-                    <a:bodyPr/>
-                    <a:lstStyle/>
-                    <a:p>
-                      <a:r>
-                        <a:rPr lang="en-US" dirty="0" err="1" smtClean="0"/>
-                        <a:t>Kurang</a:t>
+                        <a:t>pembimbing</a:t>
                       </a:r>
                       <a:r>
                         <a:rPr lang="en-US" dirty="0" smtClean="0"/>
@@ -14678,7 +13592,7 @@
                       </a:r>
                       <a:r>
                         <a:rPr lang="en-US" dirty="0" err="1" smtClean="0"/>
-                        <a:t>memantau</a:t>
+                        <a:t>mata</a:t>
                       </a:r>
                       <a:r>
                         <a:rPr lang="en-US" dirty="0" smtClean="0"/>
@@ -14686,101 +13600,7 @@
                       </a:r>
                       <a:r>
                         <a:rPr lang="en-US" dirty="0" err="1" smtClean="0"/>
-                        <a:t>kerja</a:t>
-                      </a:r>
-                      <a:r>
-                        <a:rPr lang="en-US" dirty="0" smtClean="0"/>
-                        <a:t> </a:t>
-                      </a:r>
-                      <a:r>
-                        <a:rPr lang="en-US" dirty="0" err="1" smtClean="0"/>
-                        <a:t>anggota</a:t>
-                      </a:r>
-                      <a:r>
-                        <a:rPr lang="en-US" dirty="0" smtClean="0"/>
-                        <a:t> </a:t>
-                      </a:r>
-                      <a:r>
-                        <a:rPr lang="en-US" dirty="0" err="1" smtClean="0"/>
-                        <a:t>kelompok</a:t>
-                      </a:r>
-                      <a:endParaRPr lang="en-US" dirty="0"/>
-                    </a:p>
-                  </a:txBody>
-                  <a:tcPr/>
-                </a:tc>
-                <a:tc>
-                  <a:txBody>
-                    <a:bodyPr/>
-                    <a:lstStyle/>
-                    <a:p>
-                      <a:r>
-                        <a:rPr lang="en-US" dirty="0" err="1" smtClean="0"/>
-                        <a:t>Harus</a:t>
-                      </a:r>
-                      <a:r>
-                        <a:rPr lang="en-US" dirty="0" smtClean="0"/>
-                        <a:t> </a:t>
-                      </a:r>
-                      <a:r>
-                        <a:rPr lang="en-US" dirty="0" err="1" smtClean="0"/>
-                        <a:t>lebih</a:t>
-                      </a:r>
-                      <a:r>
-                        <a:rPr lang="en-US" dirty="0" smtClean="0"/>
-                        <a:t> </a:t>
-                      </a:r>
-                      <a:r>
-                        <a:rPr lang="en-US" dirty="0" err="1" smtClean="0"/>
-                        <a:t>sering</a:t>
-                      </a:r>
-                      <a:r>
-                        <a:rPr lang="en-US" dirty="0" smtClean="0"/>
-                        <a:t> </a:t>
-                      </a:r>
-                      <a:r>
-                        <a:rPr lang="en-US" dirty="0" err="1" smtClean="0"/>
-                        <a:t>menghubungi</a:t>
-                      </a:r>
-                      <a:r>
-                        <a:rPr lang="en-US" dirty="0" smtClean="0"/>
-                        <a:t> </a:t>
-                      </a:r>
-                      <a:r>
-                        <a:rPr lang="en-US" dirty="0" err="1" smtClean="0"/>
-                        <a:t>anggota</a:t>
-                      </a:r>
-                      <a:r>
-                        <a:rPr lang="en-US" dirty="0" smtClean="0"/>
-                        <a:t> </a:t>
-                      </a:r>
-                      <a:r>
-                        <a:rPr lang="en-US" dirty="0" err="1" smtClean="0"/>
-                        <a:t>untuk</a:t>
-                      </a:r>
-                      <a:r>
-                        <a:rPr lang="en-US" dirty="0" smtClean="0"/>
-                        <a:t> </a:t>
-                      </a:r>
-                      <a:r>
-                        <a:rPr lang="en-US" dirty="0" err="1" smtClean="0"/>
-                        <a:t>menanyakan</a:t>
-                      </a:r>
-                      <a:r>
-                        <a:rPr lang="en-US" dirty="0" smtClean="0"/>
-                        <a:t> </a:t>
-                      </a:r>
-                      <a:r>
-                        <a:rPr lang="en-US" dirty="0" err="1" smtClean="0"/>
-                        <a:t>kondisi</a:t>
-                      </a:r>
-                      <a:r>
-                        <a:rPr lang="en-US" dirty="0" smtClean="0"/>
-                        <a:t> </a:t>
-                      </a:r>
-                      <a:r>
-                        <a:rPr lang="en-US" dirty="0" err="1" smtClean="0"/>
-                        <a:t>pekerjaan</a:t>
+                        <a:t>kuliah</a:t>
                       </a:r>
                       <a:endParaRPr lang="en-US" dirty="0"/>
                     </a:p>
@@ -14795,7 +13615,7 @@
     </p:spTree>
     <p:extLst>
       <p:ext uri="{BB962C8B-B14F-4D97-AF65-F5344CB8AC3E}">
-        <p14:creationId xmlns:p14="http://schemas.microsoft.com/office/powerpoint/2010/main" val="1360422456"/>
+        <p14:creationId xmlns:p14="http://schemas.microsoft.com/office/powerpoint/2010/main" val="2968550288"/>
       </p:ext>
     </p:extLst>
   </p:cSld>
@@ -14841,8 +13661,8 @@
         </p:nvSpPr>
         <p:spPr>
           <a:xfrm>
-            <a:off x="1200878" y="966585"/>
-            <a:ext cx="10178322" cy="760615"/>
+            <a:off x="1290888" y="1207885"/>
+            <a:ext cx="10178322" cy="786015"/>
           </a:xfrm>
         </p:spPr>
         <p:txBody>
@@ -14870,7 +13690,7 @@
                 <a:ea typeface="Tahoma" pitchFamily="34" charset="0"/>
                 <a:cs typeface="Tahoma" pitchFamily="34" charset="0"/>
               </a:rPr>
-              <a:t>SEKRETARIS</a:t>
+              <a:t>PROGRAMMER</a:t>
             </a:r>
             <a:endParaRPr lang="en-US" b="1" cap="none" spc="0" dirty="0">
               <a:ln w="22225">
@@ -14901,14 +13721,14 @@
           <p:nvPr>
             <p:extLst>
               <p:ext uri="{D42A27DB-BD31-4B8C-83A1-F6EECF244321}">
-                <p14:modId xmlns:p14="http://schemas.microsoft.com/office/powerpoint/2010/main" val="163967935"/>
+                <p14:modId xmlns:p14="http://schemas.microsoft.com/office/powerpoint/2010/main" val="2813895189"/>
               </p:ext>
             </p:extLst>
           </p:nvPr>
         </p:nvGraphicFramePr>
         <p:xfrm>
-          <a:off x="1555480" y="2432556"/>
-          <a:ext cx="9224136" cy="1959139"/>
+          <a:off x="1903209" y="2806043"/>
+          <a:ext cx="8953680" cy="2062172"/>
         </p:xfrm>
         <a:graphic>
           <a:graphicData uri="http://schemas.openxmlformats.org/drawingml/2006/table">
@@ -14917,10 +13737,10 @@
                 <a:tableStyleId>{18603FDC-E32A-4AB5-989C-0864C3EAD2B8}</a:tableStyleId>
               </a:tblPr>
               <a:tblGrid>
-                <a:gridCol w="4612068"/>
-                <a:gridCol w="4612068"/>
+                <a:gridCol w="4476840"/>
+                <a:gridCol w="4476840"/>
               </a:tblGrid>
-              <a:tr h="565285">
+              <a:tr h="490354">
                 <a:tc>
                   <a:txBody>
                     <a:bodyPr/>
@@ -14952,7 +13772,7 @@
                   <a:tcPr/>
                 </a:tc>
               </a:tr>
-              <a:tr h="1393854">
+              <a:tr h="1571818">
                 <a:tc>
                   <a:txBody>
                     <a:bodyPr/>
@@ -14960,7 +13780,7 @@
                     <a:p>
                       <a:r>
                         <a:rPr lang="en-US" dirty="0" err="1" smtClean="0"/>
-                        <a:t>Ketidak</a:t>
+                        <a:t>Anggota</a:t>
                       </a:r>
                       <a:r>
                         <a:rPr lang="en-US" dirty="0" smtClean="0"/>
@@ -14968,15 +13788,7 @@
                       </a:r>
                       <a:r>
                         <a:rPr lang="en-US" dirty="0" err="1" smtClean="0"/>
-                        <a:t>tahuan</a:t>
-                      </a:r>
-                      <a:r>
-                        <a:rPr lang="en-US" dirty="0" smtClean="0"/>
-                        <a:t> format </a:t>
-                      </a:r>
-                      <a:r>
-                        <a:rPr lang="en-US" dirty="0" err="1" smtClean="0"/>
-                        <a:t>berita</a:t>
+                        <a:t>masih</a:t>
                       </a:r>
                       <a:r>
                         <a:rPr lang="en-US" dirty="0" smtClean="0"/>
@@ -14984,7 +13796,55 @@
                       </a:r>
                       <a:r>
                         <a:rPr lang="en-US" dirty="0" err="1" smtClean="0"/>
-                        <a:t>acara</a:t>
+                        <a:t>banyak</a:t>
+                      </a:r>
+                      <a:r>
+                        <a:rPr lang="en-US" dirty="0" smtClean="0"/>
+                        <a:t> yang </a:t>
+                      </a:r>
+                      <a:r>
+                        <a:rPr lang="en-US" dirty="0" err="1" smtClean="0"/>
+                        <a:t>kurang</a:t>
+                      </a:r>
+                      <a:r>
+                        <a:rPr lang="en-US" dirty="0" smtClean="0"/>
+                        <a:t> </a:t>
+                      </a:r>
+                      <a:r>
+                        <a:rPr lang="en-US" dirty="0" err="1" smtClean="0"/>
+                        <a:t>tahu</a:t>
+                      </a:r>
+                      <a:r>
+                        <a:rPr lang="en-US" dirty="0" smtClean="0"/>
+                        <a:t> </a:t>
+                      </a:r>
+                      <a:r>
+                        <a:rPr lang="en-US" dirty="0" err="1" smtClean="0"/>
+                        <a:t>pengguna</a:t>
+                      </a:r>
+                      <a:r>
+                        <a:rPr lang="en-US" dirty="0" smtClean="0"/>
+                        <a:t> </a:t>
+                      </a:r>
+                      <a:r>
+                        <a:rPr lang="en-US" dirty="0" err="1" smtClean="0"/>
+                        <a:t>github</a:t>
+                      </a:r>
+                      <a:r>
+                        <a:rPr lang="en-US" dirty="0" smtClean="0"/>
+                        <a:t> </a:t>
+                      </a:r>
+                      <a:r>
+                        <a:rPr lang="en-US" dirty="0" err="1" smtClean="0"/>
+                        <a:t>dan</a:t>
+                      </a:r>
+                      <a:r>
+                        <a:rPr lang="en-US" dirty="0" smtClean="0"/>
+                        <a:t> </a:t>
+                      </a:r>
+                      <a:r>
+                        <a:rPr lang="en-US" dirty="0" err="1" smtClean="0"/>
+                        <a:t>laravel</a:t>
                       </a:r>
                       <a:endParaRPr lang="en-US" dirty="0"/>
                     </a:p>
@@ -14996,13 +13856,9 @@
                     <a:bodyPr/>
                     <a:lstStyle/>
                     <a:p>
-                      <a:pPr marL="285750" indent="-285750">
-                        <a:buFont typeface="Arial" panose="020B0604020202020204" pitchFamily="34" charset="0"/>
-                        <a:buChar char="•"/>
-                      </a:pPr>
-                      <a:r>
-                        <a:rPr lang="en-US" dirty="0" err="1" smtClean="0"/>
-                        <a:t>Mencari</a:t>
+                      <a:r>
+                        <a:rPr lang="en-US" dirty="0" err="1" smtClean="0"/>
+                        <a:t>Memberikan</a:t>
                       </a:r>
                       <a:r>
                         <a:rPr lang="en-US" dirty="0" smtClean="0"/>
@@ -15010,21 +13866,7 @@
                       </a:r>
                       <a:r>
                         <a:rPr lang="en-US" dirty="0" err="1" smtClean="0"/>
-                        <a:t>referensi</a:t>
-                      </a:r>
-                      <a:r>
-                        <a:rPr lang="en-US" dirty="0" smtClean="0"/>
-                        <a:t> di Internet</a:t>
-                      </a:r>
-                    </a:p>
-                    <a:p>
-                      <a:pPr marL="285750" indent="-285750">
-                        <a:buFont typeface="Arial" panose="020B0604020202020204" pitchFamily="34" charset="0"/>
-                        <a:buChar char="•"/>
-                      </a:pPr>
-                      <a:r>
-                        <a:rPr lang="en-US" dirty="0" err="1" smtClean="0"/>
-                        <a:t>Menanyakan</a:t>
+                        <a:t>pengajaran</a:t>
                       </a:r>
                       <a:r>
                         <a:rPr lang="en-US" dirty="0" smtClean="0"/>
@@ -15032,7 +13874,7 @@
                       </a:r>
                       <a:r>
                         <a:rPr lang="en-US" dirty="0" err="1" smtClean="0"/>
-                        <a:t>pada</a:t>
+                        <a:t>cara</a:t>
                       </a:r>
                       <a:r>
                         <a:rPr lang="en-US" dirty="0" smtClean="0"/>
@@ -15040,15 +13882,15 @@
                       </a:r>
                       <a:r>
                         <a:rPr lang="en-US" dirty="0" err="1" smtClean="0"/>
-                        <a:t>dosen</a:t>
-                      </a:r>
-                      <a:r>
-                        <a:rPr lang="en-US" baseline="0" dirty="0" smtClean="0"/>
+                        <a:t>penggunaan</a:t>
+                      </a:r>
+                      <a:r>
+                        <a:rPr lang="en-US" dirty="0" smtClean="0"/>
                         <a:t> </a:t>
                       </a:r>
                       <a:r>
                         <a:rPr lang="en-US" dirty="0" err="1" smtClean="0"/>
-                        <a:t>pembimbing</a:t>
+                        <a:t>github</a:t>
                       </a:r>
                       <a:r>
                         <a:rPr lang="en-US" dirty="0" smtClean="0"/>
@@ -15056,7 +13898,7 @@
                       </a:r>
                       <a:r>
                         <a:rPr lang="en-US" dirty="0" err="1" smtClean="0"/>
-                        <a:t>mata</a:t>
+                        <a:t>dan</a:t>
                       </a:r>
                       <a:r>
                         <a:rPr lang="en-US" dirty="0" smtClean="0"/>
@@ -15064,7 +13906,59 @@
                       </a:r>
                       <a:r>
                         <a:rPr lang="en-US" dirty="0" err="1" smtClean="0"/>
-                        <a:t>kuliah</a:t>
+                        <a:t>laravel</a:t>
+                      </a:r>
+                      <a:r>
+                        <a:rPr lang="en-US" dirty="0" smtClean="0"/>
+                        <a:t> </a:t>
+                      </a:r>
+                      <a:r>
+                        <a:rPr lang="en-US" dirty="0" err="1" smtClean="0"/>
+                        <a:t>serta</a:t>
+                      </a:r>
+                      <a:r>
+                        <a:rPr lang="en-US" dirty="0" smtClean="0"/>
+                        <a:t> </a:t>
+                      </a:r>
+                      <a:r>
+                        <a:rPr lang="en-US" dirty="0" err="1" smtClean="0"/>
+                        <a:t>memberikan</a:t>
+                      </a:r>
+                      <a:r>
+                        <a:rPr lang="en-US" dirty="0" smtClean="0"/>
+                        <a:t> </a:t>
+                      </a:r>
+                      <a:r>
+                        <a:rPr lang="en-US" dirty="0" err="1" smtClean="0"/>
+                        <a:t>praktik</a:t>
+                      </a:r>
+                      <a:r>
+                        <a:rPr lang="en-US" dirty="0" smtClean="0"/>
+                        <a:t> </a:t>
+                      </a:r>
+                      <a:r>
+                        <a:rPr lang="en-US" dirty="0" err="1" smtClean="0"/>
+                        <a:t>secara</a:t>
+                      </a:r>
+                      <a:r>
+                        <a:rPr lang="en-US" dirty="0" smtClean="0"/>
+                        <a:t> </a:t>
+                      </a:r>
+                      <a:r>
+                        <a:rPr lang="en-US" dirty="0" err="1" smtClean="0"/>
+                        <a:t>langsung</a:t>
+                      </a:r>
+                      <a:r>
+                        <a:rPr lang="en-US" dirty="0" smtClean="0"/>
+                        <a:t> di </a:t>
+                      </a:r>
+                      <a:r>
+                        <a:rPr lang="en-US" dirty="0" err="1" smtClean="0"/>
+                        <a:t>awal</a:t>
+                      </a:r>
+                      <a:r>
+                        <a:rPr lang="en-US" dirty="0" smtClean="0"/>
+                        <a:t> project</a:t>
                       </a:r>
                       <a:endParaRPr lang="en-US" dirty="0"/>
                     </a:p>
@@ -15079,7 +13973,7 @@
     </p:spTree>
     <p:extLst>
       <p:ext uri="{BB962C8B-B14F-4D97-AF65-F5344CB8AC3E}">
-        <p14:creationId xmlns:p14="http://schemas.microsoft.com/office/powerpoint/2010/main" val="2968550288"/>
+        <p14:creationId xmlns:p14="http://schemas.microsoft.com/office/powerpoint/2010/main" val="398033000"/>
       </p:ext>
     </p:extLst>
   </p:cSld>
